--- a/static/pptx/2017FA_ECE408_dl03_CNN01.pptx
+++ b/static/pptx/2017FA_ECE408_dl03_CNN01.pptx
@@ -7,10 +7,10 @@
     <p:sldMasterId id="2147483685" r:id="rId3"/>
   </p:sldMasterIdLst>
   <p:notesMasterIdLst>
-    <p:notesMasterId r:id="rId26"/>
+    <p:notesMasterId r:id="rId25"/>
   </p:notesMasterIdLst>
   <p:handoutMasterIdLst>
-    <p:handoutMasterId r:id="rId27"/>
+    <p:handoutMasterId r:id="rId26"/>
   </p:handoutMasterIdLst>
   <p:sldIdLst>
     <p:sldId id="261" r:id="rId4"/>
@@ -30,11 +30,10 @@
     <p:sldId id="274" r:id="rId18"/>
     <p:sldId id="275" r:id="rId19"/>
     <p:sldId id="277" r:id="rId20"/>
-    <p:sldId id="276" r:id="rId21"/>
-    <p:sldId id="279" r:id="rId22"/>
-    <p:sldId id="284" r:id="rId23"/>
-    <p:sldId id="282" r:id="rId24"/>
-    <p:sldId id="285" r:id="rId25"/>
+    <p:sldId id="279" r:id="rId21"/>
+    <p:sldId id="284" r:id="rId22"/>
+    <p:sldId id="282" r:id="rId23"/>
+    <p:sldId id="285" r:id="rId24"/>
   </p:sldIdLst>
   <p:sldSz cx="13817600" cy="7772400"/>
   <p:notesSz cx="6858000" cy="9144000"/>
@@ -155,7 +154,6 @@
             <p14:sldId id="274"/>
             <p14:sldId id="275"/>
             <p14:sldId id="277"/>
-            <p14:sldId id="276"/>
             <p14:sldId id="279"/>
             <p14:sldId id="284"/>
             <p14:sldId id="282"/>
@@ -3585,7 +3583,7 @@
                   <a:srgbClr val="F16322"/>
                 </a:solidFill>
               </a:rPr>
-              <a:t>10/29/2017</a:t>
+              <a:t>11/1/2017</a:t>
             </a:fld>
             <a:endParaRPr lang="en-US" dirty="0">
               <a:solidFill>
@@ -3744,7 +3742,7 @@
             <a:fld id="{DBF7D493-8EEB-7E45-916B-5FBC49ABC710}" type="datetimeFigureOut">
               <a:rPr lang="en-US" smtClean="0"/>
               <a:pPr/>
-              <a:t>10/29/2017</a:t>
+              <a:t>11/1/2017</a:t>
             </a:fld>
             <a:endParaRPr lang="en-US" dirty="0"/>
           </a:p>
@@ -15030,6 +15028,111 @@
           </a:fontRef>
         </p:style>
       </p:cxnSp>
+      <p:sp>
+        <p:nvSpPr>
+          <p:cNvPr id="4" name="TextBox 3">
+            <a:extLst>
+              <a:ext uri="{FF2B5EF4-FFF2-40B4-BE49-F238E27FC236}">
+                <a16:creationId xmlns:a16="http://schemas.microsoft.com/office/drawing/2014/main" id="{D77B1008-5056-4D7F-B72A-412CA9919499}"/>
+              </a:ext>
+            </a:extLst>
+          </p:cNvPr>
+          <p:cNvSpPr txBox="1"/>
+          <p:nvPr/>
+        </p:nvSpPr>
+        <p:spPr>
+          <a:xfrm>
+            <a:off x="6353033" y="6257499"/>
+            <a:ext cx="1637918" cy="400110"/>
+          </a:xfrm>
+          <a:prstGeom prst="rect">
+            <a:avLst/>
+          </a:prstGeom>
+          <a:noFill/>
+        </p:spPr>
+        <p:txBody>
+          <a:bodyPr wrap="square" rtlCol="0">
+            <a:spAutoFit/>
+          </a:bodyPr>
+          <a:lstStyle/>
+          <a:p>
+            <a:r>
+              <a:rPr lang="en-US" dirty="0"/>
+              <a:t>Input channel</a:t>
+            </a:r>
+          </a:p>
+        </p:txBody>
+      </p:sp>
+      <p:sp>
+        <p:nvSpPr>
+          <p:cNvPr id="135" name="TextBox 134">
+            <a:extLst>
+              <a:ext uri="{FF2B5EF4-FFF2-40B4-BE49-F238E27FC236}">
+                <a16:creationId xmlns:a16="http://schemas.microsoft.com/office/drawing/2014/main" id="{67A41B54-2397-4218-A8BE-94807AF3FBC3}"/>
+              </a:ext>
+            </a:extLst>
+          </p:cNvPr>
+          <p:cNvSpPr txBox="1"/>
+          <p:nvPr/>
+        </p:nvSpPr>
+        <p:spPr>
+          <a:xfrm>
+            <a:off x="8065607" y="1155594"/>
+            <a:ext cx="1984282" cy="400110"/>
+          </a:xfrm>
+          <a:prstGeom prst="rect">
+            <a:avLst/>
+          </a:prstGeom>
+          <a:noFill/>
+        </p:spPr>
+        <p:txBody>
+          <a:bodyPr wrap="square" rtlCol="0">
+            <a:spAutoFit/>
+          </a:bodyPr>
+          <a:lstStyle/>
+          <a:p>
+            <a:r>
+              <a:rPr lang="en-US" dirty="0"/>
+              <a:t>Output Channel</a:t>
+            </a:r>
+          </a:p>
+        </p:txBody>
+      </p:sp>
+      <p:sp>
+        <p:nvSpPr>
+          <p:cNvPr id="136" name="TextBox 135">
+            <a:extLst>
+              <a:ext uri="{FF2B5EF4-FFF2-40B4-BE49-F238E27FC236}">
+                <a16:creationId xmlns:a16="http://schemas.microsoft.com/office/drawing/2014/main" id="{0CE206CC-6A20-411C-95A9-116E7EBB2B72}"/>
+              </a:ext>
+            </a:extLst>
+          </p:cNvPr>
+          <p:cNvSpPr txBox="1"/>
+          <p:nvPr/>
+        </p:nvSpPr>
+        <p:spPr>
+          <a:xfrm>
+            <a:off x="6529763" y="3083739"/>
+            <a:ext cx="1984282" cy="1015663"/>
+          </a:xfrm>
+          <a:prstGeom prst="rect">
+            <a:avLst/>
+          </a:prstGeom>
+          <a:noFill/>
+        </p:spPr>
+        <p:txBody>
+          <a:bodyPr wrap="square" rtlCol="0">
+            <a:spAutoFit/>
+          </a:bodyPr>
+          <a:lstStyle/>
+          <a:p>
+            <a:r>
+              <a:rPr lang="en-US" dirty="0"/>
+              <a:t>Kernel contribution to output channel</a:t>
+            </a:r>
+          </a:p>
+        </p:txBody>
+      </p:sp>
     </p:spTree>
     <p:extLst>
       <p:ext uri="{BB962C8B-B14F-4D97-AF65-F5344CB8AC3E}">
@@ -15128,7 +15231,7 @@
             </a:pPr>
             <a:r>
               <a:rPr lang="en-US" sz="3600" dirty="0"/>
-              <a:t>Fewer Weights</a:t>
+              <a:t>Fewer weights to store and train</a:t>
             </a:r>
           </a:p>
         </p:txBody>
@@ -15161,7 +15264,7 @@
           <a:p>
             <a:r>
               <a:rPr lang="en-US" b="1" u="sng" dirty="0"/>
-              <a:t>MLP</a:t>
+              <a:t>Fully-Connected</a:t>
             </a:r>
           </a:p>
           <a:p>
@@ -15181,7 +15284,7 @@
             </a:pPr>
             <a:r>
               <a:rPr lang="en-US" sz="3600" dirty="0"/>
-              <a:t>Y = w x + b</a:t>
+              <a:t>Y = W • x + b</a:t>
             </a:r>
           </a:p>
           <a:p>
@@ -15201,7 +15304,7 @@
             </a:pPr>
             <a:r>
               <a:rPr lang="en-US" sz="3600" dirty="0"/>
-              <a:t>More weights</a:t>
+              <a:t>More weights to store and train</a:t>
             </a:r>
           </a:p>
         </p:txBody>
@@ -15292,7 +15395,7 @@
           <a:graphicData uri="http://schemas.openxmlformats.org/presentationml/2006/ole">
             <mc:AlternateContent xmlns:mc="http://schemas.openxmlformats.org/markup-compatibility/2006">
               <mc:Choice xmlns:v="urn:schemas-microsoft-com:vml" Requires="v">
-                <p:oleObj spid="_x0000_s1081" r:id="rId3" imgW="4591185" imgH="2619465" progId="Visio.Drawing.11">
+                <p:oleObj spid="_x0000_s1105" r:id="rId3" imgW="4591185" imgH="2619465" progId="Visio.Drawing.11">
                   <p:embed/>
                 </p:oleObj>
               </mc:Choice>
@@ -15629,7 +15732,7 @@
                 <a:latin typeface="Consolas" panose="020B0609020204030204" pitchFamily="49" charset="0"/>
                 <a:ea typeface="Times New Roman" panose="02020603050405020304" pitchFamily="18" charset="0"/>
               </a:rPr>
-              <a:t> K, float* X, float* W, float* Y) {</a:t>
+              <a:t> K, float *X, float *W, float *Y) {</a:t>
             </a:r>
           </a:p>
           <a:p>
@@ -15946,7 +16049,7 @@
                 <a:latin typeface="Consolas" panose="020B0609020204030204" pitchFamily="49" charset="0"/>
                 <a:ea typeface="Times New Roman" panose="02020603050405020304" pitchFamily="18" charset="0"/>
               </a:rPr>
-              <a:t>          Y[m, h, w] = 0;</a:t>
+              <a:t>          Y[b, m, h, w] = 0;</a:t>
             </a:r>
           </a:p>
           <a:p>
@@ -16378,7 +16481,7 @@
                 <a:ea typeface="Times New Roman" panose="02020603050405020304" pitchFamily="18" charset="0"/>
                 <a:cs typeface="Times New Roman" panose="02020603050405020304" pitchFamily="18" charset="0"/>
               </a:rPr>
-              <a:t> K, float* Y, float* S)</a:t>
+              <a:t> K, float *Y, float *S)</a:t>
             </a:r>
             <a:r>
               <a:rPr lang="en-US" sz="2000" b="1" dirty="0">
@@ -16545,7 +16648,7 @@
                 <a:ea typeface="Times New Roman" panose="02020603050405020304" pitchFamily="18" charset="0"/>
                 <a:cs typeface="Times New Roman" panose="02020603050405020304" pitchFamily="18" charset="0"/>
               </a:rPr>
-              <a:t> h = 0; x &lt; H/K; ++h)		 // for each output element</a:t>
+              <a:t> x = 0; x &lt; H/K; ++x)		 // for each output element</a:t>
             </a:r>
             <a:endParaRPr lang="en-US" sz="2000" b="1" dirty="0">
               <a:solidFill>
@@ -16596,7 +16699,7 @@
                 <a:ea typeface="Times New Roman" panose="02020603050405020304" pitchFamily="18" charset="0"/>
                 <a:cs typeface="Times New Roman" panose="02020603050405020304" pitchFamily="18" charset="0"/>
               </a:rPr>
-              <a:t> w = 0; y &lt; W/K; ++y) {</a:t>
+              <a:t> y = 0; y &lt; W/K; ++y) {</a:t>
             </a:r>
             <a:endParaRPr lang="en-US" sz="2000" b="1" dirty="0">
               <a:solidFill>
@@ -16625,7 +16728,7 @@
                 <a:ea typeface="Times New Roman" panose="02020603050405020304" pitchFamily="18" charset="0"/>
                 <a:cs typeface="Times New Roman" panose="02020603050405020304" pitchFamily="18" charset="0"/>
               </a:rPr>
-              <a:t>          S[m, x, y] = 0.;</a:t>
+              <a:t>          S[b, m, x, y] = 0.;</a:t>
             </a:r>
             <a:endParaRPr lang="en-US" sz="2000" b="1" dirty="0">
               <a:solidFill>
@@ -16836,7 +16939,7 @@
                 <a:ea typeface="Times New Roman" panose="02020603050405020304" pitchFamily="18" charset="0"/>
                 <a:cs typeface="Times New Roman" panose="02020603050405020304" pitchFamily="18" charset="0"/>
               </a:rPr>
-              <a:t>        S[b, m, h, w] = sigmoid(S[b, m, h, w] + b[m]) // bias, non-linearity</a:t>
+              <a:t>        S[b, m, h, w] = sigmoid(S[b, m, h, w] + b[m]) // non-linearity, bias</a:t>
             </a:r>
             <a:endParaRPr lang="en-US" sz="2000" b="1" dirty="0">
               <a:solidFill>
@@ -16919,1092 +17022,6 @@
 </file>
 
 <file path=ppt/slides/slide18.xml><?xml version="1.0" encoding="utf-8"?>
-<p:sld xmlns:a="http://schemas.openxmlformats.org/drawingml/2006/main" xmlns:r="http://schemas.openxmlformats.org/officeDocument/2006/relationships" xmlns:p="http://schemas.openxmlformats.org/presentationml/2006/main">
-  <p:cSld>
-    <p:spTree>
-      <p:nvGrpSpPr>
-        <p:cNvPr id="1" name=""/>
-        <p:cNvGrpSpPr/>
-        <p:nvPr/>
-      </p:nvGrpSpPr>
-      <p:grpSpPr>
-        <a:xfrm>
-          <a:off x="0" y="0"/>
-          <a:ext cx="0" cy="0"/>
-          <a:chOff x="0" y="0"/>
-          <a:chExt cx="0" cy="0"/>
-        </a:xfrm>
-      </p:grpSpPr>
-      <p:sp>
-        <p:nvSpPr>
-          <p:cNvPr id="2" name="Text Placeholder 1">
-            <a:extLst>
-              <a:ext uri="{FF2B5EF4-FFF2-40B4-BE49-F238E27FC236}">
-                <a16:creationId xmlns:a16="http://schemas.microsoft.com/office/drawing/2014/main" id="{0B76E354-943F-4E01-A203-2FC1106FCBA4}"/>
-              </a:ext>
-            </a:extLst>
-          </p:cNvPr>
-          <p:cNvSpPr>
-            <a:spLocks noGrp="1"/>
-          </p:cNvSpPr>
-          <p:nvPr>
-            <p:ph type="body" sz="quarter" idx="12"/>
-          </p:nvPr>
-        </p:nvSpPr>
-        <p:spPr/>
-        <p:txBody>
-          <a:bodyPr/>
-          <a:lstStyle/>
-          <a:p>
-            <a:pPr marL="0" indent="0">
-              <a:buNone/>
-            </a:pPr>
-            <a:r>
-              <a:rPr lang="en-US" sz="1600" b="1" dirty="0">
-                <a:solidFill>
-                  <a:schemeClr val="tx1"/>
-                </a:solidFill>
-                <a:latin typeface="Consolas" panose="020B0609020204030204" pitchFamily="49" charset="0"/>
-                <a:ea typeface="Times New Roman" panose="02020603050405020304" pitchFamily="18" charset="0"/>
-                <a:cs typeface="Times New Roman" panose="02020603050405020304" pitchFamily="18" charset="0"/>
-              </a:rPr>
-              <a:t>void unroll(</a:t>
-            </a:r>
-            <a:r>
-              <a:rPr lang="en-US" sz="1600" b="1" dirty="0" err="1">
-                <a:solidFill>
-                  <a:schemeClr val="tx1"/>
-                </a:solidFill>
-                <a:latin typeface="Consolas" panose="020B0609020204030204" pitchFamily="49" charset="0"/>
-                <a:ea typeface="Times New Roman" panose="02020603050405020304" pitchFamily="18" charset="0"/>
-                <a:cs typeface="Times New Roman" panose="02020603050405020304" pitchFamily="18" charset="0"/>
-              </a:rPr>
-              <a:t>int</a:t>
-            </a:r>
-            <a:r>
-              <a:rPr lang="en-US" sz="1600" b="1" dirty="0">
-                <a:solidFill>
-                  <a:schemeClr val="tx1"/>
-                </a:solidFill>
-                <a:latin typeface="Consolas" panose="020B0609020204030204" pitchFamily="49" charset="0"/>
-                <a:ea typeface="Times New Roman" panose="02020603050405020304" pitchFamily="18" charset="0"/>
-                <a:cs typeface="Times New Roman" panose="02020603050405020304" pitchFamily="18" charset="0"/>
-              </a:rPr>
-              <a:t> B, </a:t>
-            </a:r>
-            <a:r>
-              <a:rPr lang="en-US" sz="1600" b="1" dirty="0" err="1">
-                <a:solidFill>
-                  <a:schemeClr val="tx1"/>
-                </a:solidFill>
-                <a:latin typeface="Consolas" panose="020B0609020204030204" pitchFamily="49" charset="0"/>
-                <a:ea typeface="Times New Roman" panose="02020603050405020304" pitchFamily="18" charset="0"/>
-                <a:cs typeface="Times New Roman" panose="02020603050405020304" pitchFamily="18" charset="0"/>
-              </a:rPr>
-              <a:t>int</a:t>
-            </a:r>
-            <a:r>
-              <a:rPr lang="en-US" sz="1600" b="1" dirty="0">
-                <a:solidFill>
-                  <a:schemeClr val="tx1"/>
-                </a:solidFill>
-                <a:latin typeface="Consolas" panose="020B0609020204030204" pitchFamily="49" charset="0"/>
-                <a:ea typeface="Times New Roman" panose="02020603050405020304" pitchFamily="18" charset="0"/>
-                <a:cs typeface="Times New Roman" panose="02020603050405020304" pitchFamily="18" charset="0"/>
-              </a:rPr>
-              <a:t> C, </a:t>
-            </a:r>
-            <a:r>
-              <a:rPr lang="en-US" sz="1600" b="1" dirty="0" err="1">
-                <a:solidFill>
-                  <a:schemeClr val="tx1"/>
-                </a:solidFill>
-                <a:latin typeface="Consolas" panose="020B0609020204030204" pitchFamily="49" charset="0"/>
-                <a:ea typeface="Times New Roman" panose="02020603050405020304" pitchFamily="18" charset="0"/>
-                <a:cs typeface="Times New Roman" panose="02020603050405020304" pitchFamily="18" charset="0"/>
-              </a:rPr>
-              <a:t>int</a:t>
-            </a:r>
-            <a:r>
-              <a:rPr lang="en-US" sz="1600" b="1" dirty="0">
-                <a:solidFill>
-                  <a:schemeClr val="tx1"/>
-                </a:solidFill>
-                <a:latin typeface="Consolas" panose="020B0609020204030204" pitchFamily="49" charset="0"/>
-                <a:ea typeface="Times New Roman" panose="02020603050405020304" pitchFamily="18" charset="0"/>
-                <a:cs typeface="Times New Roman" panose="02020603050405020304" pitchFamily="18" charset="0"/>
-              </a:rPr>
-              <a:t> H, </a:t>
-            </a:r>
-            <a:r>
-              <a:rPr lang="en-US" sz="1600" b="1" dirty="0" err="1">
-                <a:solidFill>
-                  <a:schemeClr val="tx1"/>
-                </a:solidFill>
-                <a:latin typeface="Consolas" panose="020B0609020204030204" pitchFamily="49" charset="0"/>
-                <a:ea typeface="Times New Roman" panose="02020603050405020304" pitchFamily="18" charset="0"/>
-                <a:cs typeface="Times New Roman" panose="02020603050405020304" pitchFamily="18" charset="0"/>
-              </a:rPr>
-              <a:t>int</a:t>
-            </a:r>
-            <a:r>
-              <a:rPr lang="en-US" sz="1600" b="1" dirty="0">
-                <a:solidFill>
-                  <a:schemeClr val="tx1"/>
-                </a:solidFill>
-                <a:latin typeface="Consolas" panose="020B0609020204030204" pitchFamily="49" charset="0"/>
-                <a:ea typeface="Times New Roman" panose="02020603050405020304" pitchFamily="18" charset="0"/>
-                <a:cs typeface="Times New Roman" panose="02020603050405020304" pitchFamily="18" charset="0"/>
-              </a:rPr>
-              <a:t> W, </a:t>
-            </a:r>
-            <a:r>
-              <a:rPr lang="en-US" sz="1600" b="1" dirty="0" err="1">
-                <a:solidFill>
-                  <a:schemeClr val="tx1"/>
-                </a:solidFill>
-                <a:latin typeface="Consolas" panose="020B0609020204030204" pitchFamily="49" charset="0"/>
-                <a:ea typeface="Times New Roman" panose="02020603050405020304" pitchFamily="18" charset="0"/>
-                <a:cs typeface="Times New Roman" panose="02020603050405020304" pitchFamily="18" charset="0"/>
-              </a:rPr>
-              <a:t>int</a:t>
-            </a:r>
-            <a:r>
-              <a:rPr lang="en-US" sz="1600" b="1" dirty="0">
-                <a:solidFill>
-                  <a:schemeClr val="tx1"/>
-                </a:solidFill>
-                <a:latin typeface="Consolas" panose="020B0609020204030204" pitchFamily="49" charset="0"/>
-                <a:ea typeface="Times New Roman" panose="02020603050405020304" pitchFamily="18" charset="0"/>
-                <a:cs typeface="Times New Roman" panose="02020603050405020304" pitchFamily="18" charset="0"/>
-              </a:rPr>
-              <a:t> K, float* X, float* </a:t>
-            </a:r>
-            <a:r>
-              <a:rPr lang="en-US" sz="1600" b="1" dirty="0" err="1">
-                <a:solidFill>
-                  <a:schemeClr val="tx1"/>
-                </a:solidFill>
-                <a:latin typeface="Consolas" panose="020B0609020204030204" pitchFamily="49" charset="0"/>
-                <a:ea typeface="Times New Roman" panose="02020603050405020304" pitchFamily="18" charset="0"/>
-                <a:cs typeface="Times New Roman" panose="02020603050405020304" pitchFamily="18" charset="0"/>
-              </a:rPr>
-              <a:t>X_unroll</a:t>
-            </a:r>
-            <a:r>
-              <a:rPr lang="en-US" sz="1600" b="1" dirty="0">
-                <a:solidFill>
-                  <a:schemeClr val="tx1"/>
-                </a:solidFill>
-                <a:latin typeface="Consolas" panose="020B0609020204030204" pitchFamily="49" charset="0"/>
-                <a:ea typeface="Times New Roman" panose="02020603050405020304" pitchFamily="18" charset="0"/>
-                <a:cs typeface="Times New Roman" panose="02020603050405020304" pitchFamily="18" charset="0"/>
-              </a:rPr>
-              <a:t>)  {</a:t>
-            </a:r>
-            <a:endParaRPr lang="en-US" sz="1600" b="1" dirty="0">
-              <a:solidFill>
-                <a:schemeClr val="tx1"/>
-              </a:solidFill>
-              <a:latin typeface="Consolas" panose="020B0609020204030204" pitchFamily="49" charset="0"/>
-              <a:ea typeface="Calibri" panose="020F0502020204030204" pitchFamily="34" charset="0"/>
-              <a:cs typeface="Times New Roman" panose="02020603050405020304" pitchFamily="18" charset="0"/>
-            </a:endParaRPr>
-          </a:p>
-          <a:p>
-            <a:pPr marL="0" indent="0">
-              <a:buNone/>
-            </a:pPr>
-            <a:r>
-              <a:rPr lang="en-US" sz="1600" b="1" dirty="0">
-                <a:solidFill>
-                  <a:schemeClr val="tx1"/>
-                </a:solidFill>
-                <a:latin typeface="Consolas" panose="020B0609020204030204" pitchFamily="49" charset="0"/>
-                <a:ea typeface="Times New Roman" panose="02020603050405020304" pitchFamily="18" charset="0"/>
-                <a:cs typeface="Times New Roman" panose="02020603050405020304" pitchFamily="18" charset="0"/>
-              </a:rPr>
-              <a:t>  </a:t>
-            </a:r>
-            <a:r>
-              <a:rPr lang="en-US" sz="1600" b="1" dirty="0" err="1">
-                <a:solidFill>
-                  <a:schemeClr val="tx1"/>
-                </a:solidFill>
-                <a:latin typeface="Consolas" panose="020B0609020204030204" pitchFamily="49" charset="0"/>
-                <a:ea typeface="Times New Roman" panose="02020603050405020304" pitchFamily="18" charset="0"/>
-                <a:cs typeface="Times New Roman" panose="02020603050405020304" pitchFamily="18" charset="0"/>
-              </a:rPr>
-              <a:t>int</a:t>
-            </a:r>
-            <a:r>
-              <a:rPr lang="en-US" sz="1600" b="1" dirty="0">
-                <a:solidFill>
-                  <a:schemeClr val="tx1"/>
-                </a:solidFill>
-                <a:latin typeface="Consolas" panose="020B0609020204030204" pitchFamily="49" charset="0"/>
-                <a:ea typeface="Times New Roman" panose="02020603050405020304" pitchFamily="18" charset="0"/>
-                <a:cs typeface="Times New Roman" panose="02020603050405020304" pitchFamily="18" charset="0"/>
-              </a:rPr>
-              <a:t> </a:t>
-            </a:r>
-            <a:r>
-              <a:rPr lang="en-US" sz="1600" b="1" dirty="0" err="1">
-                <a:solidFill>
-                  <a:schemeClr val="tx1"/>
-                </a:solidFill>
-                <a:latin typeface="Consolas" panose="020B0609020204030204" pitchFamily="49" charset="0"/>
-                <a:ea typeface="Times New Roman" panose="02020603050405020304" pitchFamily="18" charset="0"/>
-                <a:cs typeface="Times New Roman" panose="02020603050405020304" pitchFamily="18" charset="0"/>
-              </a:rPr>
-              <a:t>H_out</a:t>
-            </a:r>
-            <a:r>
-              <a:rPr lang="en-US" sz="1600" b="1" dirty="0">
-                <a:solidFill>
-                  <a:schemeClr val="tx1"/>
-                </a:solidFill>
-                <a:latin typeface="Consolas" panose="020B0609020204030204" pitchFamily="49" charset="0"/>
-                <a:ea typeface="Times New Roman" panose="02020603050405020304" pitchFamily="18" charset="0"/>
-                <a:cs typeface="Times New Roman" panose="02020603050405020304" pitchFamily="18" charset="0"/>
-              </a:rPr>
-              <a:t> = H – K + 1;</a:t>
-            </a:r>
-            <a:endParaRPr lang="en-US" sz="1600" b="1" dirty="0">
-              <a:solidFill>
-                <a:schemeClr val="tx1"/>
-              </a:solidFill>
-              <a:latin typeface="Consolas" panose="020B0609020204030204" pitchFamily="49" charset="0"/>
-              <a:ea typeface="Calibri" panose="020F0502020204030204" pitchFamily="34" charset="0"/>
-              <a:cs typeface="Times New Roman" panose="02020603050405020304" pitchFamily="18" charset="0"/>
-            </a:endParaRPr>
-          </a:p>
-          <a:p>
-            <a:pPr marL="0" indent="0">
-              <a:buNone/>
-            </a:pPr>
-            <a:r>
-              <a:rPr lang="en-US" sz="1600" b="1" dirty="0">
-                <a:solidFill>
-                  <a:schemeClr val="tx1"/>
-                </a:solidFill>
-                <a:latin typeface="Consolas" panose="020B0609020204030204" pitchFamily="49" charset="0"/>
-                <a:ea typeface="Times New Roman" panose="02020603050405020304" pitchFamily="18" charset="0"/>
-                <a:cs typeface="Times New Roman" panose="02020603050405020304" pitchFamily="18" charset="0"/>
-              </a:rPr>
-              <a:t>  </a:t>
-            </a:r>
-            <a:r>
-              <a:rPr lang="en-US" sz="1600" b="1" dirty="0" err="1">
-                <a:solidFill>
-                  <a:schemeClr val="tx1"/>
-                </a:solidFill>
-                <a:latin typeface="Consolas" panose="020B0609020204030204" pitchFamily="49" charset="0"/>
-                <a:ea typeface="Times New Roman" panose="02020603050405020304" pitchFamily="18" charset="0"/>
-                <a:cs typeface="Times New Roman" panose="02020603050405020304" pitchFamily="18" charset="0"/>
-              </a:rPr>
-              <a:t>int</a:t>
-            </a:r>
-            <a:r>
-              <a:rPr lang="en-US" sz="1600" b="1" dirty="0">
-                <a:solidFill>
-                  <a:schemeClr val="tx1"/>
-                </a:solidFill>
-                <a:latin typeface="Consolas" panose="020B0609020204030204" pitchFamily="49" charset="0"/>
-                <a:ea typeface="Times New Roman" panose="02020603050405020304" pitchFamily="18" charset="0"/>
-                <a:cs typeface="Times New Roman" panose="02020603050405020304" pitchFamily="18" charset="0"/>
-              </a:rPr>
-              <a:t> </a:t>
-            </a:r>
-            <a:r>
-              <a:rPr lang="en-US" sz="1600" b="1" dirty="0" err="1">
-                <a:solidFill>
-                  <a:schemeClr val="tx1"/>
-                </a:solidFill>
-                <a:latin typeface="Consolas" panose="020B0609020204030204" pitchFamily="49" charset="0"/>
-                <a:ea typeface="Times New Roman" panose="02020603050405020304" pitchFamily="18" charset="0"/>
-                <a:cs typeface="Times New Roman" panose="02020603050405020304" pitchFamily="18" charset="0"/>
-              </a:rPr>
-              <a:t>W_out</a:t>
-            </a:r>
-            <a:r>
-              <a:rPr lang="en-US" sz="1600" b="1" dirty="0">
-                <a:solidFill>
-                  <a:schemeClr val="tx1"/>
-                </a:solidFill>
-                <a:latin typeface="Consolas" panose="020B0609020204030204" pitchFamily="49" charset="0"/>
-                <a:ea typeface="Times New Roman" panose="02020603050405020304" pitchFamily="18" charset="0"/>
-                <a:cs typeface="Times New Roman" panose="02020603050405020304" pitchFamily="18" charset="0"/>
-              </a:rPr>
-              <a:t> = W – K + 1;</a:t>
-            </a:r>
-          </a:p>
-          <a:p>
-            <a:pPr marL="0" indent="0">
-              <a:buNone/>
-            </a:pPr>
-            <a:r>
-              <a:rPr lang="en-US" sz="1600" b="1" dirty="0">
-                <a:solidFill>
-                  <a:schemeClr val="tx1"/>
-                </a:solidFill>
-                <a:latin typeface="Consolas" panose="020B0609020204030204" pitchFamily="49" charset="0"/>
-                <a:ea typeface="Calibri" panose="020F0502020204030204" pitchFamily="34" charset="0"/>
-                <a:cs typeface="Times New Roman" panose="02020603050405020304" pitchFamily="18" charset="0"/>
-              </a:rPr>
-              <a:t>  for (</a:t>
-            </a:r>
-            <a:r>
-              <a:rPr lang="en-US" sz="1600" b="1" dirty="0" err="1">
-                <a:solidFill>
-                  <a:schemeClr val="tx1"/>
-                </a:solidFill>
-                <a:latin typeface="Consolas" panose="020B0609020204030204" pitchFamily="49" charset="0"/>
-                <a:ea typeface="Calibri" panose="020F0502020204030204" pitchFamily="34" charset="0"/>
-                <a:cs typeface="Times New Roman" panose="02020603050405020304" pitchFamily="18" charset="0"/>
-              </a:rPr>
-              <a:t>int</a:t>
-            </a:r>
-            <a:r>
-              <a:rPr lang="en-US" sz="1600" b="1" dirty="0">
-                <a:solidFill>
-                  <a:schemeClr val="tx1"/>
-                </a:solidFill>
-                <a:latin typeface="Consolas" panose="020B0609020204030204" pitchFamily="49" charset="0"/>
-                <a:ea typeface="Calibri" panose="020F0502020204030204" pitchFamily="34" charset="0"/>
-                <a:cs typeface="Times New Roman" panose="02020603050405020304" pitchFamily="18" charset="0"/>
-              </a:rPr>
-              <a:t> b = 0; b &lt; B; ++b)</a:t>
-            </a:r>
-          </a:p>
-          <a:p>
-            <a:pPr marL="0" indent="0">
-              <a:buNone/>
-            </a:pPr>
-            <a:r>
-              <a:rPr lang="en-US" sz="1600" b="1" dirty="0">
-                <a:solidFill>
-                  <a:schemeClr val="tx1"/>
-                </a:solidFill>
-                <a:latin typeface="Consolas" panose="020B0609020204030204" pitchFamily="49" charset="0"/>
-                <a:ea typeface="Times New Roman" panose="02020603050405020304" pitchFamily="18" charset="0"/>
-                <a:cs typeface="Times New Roman" panose="02020603050405020304" pitchFamily="18" charset="0"/>
-              </a:rPr>
-              <a:t>    for (</a:t>
-            </a:r>
-            <a:r>
-              <a:rPr lang="en-US" sz="1600" b="1" dirty="0" err="1">
-                <a:solidFill>
-                  <a:schemeClr val="tx1"/>
-                </a:solidFill>
-                <a:latin typeface="Consolas" panose="020B0609020204030204" pitchFamily="49" charset="0"/>
-                <a:ea typeface="Times New Roman" panose="02020603050405020304" pitchFamily="18" charset="0"/>
-                <a:cs typeface="Times New Roman" panose="02020603050405020304" pitchFamily="18" charset="0"/>
-              </a:rPr>
-              <a:t>int</a:t>
-            </a:r>
-            <a:r>
-              <a:rPr lang="en-US" sz="1600" b="1" dirty="0">
-                <a:solidFill>
-                  <a:schemeClr val="tx1"/>
-                </a:solidFill>
-                <a:latin typeface="Consolas" panose="020B0609020204030204" pitchFamily="49" charset="0"/>
-                <a:ea typeface="Times New Roman" panose="02020603050405020304" pitchFamily="18" charset="0"/>
-                <a:cs typeface="Times New Roman" panose="02020603050405020304" pitchFamily="18" charset="0"/>
-              </a:rPr>
-              <a:t> c = 0; c &lt; C; ++c) {</a:t>
-            </a:r>
-            <a:endParaRPr lang="en-US" sz="1600" b="1" dirty="0">
-              <a:solidFill>
-                <a:schemeClr val="tx1"/>
-              </a:solidFill>
-              <a:latin typeface="Consolas" panose="020B0609020204030204" pitchFamily="49" charset="0"/>
-              <a:ea typeface="Calibri" panose="020F0502020204030204" pitchFamily="34" charset="0"/>
-              <a:cs typeface="Times New Roman" panose="02020603050405020304" pitchFamily="18" charset="0"/>
-            </a:endParaRPr>
-          </a:p>
-          <a:p>
-            <a:pPr marL="0" indent="0">
-              <a:buNone/>
-            </a:pPr>
-            <a:r>
-              <a:rPr lang="en-US" sz="1600" b="1" dirty="0">
-                <a:solidFill>
-                  <a:schemeClr val="tx1"/>
-                </a:solidFill>
-                <a:latin typeface="Consolas" panose="020B0609020204030204" pitchFamily="49" charset="0"/>
-                <a:ea typeface="Times New Roman" panose="02020603050405020304" pitchFamily="18" charset="0"/>
-                <a:cs typeface="Times New Roman" panose="02020603050405020304" pitchFamily="18" charset="0"/>
-              </a:rPr>
-              <a:t>      </a:t>
-            </a:r>
-            <a:r>
-              <a:rPr lang="en-US" sz="1600" b="1" dirty="0" err="1">
-                <a:solidFill>
-                  <a:schemeClr val="tx1"/>
-                </a:solidFill>
-                <a:latin typeface="Consolas" panose="020B0609020204030204" pitchFamily="49" charset="0"/>
-                <a:ea typeface="Times New Roman" panose="02020603050405020304" pitchFamily="18" charset="0"/>
-                <a:cs typeface="Times New Roman" panose="02020603050405020304" pitchFamily="18" charset="0"/>
-              </a:rPr>
-              <a:t>int</a:t>
-            </a:r>
-            <a:r>
-              <a:rPr lang="en-US" sz="1600" b="1" dirty="0">
-                <a:solidFill>
-                  <a:schemeClr val="tx1"/>
-                </a:solidFill>
-                <a:latin typeface="Consolas" panose="020B0609020204030204" pitchFamily="49" charset="0"/>
-                <a:ea typeface="Times New Roman" panose="02020603050405020304" pitchFamily="18" charset="0"/>
-                <a:cs typeface="Times New Roman" panose="02020603050405020304" pitchFamily="18" charset="0"/>
-              </a:rPr>
-              <a:t> </a:t>
-            </a:r>
-            <a:r>
-              <a:rPr lang="en-US" sz="1600" b="1" dirty="0" err="1">
-                <a:solidFill>
-                  <a:schemeClr val="tx1"/>
-                </a:solidFill>
-                <a:latin typeface="Consolas" panose="020B0609020204030204" pitchFamily="49" charset="0"/>
-                <a:ea typeface="Times New Roman" panose="02020603050405020304" pitchFamily="18" charset="0"/>
-                <a:cs typeface="Times New Roman" panose="02020603050405020304" pitchFamily="18" charset="0"/>
-              </a:rPr>
-              <a:t>w_base</a:t>
-            </a:r>
-            <a:r>
-              <a:rPr lang="en-US" sz="1600" b="1" dirty="0">
-                <a:solidFill>
-                  <a:schemeClr val="tx1"/>
-                </a:solidFill>
-                <a:latin typeface="Consolas" panose="020B0609020204030204" pitchFamily="49" charset="0"/>
-                <a:ea typeface="Times New Roman" panose="02020603050405020304" pitchFamily="18" charset="0"/>
-                <a:cs typeface="Times New Roman" panose="02020603050405020304" pitchFamily="18" charset="0"/>
-              </a:rPr>
-              <a:t> = c * (K*K);</a:t>
-            </a:r>
-            <a:endParaRPr lang="en-US" sz="1600" b="1" dirty="0">
-              <a:solidFill>
-                <a:schemeClr val="tx1"/>
-              </a:solidFill>
-              <a:latin typeface="Consolas" panose="020B0609020204030204" pitchFamily="49" charset="0"/>
-              <a:ea typeface="Calibri" panose="020F0502020204030204" pitchFamily="34" charset="0"/>
-              <a:cs typeface="Times New Roman" panose="02020603050405020304" pitchFamily="18" charset="0"/>
-            </a:endParaRPr>
-          </a:p>
-          <a:p>
-            <a:pPr marL="0" indent="0">
-              <a:buNone/>
-            </a:pPr>
-            <a:r>
-              <a:rPr lang="en-US" sz="1600" b="1" dirty="0">
-                <a:solidFill>
-                  <a:schemeClr val="tx1"/>
-                </a:solidFill>
-                <a:latin typeface="Consolas" panose="020B0609020204030204" pitchFamily="49" charset="0"/>
-                <a:ea typeface="Times New Roman" panose="02020603050405020304" pitchFamily="18" charset="0"/>
-                <a:cs typeface="Times New Roman" panose="02020603050405020304" pitchFamily="18" charset="0"/>
-              </a:rPr>
-              <a:t>      for (</a:t>
-            </a:r>
-            <a:r>
-              <a:rPr lang="en-US" sz="1600" b="1" dirty="0" err="1">
-                <a:solidFill>
-                  <a:schemeClr val="tx1"/>
-                </a:solidFill>
-                <a:latin typeface="Consolas" panose="020B0609020204030204" pitchFamily="49" charset="0"/>
-                <a:ea typeface="Times New Roman" panose="02020603050405020304" pitchFamily="18" charset="0"/>
-                <a:cs typeface="Times New Roman" panose="02020603050405020304" pitchFamily="18" charset="0"/>
-              </a:rPr>
-              <a:t>int</a:t>
-            </a:r>
-            <a:r>
-              <a:rPr lang="en-US" sz="1600" b="1" dirty="0">
-                <a:solidFill>
-                  <a:schemeClr val="tx1"/>
-                </a:solidFill>
-                <a:latin typeface="Consolas" panose="020B0609020204030204" pitchFamily="49" charset="0"/>
-                <a:ea typeface="Times New Roman" panose="02020603050405020304" pitchFamily="18" charset="0"/>
-                <a:cs typeface="Times New Roman" panose="02020603050405020304" pitchFamily="18" charset="0"/>
-              </a:rPr>
-              <a:t> p = 0; p &lt; K; ++p) </a:t>
-            </a:r>
-            <a:endParaRPr lang="en-US" sz="1600" b="1" dirty="0">
-              <a:solidFill>
-                <a:schemeClr val="tx1"/>
-              </a:solidFill>
-              <a:latin typeface="Consolas" panose="020B0609020204030204" pitchFamily="49" charset="0"/>
-              <a:ea typeface="Calibri" panose="020F0502020204030204" pitchFamily="34" charset="0"/>
-              <a:cs typeface="Times New Roman" panose="02020603050405020304" pitchFamily="18" charset="0"/>
-            </a:endParaRPr>
-          </a:p>
-          <a:p>
-            <a:pPr marL="0" indent="0">
-              <a:buNone/>
-            </a:pPr>
-            <a:r>
-              <a:rPr lang="en-US" sz="1600" b="1" dirty="0">
-                <a:solidFill>
-                  <a:schemeClr val="tx1"/>
-                </a:solidFill>
-                <a:latin typeface="Consolas" panose="020B0609020204030204" pitchFamily="49" charset="0"/>
-                <a:ea typeface="Times New Roman" panose="02020603050405020304" pitchFamily="18" charset="0"/>
-                <a:cs typeface="Times New Roman" panose="02020603050405020304" pitchFamily="18" charset="0"/>
-              </a:rPr>
-              <a:t>        for (</a:t>
-            </a:r>
-            <a:r>
-              <a:rPr lang="en-US" sz="1600" b="1" dirty="0" err="1">
-                <a:solidFill>
-                  <a:schemeClr val="tx1"/>
-                </a:solidFill>
-                <a:latin typeface="Consolas" panose="020B0609020204030204" pitchFamily="49" charset="0"/>
-                <a:ea typeface="Times New Roman" panose="02020603050405020304" pitchFamily="18" charset="0"/>
-                <a:cs typeface="Times New Roman" panose="02020603050405020304" pitchFamily="18" charset="0"/>
-              </a:rPr>
-              <a:t>int</a:t>
-            </a:r>
-            <a:r>
-              <a:rPr lang="en-US" sz="1600" b="1" dirty="0">
-                <a:solidFill>
-                  <a:schemeClr val="tx1"/>
-                </a:solidFill>
-                <a:latin typeface="Consolas" panose="020B0609020204030204" pitchFamily="49" charset="0"/>
-                <a:ea typeface="Times New Roman" panose="02020603050405020304" pitchFamily="18" charset="0"/>
-                <a:cs typeface="Times New Roman" panose="02020603050405020304" pitchFamily="18" charset="0"/>
-              </a:rPr>
-              <a:t> q = 0; q &lt; K; ++q) {  </a:t>
-            </a:r>
-            <a:endParaRPr lang="en-US" sz="1600" b="1" dirty="0">
-              <a:solidFill>
-                <a:schemeClr val="tx1"/>
-              </a:solidFill>
-              <a:latin typeface="Consolas" panose="020B0609020204030204" pitchFamily="49" charset="0"/>
-              <a:ea typeface="Calibri" panose="020F0502020204030204" pitchFamily="34" charset="0"/>
-              <a:cs typeface="Times New Roman" panose="02020603050405020304" pitchFamily="18" charset="0"/>
-            </a:endParaRPr>
-          </a:p>
-          <a:p>
-            <a:pPr marL="0" indent="0">
-              <a:buNone/>
-            </a:pPr>
-            <a:r>
-              <a:rPr lang="en-US" sz="1600" b="1" dirty="0">
-                <a:solidFill>
-                  <a:schemeClr val="tx1"/>
-                </a:solidFill>
-                <a:latin typeface="Consolas" panose="020B0609020204030204" pitchFamily="49" charset="0"/>
-                <a:ea typeface="Times New Roman" panose="02020603050405020304" pitchFamily="18" charset="0"/>
-                <a:cs typeface="Times New Roman" panose="02020603050405020304" pitchFamily="18" charset="0"/>
-              </a:rPr>
-              <a:t>          for (</a:t>
-            </a:r>
-            <a:r>
-              <a:rPr lang="en-US" sz="1600" b="1" dirty="0" err="1">
-                <a:solidFill>
-                  <a:schemeClr val="tx1"/>
-                </a:solidFill>
-                <a:latin typeface="Consolas" panose="020B0609020204030204" pitchFamily="49" charset="0"/>
-                <a:ea typeface="Times New Roman" panose="02020603050405020304" pitchFamily="18" charset="0"/>
-                <a:cs typeface="Times New Roman" panose="02020603050405020304" pitchFamily="18" charset="0"/>
-              </a:rPr>
-              <a:t>int</a:t>
-            </a:r>
-            <a:r>
-              <a:rPr lang="en-US" sz="1600" b="1" dirty="0">
-                <a:solidFill>
-                  <a:schemeClr val="tx1"/>
-                </a:solidFill>
-                <a:latin typeface="Consolas" panose="020B0609020204030204" pitchFamily="49" charset="0"/>
-                <a:ea typeface="Times New Roman" panose="02020603050405020304" pitchFamily="18" charset="0"/>
-                <a:cs typeface="Times New Roman" panose="02020603050405020304" pitchFamily="18" charset="0"/>
-              </a:rPr>
-              <a:t> h = 0; h &lt;  </a:t>
-            </a:r>
-            <a:r>
-              <a:rPr lang="en-US" sz="1600" b="1" dirty="0" err="1">
-                <a:solidFill>
-                  <a:schemeClr val="tx1"/>
-                </a:solidFill>
-                <a:latin typeface="Consolas" panose="020B0609020204030204" pitchFamily="49" charset="0"/>
-                <a:ea typeface="Times New Roman" panose="02020603050405020304" pitchFamily="18" charset="0"/>
-                <a:cs typeface="Times New Roman" panose="02020603050405020304" pitchFamily="18" charset="0"/>
-              </a:rPr>
-              <a:t>H_out</a:t>
-            </a:r>
-            <a:r>
-              <a:rPr lang="en-US" sz="1600" b="1" dirty="0">
-                <a:solidFill>
-                  <a:schemeClr val="tx1"/>
-                </a:solidFill>
-                <a:latin typeface="Consolas" panose="020B0609020204030204" pitchFamily="49" charset="0"/>
-                <a:ea typeface="Times New Roman" panose="02020603050405020304" pitchFamily="18" charset="0"/>
-                <a:cs typeface="Times New Roman" panose="02020603050405020304" pitchFamily="18" charset="0"/>
-              </a:rPr>
-              <a:t>; ++h)</a:t>
-            </a:r>
-            <a:endParaRPr lang="en-US" sz="1600" b="1" dirty="0">
-              <a:solidFill>
-                <a:schemeClr val="tx1"/>
-              </a:solidFill>
-              <a:latin typeface="Consolas" panose="020B0609020204030204" pitchFamily="49" charset="0"/>
-              <a:ea typeface="Calibri" panose="020F0502020204030204" pitchFamily="34" charset="0"/>
-              <a:cs typeface="Times New Roman" panose="02020603050405020304" pitchFamily="18" charset="0"/>
-            </a:endParaRPr>
-          </a:p>
-          <a:p>
-            <a:pPr marL="0" indent="0">
-              <a:buNone/>
-            </a:pPr>
-            <a:r>
-              <a:rPr lang="en-US" sz="1600" b="1" dirty="0">
-                <a:solidFill>
-                  <a:schemeClr val="tx1"/>
-                </a:solidFill>
-                <a:latin typeface="Consolas" panose="020B0609020204030204" pitchFamily="49" charset="0"/>
-                <a:ea typeface="Times New Roman" panose="02020603050405020304" pitchFamily="18" charset="0"/>
-                <a:cs typeface="Times New Roman" panose="02020603050405020304" pitchFamily="18" charset="0"/>
-              </a:rPr>
-              <a:t>            for (</a:t>
-            </a:r>
-            <a:r>
-              <a:rPr lang="en-US" sz="1600" b="1" dirty="0" err="1">
-                <a:solidFill>
-                  <a:schemeClr val="tx1"/>
-                </a:solidFill>
-                <a:latin typeface="Consolas" panose="020B0609020204030204" pitchFamily="49" charset="0"/>
-                <a:ea typeface="Times New Roman" panose="02020603050405020304" pitchFamily="18" charset="0"/>
-                <a:cs typeface="Times New Roman" panose="02020603050405020304" pitchFamily="18" charset="0"/>
-              </a:rPr>
-              <a:t>int</a:t>
-            </a:r>
-            <a:r>
-              <a:rPr lang="en-US" sz="1600" b="1" dirty="0">
-                <a:solidFill>
-                  <a:schemeClr val="tx1"/>
-                </a:solidFill>
-                <a:latin typeface="Consolas" panose="020B0609020204030204" pitchFamily="49" charset="0"/>
-                <a:ea typeface="Times New Roman" panose="02020603050405020304" pitchFamily="18" charset="0"/>
-                <a:cs typeface="Times New Roman" panose="02020603050405020304" pitchFamily="18" charset="0"/>
-              </a:rPr>
-              <a:t> w = 0; w &lt; </a:t>
-            </a:r>
-            <a:r>
-              <a:rPr lang="en-US" sz="1600" b="1" dirty="0" err="1">
-                <a:solidFill>
-                  <a:schemeClr val="tx1"/>
-                </a:solidFill>
-                <a:latin typeface="Consolas" panose="020B0609020204030204" pitchFamily="49" charset="0"/>
-                <a:ea typeface="Times New Roman" panose="02020603050405020304" pitchFamily="18" charset="0"/>
-                <a:cs typeface="Times New Roman" panose="02020603050405020304" pitchFamily="18" charset="0"/>
-              </a:rPr>
-              <a:t>W_out</a:t>
-            </a:r>
-            <a:r>
-              <a:rPr lang="en-US" sz="1600" b="1" dirty="0">
-                <a:solidFill>
-                  <a:schemeClr val="tx1"/>
-                </a:solidFill>
-                <a:latin typeface="Consolas" panose="020B0609020204030204" pitchFamily="49" charset="0"/>
-                <a:ea typeface="Times New Roman" panose="02020603050405020304" pitchFamily="18" charset="0"/>
-                <a:cs typeface="Times New Roman" panose="02020603050405020304" pitchFamily="18" charset="0"/>
-              </a:rPr>
-              <a:t>; ++w) {  </a:t>
-            </a:r>
-            <a:endParaRPr lang="en-US" sz="1600" b="1" dirty="0">
-              <a:solidFill>
-                <a:schemeClr val="tx1"/>
-              </a:solidFill>
-              <a:latin typeface="Consolas" panose="020B0609020204030204" pitchFamily="49" charset="0"/>
-              <a:ea typeface="Calibri" panose="020F0502020204030204" pitchFamily="34" charset="0"/>
-              <a:cs typeface="Times New Roman" panose="02020603050405020304" pitchFamily="18" charset="0"/>
-            </a:endParaRPr>
-          </a:p>
-          <a:p>
-            <a:pPr marL="0" indent="0">
-              <a:buNone/>
-            </a:pPr>
-            <a:r>
-              <a:rPr lang="en-US" sz="1600" b="1" dirty="0">
-                <a:solidFill>
-                  <a:schemeClr val="tx1"/>
-                </a:solidFill>
-                <a:latin typeface="Consolas" panose="020B0609020204030204" pitchFamily="49" charset="0"/>
-                <a:ea typeface="Times New Roman" panose="02020603050405020304" pitchFamily="18" charset="0"/>
-                <a:cs typeface="Times New Roman" panose="02020603050405020304" pitchFamily="18" charset="0"/>
-              </a:rPr>
-              <a:t>              </a:t>
-            </a:r>
-            <a:r>
-              <a:rPr lang="en-US" sz="1600" b="1" dirty="0" err="1">
-                <a:solidFill>
-                  <a:schemeClr val="tx1"/>
-                </a:solidFill>
-                <a:latin typeface="Consolas" panose="020B0609020204030204" pitchFamily="49" charset="0"/>
-                <a:ea typeface="Times New Roman" panose="02020603050405020304" pitchFamily="18" charset="0"/>
-                <a:cs typeface="Times New Roman" panose="02020603050405020304" pitchFamily="18" charset="0"/>
-              </a:rPr>
-              <a:t>int</a:t>
-            </a:r>
-            <a:r>
-              <a:rPr lang="en-US" sz="1600" b="1" dirty="0">
-                <a:solidFill>
-                  <a:schemeClr val="tx1"/>
-                </a:solidFill>
-                <a:latin typeface="Consolas" panose="020B0609020204030204" pitchFamily="49" charset="0"/>
-                <a:ea typeface="Times New Roman" panose="02020603050405020304" pitchFamily="18" charset="0"/>
-                <a:cs typeface="Times New Roman" panose="02020603050405020304" pitchFamily="18" charset="0"/>
-              </a:rPr>
-              <a:t> </a:t>
-            </a:r>
-            <a:r>
-              <a:rPr lang="en-US" sz="1600" b="1" dirty="0" err="1">
-                <a:solidFill>
-                  <a:schemeClr val="tx1"/>
-                </a:solidFill>
-                <a:latin typeface="Consolas" panose="020B0609020204030204" pitchFamily="49" charset="0"/>
-                <a:ea typeface="Times New Roman" panose="02020603050405020304" pitchFamily="18" charset="0"/>
-                <a:cs typeface="Times New Roman" panose="02020603050405020304" pitchFamily="18" charset="0"/>
-              </a:rPr>
-              <a:t>w_unroll</a:t>
-            </a:r>
-            <a:r>
-              <a:rPr lang="en-US" sz="1600" b="1" dirty="0">
-                <a:solidFill>
-                  <a:schemeClr val="tx1"/>
-                </a:solidFill>
-                <a:latin typeface="Consolas" panose="020B0609020204030204" pitchFamily="49" charset="0"/>
-                <a:ea typeface="Times New Roman" panose="02020603050405020304" pitchFamily="18" charset="0"/>
-                <a:cs typeface="Times New Roman" panose="02020603050405020304" pitchFamily="18" charset="0"/>
-              </a:rPr>
-              <a:t> = </a:t>
-            </a:r>
-            <a:r>
-              <a:rPr lang="en-US" sz="1600" b="1" dirty="0" err="1">
-                <a:solidFill>
-                  <a:schemeClr val="tx1"/>
-                </a:solidFill>
-                <a:latin typeface="Consolas" panose="020B0609020204030204" pitchFamily="49" charset="0"/>
-                <a:ea typeface="Times New Roman" panose="02020603050405020304" pitchFamily="18" charset="0"/>
-                <a:cs typeface="Times New Roman" panose="02020603050405020304" pitchFamily="18" charset="0"/>
-              </a:rPr>
-              <a:t>w_base</a:t>
-            </a:r>
-            <a:r>
-              <a:rPr lang="en-US" sz="1600" b="1" dirty="0">
-                <a:solidFill>
-                  <a:schemeClr val="tx1"/>
-                </a:solidFill>
-                <a:latin typeface="Consolas" panose="020B0609020204030204" pitchFamily="49" charset="0"/>
-                <a:ea typeface="Times New Roman" panose="02020603050405020304" pitchFamily="18" charset="0"/>
-                <a:cs typeface="Times New Roman" panose="02020603050405020304" pitchFamily="18" charset="0"/>
-              </a:rPr>
-              <a:t> + p * K + q;</a:t>
-            </a:r>
-            <a:endParaRPr lang="en-US" sz="1600" b="1" dirty="0">
-              <a:solidFill>
-                <a:schemeClr val="tx1"/>
-              </a:solidFill>
-              <a:latin typeface="Consolas" panose="020B0609020204030204" pitchFamily="49" charset="0"/>
-              <a:ea typeface="Calibri" panose="020F0502020204030204" pitchFamily="34" charset="0"/>
-              <a:cs typeface="Times New Roman" panose="02020603050405020304" pitchFamily="18" charset="0"/>
-            </a:endParaRPr>
-          </a:p>
-          <a:p>
-            <a:pPr marL="0" indent="0">
-              <a:buNone/>
-            </a:pPr>
-            <a:r>
-              <a:rPr lang="en-US" sz="1600" b="1" dirty="0">
-                <a:solidFill>
-                  <a:schemeClr val="tx1"/>
-                </a:solidFill>
-                <a:latin typeface="Consolas" panose="020B0609020204030204" pitchFamily="49" charset="0"/>
-                <a:ea typeface="Times New Roman" panose="02020603050405020304" pitchFamily="18" charset="0"/>
-                <a:cs typeface="Times New Roman" panose="02020603050405020304" pitchFamily="18" charset="0"/>
-              </a:rPr>
-              <a:t>              </a:t>
-            </a:r>
-            <a:r>
-              <a:rPr lang="en-US" sz="1600" b="1" dirty="0" err="1">
-                <a:solidFill>
-                  <a:schemeClr val="tx1"/>
-                </a:solidFill>
-                <a:latin typeface="Consolas" panose="020B0609020204030204" pitchFamily="49" charset="0"/>
-                <a:ea typeface="Times New Roman" panose="02020603050405020304" pitchFamily="18" charset="0"/>
-                <a:cs typeface="Times New Roman" panose="02020603050405020304" pitchFamily="18" charset="0"/>
-              </a:rPr>
-              <a:t>int</a:t>
-            </a:r>
-            <a:r>
-              <a:rPr lang="en-US" sz="1600" b="1" dirty="0">
-                <a:solidFill>
-                  <a:schemeClr val="tx1"/>
-                </a:solidFill>
-                <a:latin typeface="Consolas" panose="020B0609020204030204" pitchFamily="49" charset="0"/>
-                <a:ea typeface="Times New Roman" panose="02020603050405020304" pitchFamily="18" charset="0"/>
-                <a:cs typeface="Times New Roman" panose="02020603050405020304" pitchFamily="18" charset="0"/>
-              </a:rPr>
-              <a:t> </a:t>
-            </a:r>
-            <a:r>
-              <a:rPr lang="en-US" sz="1600" b="1" dirty="0" err="1">
-                <a:solidFill>
-                  <a:schemeClr val="tx1"/>
-                </a:solidFill>
-                <a:latin typeface="Consolas" panose="020B0609020204030204" pitchFamily="49" charset="0"/>
-                <a:ea typeface="Times New Roman" panose="02020603050405020304" pitchFamily="18" charset="0"/>
-                <a:cs typeface="Times New Roman" panose="02020603050405020304" pitchFamily="18" charset="0"/>
-              </a:rPr>
-              <a:t>h_unroll</a:t>
-            </a:r>
-            <a:r>
-              <a:rPr lang="en-US" sz="1600" b="1" dirty="0">
-                <a:solidFill>
-                  <a:schemeClr val="tx1"/>
-                </a:solidFill>
-                <a:latin typeface="Consolas" panose="020B0609020204030204" pitchFamily="49" charset="0"/>
-                <a:ea typeface="Times New Roman" panose="02020603050405020304" pitchFamily="18" charset="0"/>
-                <a:cs typeface="Times New Roman" panose="02020603050405020304" pitchFamily="18" charset="0"/>
-              </a:rPr>
-              <a:t> = h * </a:t>
-            </a:r>
-            <a:r>
-              <a:rPr lang="en-US" sz="1600" b="1" dirty="0" err="1">
-                <a:solidFill>
-                  <a:schemeClr val="tx1"/>
-                </a:solidFill>
-                <a:latin typeface="Consolas" panose="020B0609020204030204" pitchFamily="49" charset="0"/>
-                <a:ea typeface="Times New Roman" panose="02020603050405020304" pitchFamily="18" charset="0"/>
-                <a:cs typeface="Times New Roman" panose="02020603050405020304" pitchFamily="18" charset="0"/>
-              </a:rPr>
-              <a:t>W_out</a:t>
-            </a:r>
-            <a:r>
-              <a:rPr lang="en-US" sz="1600" b="1" dirty="0">
-                <a:solidFill>
-                  <a:schemeClr val="tx1"/>
-                </a:solidFill>
-                <a:latin typeface="Consolas" panose="020B0609020204030204" pitchFamily="49" charset="0"/>
-                <a:ea typeface="Times New Roman" panose="02020603050405020304" pitchFamily="18" charset="0"/>
-                <a:cs typeface="Times New Roman" panose="02020603050405020304" pitchFamily="18" charset="0"/>
-              </a:rPr>
-              <a:t> + w;</a:t>
-            </a:r>
-            <a:endParaRPr lang="en-US" sz="1600" b="1" dirty="0">
-              <a:solidFill>
-                <a:schemeClr val="tx1"/>
-              </a:solidFill>
-              <a:latin typeface="Consolas" panose="020B0609020204030204" pitchFamily="49" charset="0"/>
-              <a:ea typeface="Calibri" panose="020F0502020204030204" pitchFamily="34" charset="0"/>
-              <a:cs typeface="Times New Roman" panose="02020603050405020304" pitchFamily="18" charset="0"/>
-            </a:endParaRPr>
-          </a:p>
-          <a:p>
-            <a:pPr marL="0" indent="0">
-              <a:buNone/>
-            </a:pPr>
-            <a:r>
-              <a:rPr lang="en-US" sz="1600" b="1" dirty="0">
-                <a:solidFill>
-                  <a:schemeClr val="tx1"/>
-                </a:solidFill>
-                <a:latin typeface="Consolas" panose="020B0609020204030204" pitchFamily="49" charset="0"/>
-                <a:ea typeface="Times New Roman" panose="02020603050405020304" pitchFamily="18" charset="0"/>
-                <a:cs typeface="Times New Roman" panose="02020603050405020304" pitchFamily="18" charset="0"/>
-              </a:rPr>
-              <a:t>              </a:t>
-            </a:r>
-            <a:r>
-              <a:rPr lang="en-US" sz="1600" b="1" dirty="0" err="1">
-                <a:solidFill>
-                  <a:schemeClr val="tx1"/>
-                </a:solidFill>
-                <a:latin typeface="Consolas" panose="020B0609020204030204" pitchFamily="49" charset="0"/>
-                <a:ea typeface="Times New Roman" panose="02020603050405020304" pitchFamily="18" charset="0"/>
-                <a:cs typeface="Times New Roman" panose="02020603050405020304" pitchFamily="18" charset="0"/>
-              </a:rPr>
-              <a:t>X_unroll</a:t>
-            </a:r>
-            <a:r>
-              <a:rPr lang="en-US" sz="1600" b="1" dirty="0">
-                <a:solidFill>
-                  <a:schemeClr val="tx1"/>
-                </a:solidFill>
-                <a:latin typeface="Consolas" panose="020B0609020204030204" pitchFamily="49" charset="0"/>
-                <a:ea typeface="Times New Roman" panose="02020603050405020304" pitchFamily="18" charset="0"/>
-                <a:cs typeface="Times New Roman" panose="02020603050405020304" pitchFamily="18" charset="0"/>
-              </a:rPr>
-              <a:t>[b, </a:t>
-            </a:r>
-            <a:r>
-              <a:rPr lang="en-US" sz="1600" b="1" dirty="0" err="1">
-                <a:solidFill>
-                  <a:schemeClr val="tx1"/>
-                </a:solidFill>
-                <a:latin typeface="Consolas" panose="020B0609020204030204" pitchFamily="49" charset="0"/>
-                <a:ea typeface="Times New Roman" panose="02020603050405020304" pitchFamily="18" charset="0"/>
-                <a:cs typeface="Times New Roman" panose="02020603050405020304" pitchFamily="18" charset="0"/>
-              </a:rPr>
-              <a:t>h_unroll</a:t>
-            </a:r>
-            <a:r>
-              <a:rPr lang="en-US" sz="1600" b="1" dirty="0">
-                <a:solidFill>
-                  <a:schemeClr val="tx1"/>
-                </a:solidFill>
-                <a:latin typeface="Consolas" panose="020B0609020204030204" pitchFamily="49" charset="0"/>
-                <a:ea typeface="Times New Roman" panose="02020603050405020304" pitchFamily="18" charset="0"/>
-                <a:cs typeface="Times New Roman" panose="02020603050405020304" pitchFamily="18" charset="0"/>
-              </a:rPr>
-              <a:t>, </a:t>
-            </a:r>
-            <a:r>
-              <a:rPr lang="en-US" sz="1600" b="1" dirty="0" err="1">
-                <a:solidFill>
-                  <a:schemeClr val="tx1"/>
-                </a:solidFill>
-                <a:latin typeface="Consolas" panose="020B0609020204030204" pitchFamily="49" charset="0"/>
-                <a:ea typeface="Times New Roman" panose="02020603050405020304" pitchFamily="18" charset="0"/>
-                <a:cs typeface="Times New Roman" panose="02020603050405020304" pitchFamily="18" charset="0"/>
-              </a:rPr>
-              <a:t>w_unroll</a:t>
-            </a:r>
-            <a:r>
-              <a:rPr lang="en-US" sz="1600" b="1" dirty="0">
-                <a:solidFill>
-                  <a:schemeClr val="tx1"/>
-                </a:solidFill>
-                <a:latin typeface="Consolas" panose="020B0609020204030204" pitchFamily="49" charset="0"/>
-                <a:ea typeface="Times New Roman" panose="02020603050405020304" pitchFamily="18" charset="0"/>
-                <a:cs typeface="Times New Roman" panose="02020603050405020304" pitchFamily="18" charset="0"/>
-              </a:rPr>
-              <a:t>] = X[b, c, h + p, w + q]; </a:t>
-            </a:r>
-            <a:endParaRPr lang="en-US" sz="1600" b="1" dirty="0">
-              <a:solidFill>
-                <a:schemeClr val="tx1"/>
-              </a:solidFill>
-              <a:latin typeface="Consolas" panose="020B0609020204030204" pitchFamily="49" charset="0"/>
-              <a:ea typeface="Calibri" panose="020F0502020204030204" pitchFamily="34" charset="0"/>
-              <a:cs typeface="Times New Roman" panose="02020603050405020304" pitchFamily="18" charset="0"/>
-            </a:endParaRPr>
-          </a:p>
-          <a:p>
-            <a:pPr marL="0" indent="0">
-              <a:buNone/>
-            </a:pPr>
-            <a:r>
-              <a:rPr lang="en-US" sz="1600" b="1" dirty="0">
-                <a:solidFill>
-                  <a:schemeClr val="tx1"/>
-                </a:solidFill>
-                <a:latin typeface="Consolas" panose="020B0609020204030204" pitchFamily="49" charset="0"/>
-                <a:ea typeface="Times New Roman" panose="02020603050405020304" pitchFamily="18" charset="0"/>
-                <a:cs typeface="Times New Roman" panose="02020603050405020304" pitchFamily="18" charset="0"/>
-              </a:rPr>
-              <a:t>            }</a:t>
-            </a:r>
-            <a:endParaRPr lang="en-US" sz="1600" b="1" dirty="0">
-              <a:solidFill>
-                <a:schemeClr val="tx1"/>
-              </a:solidFill>
-              <a:latin typeface="Consolas" panose="020B0609020204030204" pitchFamily="49" charset="0"/>
-              <a:ea typeface="Calibri" panose="020F0502020204030204" pitchFamily="34" charset="0"/>
-              <a:cs typeface="Times New Roman" panose="02020603050405020304" pitchFamily="18" charset="0"/>
-            </a:endParaRPr>
-          </a:p>
-          <a:p>
-            <a:pPr marL="0" indent="0">
-              <a:buNone/>
-            </a:pPr>
-            <a:r>
-              <a:rPr lang="en-US" sz="1600" b="1" dirty="0">
-                <a:solidFill>
-                  <a:schemeClr val="tx1"/>
-                </a:solidFill>
-                <a:latin typeface="Consolas" panose="020B0609020204030204" pitchFamily="49" charset="0"/>
-                <a:ea typeface="Times New Roman" panose="02020603050405020304" pitchFamily="18" charset="0"/>
-                <a:cs typeface="Times New Roman" panose="02020603050405020304" pitchFamily="18" charset="0"/>
-              </a:rPr>
-              <a:t>    }</a:t>
-            </a:r>
-            <a:endParaRPr lang="en-US" sz="1600" b="1" dirty="0">
-              <a:solidFill>
-                <a:schemeClr val="tx1"/>
-              </a:solidFill>
-              <a:latin typeface="Consolas" panose="020B0609020204030204" pitchFamily="49" charset="0"/>
-              <a:ea typeface="Calibri" panose="020F0502020204030204" pitchFamily="34" charset="0"/>
-              <a:cs typeface="Times New Roman" panose="02020603050405020304" pitchFamily="18" charset="0"/>
-            </a:endParaRPr>
-          </a:p>
-          <a:p>
-            <a:pPr marL="0" indent="0">
-              <a:buNone/>
-            </a:pPr>
-            <a:r>
-              <a:rPr lang="en-US" sz="1600" b="1" dirty="0">
-                <a:solidFill>
-                  <a:schemeClr val="tx1"/>
-                </a:solidFill>
-                <a:latin typeface="Consolas" panose="020B0609020204030204" pitchFamily="49" charset="0"/>
-                <a:ea typeface="Times New Roman" panose="02020603050405020304" pitchFamily="18" charset="0"/>
-                <a:cs typeface="Times New Roman" panose="02020603050405020304" pitchFamily="18" charset="0"/>
-              </a:rPr>
-              <a:t>}</a:t>
-            </a:r>
-            <a:endParaRPr lang="en-US" sz="1600" b="1" dirty="0">
-              <a:solidFill>
-                <a:schemeClr val="tx1"/>
-              </a:solidFill>
-              <a:latin typeface="Consolas" panose="020B0609020204030204" pitchFamily="49" charset="0"/>
-              <a:ea typeface="Calibri" panose="020F0502020204030204" pitchFamily="34" charset="0"/>
-              <a:cs typeface="Times New Roman" panose="02020603050405020304" pitchFamily="18" charset="0"/>
-            </a:endParaRPr>
-          </a:p>
-        </p:txBody>
-      </p:sp>
-      <p:sp>
-        <p:nvSpPr>
-          <p:cNvPr id="3" name="Text Placeholder 2">
-            <a:extLst>
-              <a:ext uri="{FF2B5EF4-FFF2-40B4-BE49-F238E27FC236}">
-                <a16:creationId xmlns:a16="http://schemas.microsoft.com/office/drawing/2014/main" id="{C54231A1-FF2D-4A80-B8E5-7758CFEE3368}"/>
-              </a:ext>
-            </a:extLst>
-          </p:cNvPr>
-          <p:cNvSpPr>
-            <a:spLocks noGrp="1"/>
-          </p:cNvSpPr>
-          <p:nvPr>
-            <p:ph type="body" sz="quarter" idx="10"/>
-          </p:nvPr>
-        </p:nvSpPr>
-        <p:spPr/>
-        <p:txBody>
-          <a:bodyPr/>
-          <a:lstStyle/>
-          <a:p>
-            <a:r>
-              <a:rPr lang="en-US" sz="4800" dirty="0"/>
-              <a:t>Function to generate “unrolled” X</a:t>
-            </a:r>
-          </a:p>
-        </p:txBody>
-      </p:sp>
-    </p:spTree>
-    <p:extLst>
-      <p:ext uri="{BB962C8B-B14F-4D97-AF65-F5344CB8AC3E}">
-        <p14:creationId xmlns:p14="http://schemas.microsoft.com/office/powerpoint/2010/main" val="1121378538"/>
-      </p:ext>
-    </p:extLst>
-  </p:cSld>
-  <p:clrMapOvr>
-    <a:masterClrMapping/>
-  </p:clrMapOvr>
-</p:sld>
-</file>
-
-<file path=ppt/slides/slide19.xml><?xml version="1.0" encoding="utf-8"?>
 <p:sld xmlns:a="http://schemas.openxmlformats.org/drawingml/2006/main" xmlns:r="http://schemas.openxmlformats.org/officeDocument/2006/relationships" xmlns:p="http://schemas.openxmlformats.org/presentationml/2006/main">
   <p:cSld>
     <p:spTree>
@@ -18108,6 +17125,887 @@
     <p:extLst>
       <p:ext uri="{BB962C8B-B14F-4D97-AF65-F5344CB8AC3E}">
         <p14:creationId xmlns:p14="http://schemas.microsoft.com/office/powerpoint/2010/main" val="2079647273"/>
+      </p:ext>
+    </p:extLst>
+  </p:cSld>
+  <p:clrMapOvr>
+    <a:masterClrMapping/>
+  </p:clrMapOvr>
+</p:sld>
+</file>
+
+<file path=ppt/slides/slide19.xml><?xml version="1.0" encoding="utf-8"?>
+<p:sld xmlns:a="http://schemas.openxmlformats.org/drawingml/2006/main" xmlns:r="http://schemas.openxmlformats.org/officeDocument/2006/relationships" xmlns:p="http://schemas.openxmlformats.org/presentationml/2006/main">
+  <p:cSld>
+    <p:spTree>
+      <p:nvGrpSpPr>
+        <p:cNvPr id="1" name=""/>
+        <p:cNvGrpSpPr/>
+        <p:nvPr/>
+      </p:nvGrpSpPr>
+      <p:grpSpPr>
+        <a:xfrm>
+          <a:off x="0" y="0"/>
+          <a:ext cx="0" cy="0"/>
+          <a:chOff x="0" y="0"/>
+          <a:chExt cx="0" cy="0"/>
+        </a:xfrm>
+      </p:grpSpPr>
+      <p:sp>
+        <p:nvSpPr>
+          <p:cNvPr id="2" name="Text Placeholder 1">
+            <a:extLst>
+              <a:ext uri="{FF2B5EF4-FFF2-40B4-BE49-F238E27FC236}">
+                <a16:creationId xmlns:a16="http://schemas.microsoft.com/office/drawing/2014/main" id="{0B76E354-943F-4E01-A203-2FC1106FCBA4}"/>
+              </a:ext>
+            </a:extLst>
+          </p:cNvPr>
+          <p:cNvSpPr>
+            <a:spLocks noGrp="1"/>
+          </p:cNvSpPr>
+          <p:nvPr>
+            <p:ph type="body" sz="quarter" idx="12"/>
+          </p:nvPr>
+        </p:nvSpPr>
+        <p:spPr/>
+        <p:txBody>
+          <a:bodyPr/>
+          <a:lstStyle/>
+          <a:p>
+            <a:pPr marL="0" indent="0">
+              <a:buNone/>
+            </a:pPr>
+            <a:r>
+              <a:rPr lang="en-US" sz="1600" b="1" dirty="0">
+                <a:latin typeface="Consolas" panose="020B0609020204030204" pitchFamily="49" charset="0"/>
+                <a:ea typeface="Times New Roman" panose="02020603050405020304" pitchFamily="18" charset="0"/>
+                <a:cs typeface="Times New Roman" panose="02020603050405020304" pitchFamily="18" charset="0"/>
+              </a:rPr>
+              <a:t>void </a:t>
+            </a:r>
+            <a:r>
+              <a:rPr lang="en-US" sz="1600" b="1" dirty="0" err="1">
+                <a:latin typeface="Consolas" panose="020B0609020204030204" pitchFamily="49" charset="0"/>
+                <a:ea typeface="Times New Roman" panose="02020603050405020304" pitchFamily="18" charset="0"/>
+                <a:cs typeface="Times New Roman" panose="02020603050405020304" pitchFamily="18" charset="0"/>
+              </a:rPr>
+              <a:t>convLayer_backward_dgrad</a:t>
+            </a:r>
+            <a:r>
+              <a:rPr lang="en-US" sz="1600" b="1" dirty="0">
+                <a:latin typeface="Consolas" panose="020B0609020204030204" pitchFamily="49" charset="0"/>
+                <a:ea typeface="Times New Roman" panose="02020603050405020304" pitchFamily="18" charset="0"/>
+                <a:cs typeface="Times New Roman" panose="02020603050405020304" pitchFamily="18" charset="0"/>
+              </a:rPr>
+              <a:t>(</a:t>
+            </a:r>
+            <a:r>
+              <a:rPr lang="en-US" sz="1600" b="1" dirty="0" err="1">
+                <a:latin typeface="Consolas" panose="020B0609020204030204" pitchFamily="49" charset="0"/>
+                <a:ea typeface="Times New Roman" panose="02020603050405020304" pitchFamily="18" charset="0"/>
+                <a:cs typeface="Times New Roman" panose="02020603050405020304" pitchFamily="18" charset="0"/>
+              </a:rPr>
+              <a:t>int</a:t>
+            </a:r>
+            <a:r>
+              <a:rPr lang="en-US" sz="1600" b="1" dirty="0">
+                <a:latin typeface="Consolas" panose="020B0609020204030204" pitchFamily="49" charset="0"/>
+                <a:ea typeface="Times New Roman" panose="02020603050405020304" pitchFamily="18" charset="0"/>
+                <a:cs typeface="Times New Roman" panose="02020603050405020304" pitchFamily="18" charset="0"/>
+              </a:rPr>
+              <a:t> B, </a:t>
+            </a:r>
+            <a:r>
+              <a:rPr lang="en-US" sz="1600" b="1" dirty="0" err="1">
+                <a:latin typeface="Consolas" panose="020B0609020204030204" pitchFamily="49" charset="0"/>
+                <a:ea typeface="Times New Roman" panose="02020603050405020304" pitchFamily="18" charset="0"/>
+                <a:cs typeface="Times New Roman" panose="02020603050405020304" pitchFamily="18" charset="0"/>
+              </a:rPr>
+              <a:t>int</a:t>
+            </a:r>
+            <a:r>
+              <a:rPr lang="en-US" sz="1600" b="1" dirty="0">
+                <a:latin typeface="Consolas" panose="020B0609020204030204" pitchFamily="49" charset="0"/>
+                <a:ea typeface="Times New Roman" panose="02020603050405020304" pitchFamily="18" charset="0"/>
+                <a:cs typeface="Times New Roman" panose="02020603050405020304" pitchFamily="18" charset="0"/>
+              </a:rPr>
+              <a:t> M, </a:t>
+            </a:r>
+            <a:r>
+              <a:rPr lang="en-US" sz="1600" b="1" dirty="0" err="1">
+                <a:latin typeface="Consolas" panose="020B0609020204030204" pitchFamily="49" charset="0"/>
+                <a:ea typeface="Times New Roman" panose="02020603050405020304" pitchFamily="18" charset="0"/>
+                <a:cs typeface="Times New Roman" panose="02020603050405020304" pitchFamily="18" charset="0"/>
+              </a:rPr>
+              <a:t>int</a:t>
+            </a:r>
+            <a:r>
+              <a:rPr lang="en-US" sz="1600" b="1" dirty="0">
+                <a:latin typeface="Consolas" panose="020B0609020204030204" pitchFamily="49" charset="0"/>
+                <a:ea typeface="Times New Roman" panose="02020603050405020304" pitchFamily="18" charset="0"/>
+                <a:cs typeface="Times New Roman" panose="02020603050405020304" pitchFamily="18" charset="0"/>
+              </a:rPr>
+              <a:t> C, </a:t>
+            </a:r>
+            <a:r>
+              <a:rPr lang="en-US" sz="1600" b="1" dirty="0" err="1">
+                <a:latin typeface="Consolas" panose="020B0609020204030204" pitchFamily="49" charset="0"/>
+                <a:ea typeface="Times New Roman" panose="02020603050405020304" pitchFamily="18" charset="0"/>
+                <a:cs typeface="Times New Roman" panose="02020603050405020304" pitchFamily="18" charset="0"/>
+              </a:rPr>
+              <a:t>int</a:t>
+            </a:r>
+            <a:r>
+              <a:rPr lang="en-US" sz="1600" b="1" dirty="0">
+                <a:latin typeface="Consolas" panose="020B0609020204030204" pitchFamily="49" charset="0"/>
+                <a:ea typeface="Times New Roman" panose="02020603050405020304" pitchFamily="18" charset="0"/>
+                <a:cs typeface="Times New Roman" panose="02020603050405020304" pitchFamily="18" charset="0"/>
+              </a:rPr>
+              <a:t> H, </a:t>
+            </a:r>
+            <a:r>
+              <a:rPr lang="en-US" sz="1600" b="1" dirty="0" err="1">
+                <a:latin typeface="Consolas" panose="020B0609020204030204" pitchFamily="49" charset="0"/>
+                <a:ea typeface="Times New Roman" panose="02020603050405020304" pitchFamily="18" charset="0"/>
+                <a:cs typeface="Times New Roman" panose="02020603050405020304" pitchFamily="18" charset="0"/>
+              </a:rPr>
+              <a:t>int</a:t>
+            </a:r>
+            <a:r>
+              <a:rPr lang="en-US" sz="1600" b="1" dirty="0">
+                <a:latin typeface="Consolas" panose="020B0609020204030204" pitchFamily="49" charset="0"/>
+                <a:ea typeface="Times New Roman" panose="02020603050405020304" pitchFamily="18" charset="0"/>
+                <a:cs typeface="Times New Roman" panose="02020603050405020304" pitchFamily="18" charset="0"/>
+              </a:rPr>
+              <a:t> W, </a:t>
+            </a:r>
+            <a:r>
+              <a:rPr lang="en-US" sz="1600" b="1" dirty="0" err="1">
+                <a:latin typeface="Consolas" panose="020B0609020204030204" pitchFamily="49" charset="0"/>
+                <a:ea typeface="Times New Roman" panose="02020603050405020304" pitchFamily="18" charset="0"/>
+                <a:cs typeface="Times New Roman" panose="02020603050405020304" pitchFamily="18" charset="0"/>
+              </a:rPr>
+              <a:t>int</a:t>
+            </a:r>
+            <a:r>
+              <a:rPr lang="en-US" sz="1600" b="1" dirty="0">
+                <a:latin typeface="Consolas" panose="020B0609020204030204" pitchFamily="49" charset="0"/>
+                <a:ea typeface="Times New Roman" panose="02020603050405020304" pitchFamily="18" charset="0"/>
+                <a:cs typeface="Times New Roman" panose="02020603050405020304" pitchFamily="18" charset="0"/>
+              </a:rPr>
+              <a:t> K, float *</a:t>
+            </a:r>
+            <a:r>
+              <a:rPr lang="en-US" sz="1600" b="1" dirty="0" err="1">
+                <a:latin typeface="Consolas" panose="020B0609020204030204" pitchFamily="49" charset="0"/>
+                <a:ea typeface="Times New Roman" panose="02020603050405020304" pitchFamily="18" charset="0"/>
+                <a:cs typeface="Times New Roman" panose="02020603050405020304" pitchFamily="18" charset="0"/>
+              </a:rPr>
+              <a:t>dE_dY</a:t>
+            </a:r>
+            <a:r>
+              <a:rPr lang="en-US" sz="1600" b="1" dirty="0">
+                <a:latin typeface="Consolas" panose="020B0609020204030204" pitchFamily="49" charset="0"/>
+                <a:ea typeface="Times New Roman" panose="02020603050405020304" pitchFamily="18" charset="0"/>
+                <a:cs typeface="Times New Roman" panose="02020603050405020304" pitchFamily="18" charset="0"/>
+              </a:rPr>
+              <a:t>, float *W, float *</a:t>
+            </a:r>
+            <a:r>
+              <a:rPr lang="en-US" sz="1600" b="1" dirty="0" err="1">
+                <a:latin typeface="Consolas" panose="020B0609020204030204" pitchFamily="49" charset="0"/>
+                <a:ea typeface="Times New Roman" panose="02020603050405020304" pitchFamily="18" charset="0"/>
+                <a:cs typeface="Times New Roman" panose="02020603050405020304" pitchFamily="18" charset="0"/>
+              </a:rPr>
+              <a:t>dE_dX</a:t>
+            </a:r>
+            <a:r>
+              <a:rPr lang="en-US" sz="1600" b="1" dirty="0">
+                <a:latin typeface="Consolas" panose="020B0609020204030204" pitchFamily="49" charset="0"/>
+                <a:ea typeface="Times New Roman" panose="02020603050405020304" pitchFamily="18" charset="0"/>
+                <a:cs typeface="Times New Roman" panose="02020603050405020304" pitchFamily="18" charset="0"/>
+              </a:rPr>
+              <a:t>)  {</a:t>
+            </a:r>
+            <a:endParaRPr lang="en-US" sz="1600" b="1" dirty="0">
+              <a:latin typeface="Consolas" panose="020B0609020204030204" pitchFamily="49" charset="0"/>
+              <a:ea typeface="Calibri" panose="020F0502020204030204" pitchFamily="34" charset="0"/>
+              <a:cs typeface="Times New Roman" panose="02020603050405020304" pitchFamily="18" charset="0"/>
+            </a:endParaRPr>
+          </a:p>
+          <a:p>
+            <a:pPr marL="0" indent="0">
+              <a:buNone/>
+            </a:pPr>
+            <a:r>
+              <a:rPr lang="en-US" sz="1600" b="1" dirty="0">
+                <a:latin typeface="Consolas" panose="020B0609020204030204" pitchFamily="49" charset="0"/>
+                <a:ea typeface="Times New Roman" panose="02020603050405020304" pitchFamily="18" charset="0"/>
+                <a:cs typeface="Times New Roman" panose="02020603050405020304" pitchFamily="18" charset="0"/>
+              </a:rPr>
+              <a:t>  </a:t>
+            </a:r>
+            <a:r>
+              <a:rPr lang="en-US" sz="1600" b="1" dirty="0" err="1">
+                <a:latin typeface="Consolas" panose="020B0609020204030204" pitchFamily="49" charset="0"/>
+                <a:ea typeface="Times New Roman" panose="02020603050405020304" pitchFamily="18" charset="0"/>
+                <a:cs typeface="Times New Roman" panose="02020603050405020304" pitchFamily="18" charset="0"/>
+              </a:rPr>
+              <a:t>int</a:t>
+            </a:r>
+            <a:r>
+              <a:rPr lang="en-US" sz="1600" b="1" dirty="0">
+                <a:latin typeface="Consolas" panose="020B0609020204030204" pitchFamily="49" charset="0"/>
+                <a:ea typeface="Times New Roman" panose="02020603050405020304" pitchFamily="18" charset="0"/>
+                <a:cs typeface="Times New Roman" panose="02020603050405020304" pitchFamily="18" charset="0"/>
+              </a:rPr>
+              <a:t> </a:t>
+            </a:r>
+            <a:r>
+              <a:rPr lang="en-US" sz="1600" b="1" dirty="0" err="1">
+                <a:latin typeface="Consolas" panose="020B0609020204030204" pitchFamily="49" charset="0"/>
+                <a:ea typeface="Times New Roman" panose="02020603050405020304" pitchFamily="18" charset="0"/>
+                <a:cs typeface="Times New Roman" panose="02020603050405020304" pitchFamily="18" charset="0"/>
+              </a:rPr>
+              <a:t>H_out</a:t>
+            </a:r>
+            <a:r>
+              <a:rPr lang="en-US" sz="1600" b="1" dirty="0">
+                <a:latin typeface="Consolas" panose="020B0609020204030204" pitchFamily="49" charset="0"/>
+                <a:ea typeface="Times New Roman" panose="02020603050405020304" pitchFamily="18" charset="0"/>
+                <a:cs typeface="Times New Roman" panose="02020603050405020304" pitchFamily="18" charset="0"/>
+              </a:rPr>
+              <a:t> = H – K + 1;</a:t>
+            </a:r>
+            <a:endParaRPr lang="en-US" sz="1600" b="1" dirty="0">
+              <a:latin typeface="Consolas" panose="020B0609020204030204" pitchFamily="49" charset="0"/>
+              <a:ea typeface="Calibri" panose="020F0502020204030204" pitchFamily="34" charset="0"/>
+              <a:cs typeface="Times New Roman" panose="02020603050405020304" pitchFamily="18" charset="0"/>
+            </a:endParaRPr>
+          </a:p>
+          <a:p>
+            <a:pPr marL="0" indent="0">
+              <a:buNone/>
+            </a:pPr>
+            <a:r>
+              <a:rPr lang="en-US" sz="1600" b="1" dirty="0">
+                <a:latin typeface="Consolas" panose="020B0609020204030204" pitchFamily="49" charset="0"/>
+                <a:ea typeface="Times New Roman" panose="02020603050405020304" pitchFamily="18" charset="0"/>
+                <a:cs typeface="Times New Roman" panose="02020603050405020304" pitchFamily="18" charset="0"/>
+              </a:rPr>
+              <a:t>  </a:t>
+            </a:r>
+            <a:r>
+              <a:rPr lang="en-US" sz="1600" b="1" dirty="0" err="1">
+                <a:latin typeface="Consolas" panose="020B0609020204030204" pitchFamily="49" charset="0"/>
+                <a:ea typeface="Times New Roman" panose="02020603050405020304" pitchFamily="18" charset="0"/>
+                <a:cs typeface="Times New Roman" panose="02020603050405020304" pitchFamily="18" charset="0"/>
+              </a:rPr>
+              <a:t>int</a:t>
+            </a:r>
+            <a:r>
+              <a:rPr lang="en-US" sz="1600" b="1" dirty="0">
+                <a:latin typeface="Consolas" panose="020B0609020204030204" pitchFamily="49" charset="0"/>
+                <a:ea typeface="Times New Roman" panose="02020603050405020304" pitchFamily="18" charset="0"/>
+                <a:cs typeface="Times New Roman" panose="02020603050405020304" pitchFamily="18" charset="0"/>
+              </a:rPr>
+              <a:t> </a:t>
+            </a:r>
+            <a:r>
+              <a:rPr lang="en-US" sz="1600" b="1" dirty="0" err="1">
+                <a:latin typeface="Consolas" panose="020B0609020204030204" pitchFamily="49" charset="0"/>
+                <a:ea typeface="Times New Roman" panose="02020603050405020304" pitchFamily="18" charset="0"/>
+                <a:cs typeface="Times New Roman" panose="02020603050405020304" pitchFamily="18" charset="0"/>
+              </a:rPr>
+              <a:t>W_out</a:t>
+            </a:r>
+            <a:r>
+              <a:rPr lang="en-US" sz="1600" b="1" dirty="0">
+                <a:latin typeface="Consolas" panose="020B0609020204030204" pitchFamily="49" charset="0"/>
+                <a:ea typeface="Times New Roman" panose="02020603050405020304" pitchFamily="18" charset="0"/>
+                <a:cs typeface="Times New Roman" panose="02020603050405020304" pitchFamily="18" charset="0"/>
+              </a:rPr>
+              <a:t> = W – K + 1; </a:t>
+            </a:r>
+          </a:p>
+          <a:p>
+            <a:pPr marL="0" indent="0">
+              <a:buNone/>
+            </a:pPr>
+            <a:r>
+              <a:rPr lang="en-US" sz="1600" b="1" dirty="0">
+                <a:latin typeface="Consolas" panose="020B0609020204030204" pitchFamily="49" charset="0"/>
+                <a:ea typeface="Calibri" panose="020F0502020204030204" pitchFamily="34" charset="0"/>
+                <a:cs typeface="Times New Roman" panose="02020603050405020304" pitchFamily="18" charset="0"/>
+              </a:rPr>
+              <a:t>  for (</a:t>
+            </a:r>
+            <a:r>
+              <a:rPr lang="en-US" sz="1600" b="1" dirty="0" err="1">
+                <a:latin typeface="Consolas" panose="020B0609020204030204" pitchFamily="49" charset="0"/>
+                <a:ea typeface="Calibri" panose="020F0502020204030204" pitchFamily="34" charset="0"/>
+                <a:cs typeface="Times New Roman" panose="02020603050405020304" pitchFamily="18" charset="0"/>
+              </a:rPr>
+              <a:t>int</a:t>
+            </a:r>
+            <a:r>
+              <a:rPr lang="en-US" sz="1600" b="1" dirty="0">
+                <a:latin typeface="Consolas" panose="020B0609020204030204" pitchFamily="49" charset="0"/>
+                <a:ea typeface="Calibri" panose="020F0502020204030204" pitchFamily="34" charset="0"/>
+                <a:cs typeface="Times New Roman" panose="02020603050405020304" pitchFamily="18" charset="0"/>
+              </a:rPr>
+              <a:t> b = 0; b &lt; B; ++b) {</a:t>
+            </a:r>
+          </a:p>
+          <a:p>
+            <a:pPr marL="0" indent="0">
+              <a:buNone/>
+            </a:pPr>
+            <a:r>
+              <a:rPr lang="en-US" sz="1600" b="1" dirty="0">
+                <a:latin typeface="Consolas" panose="020B0609020204030204" pitchFamily="49" charset="0"/>
+                <a:ea typeface="Times New Roman" panose="02020603050405020304" pitchFamily="18" charset="0"/>
+                <a:cs typeface="Times New Roman" panose="02020603050405020304" pitchFamily="18" charset="0"/>
+              </a:rPr>
+              <a:t>    for (</a:t>
+            </a:r>
+            <a:r>
+              <a:rPr lang="en-US" sz="1600" b="1" dirty="0" err="1">
+                <a:latin typeface="Consolas" panose="020B0609020204030204" pitchFamily="49" charset="0"/>
+                <a:ea typeface="Times New Roman" panose="02020603050405020304" pitchFamily="18" charset="0"/>
+                <a:cs typeface="Times New Roman" panose="02020603050405020304" pitchFamily="18" charset="0"/>
+              </a:rPr>
+              <a:t>int</a:t>
+            </a:r>
+            <a:r>
+              <a:rPr lang="en-US" sz="1600" b="1" dirty="0">
+                <a:latin typeface="Consolas" panose="020B0609020204030204" pitchFamily="49" charset="0"/>
+                <a:ea typeface="Times New Roman" panose="02020603050405020304" pitchFamily="18" charset="0"/>
+                <a:cs typeface="Times New Roman" panose="02020603050405020304" pitchFamily="18" charset="0"/>
+              </a:rPr>
+              <a:t> c = 0;  c &lt; C; ++c)</a:t>
+            </a:r>
+            <a:endParaRPr lang="en-US" sz="1600" b="1" dirty="0">
+              <a:latin typeface="Consolas" panose="020B0609020204030204" pitchFamily="49" charset="0"/>
+              <a:ea typeface="Calibri" panose="020F0502020204030204" pitchFamily="34" charset="0"/>
+              <a:cs typeface="Times New Roman" panose="02020603050405020304" pitchFamily="18" charset="0"/>
+            </a:endParaRPr>
+          </a:p>
+          <a:p>
+            <a:pPr marL="0" indent="0">
+              <a:buNone/>
+            </a:pPr>
+            <a:r>
+              <a:rPr lang="en-US" sz="1600" b="1" dirty="0">
+                <a:latin typeface="Consolas" panose="020B0609020204030204" pitchFamily="49" charset="0"/>
+                <a:ea typeface="Times New Roman" panose="02020603050405020304" pitchFamily="18" charset="0"/>
+                <a:cs typeface="Times New Roman" panose="02020603050405020304" pitchFamily="18" charset="0"/>
+              </a:rPr>
+              <a:t>      for (</a:t>
+            </a:r>
+            <a:r>
+              <a:rPr lang="en-US" sz="1600" b="1" dirty="0" err="1">
+                <a:latin typeface="Consolas" panose="020B0609020204030204" pitchFamily="49" charset="0"/>
+                <a:ea typeface="Times New Roman" panose="02020603050405020304" pitchFamily="18" charset="0"/>
+                <a:cs typeface="Times New Roman" panose="02020603050405020304" pitchFamily="18" charset="0"/>
+              </a:rPr>
+              <a:t>int</a:t>
+            </a:r>
+            <a:r>
+              <a:rPr lang="en-US" sz="1600" b="1" dirty="0">
+                <a:latin typeface="Consolas" panose="020B0609020204030204" pitchFamily="49" charset="0"/>
+                <a:ea typeface="Times New Roman" panose="02020603050405020304" pitchFamily="18" charset="0"/>
+                <a:cs typeface="Times New Roman" panose="02020603050405020304" pitchFamily="18" charset="0"/>
+              </a:rPr>
+              <a:t> h = 0; h &lt; H; ++h)		</a:t>
+            </a:r>
+            <a:endParaRPr lang="en-US" sz="1600" b="1" dirty="0">
+              <a:latin typeface="Consolas" panose="020B0609020204030204" pitchFamily="49" charset="0"/>
+              <a:ea typeface="Calibri" panose="020F0502020204030204" pitchFamily="34" charset="0"/>
+              <a:cs typeface="Times New Roman" panose="02020603050405020304" pitchFamily="18" charset="0"/>
+            </a:endParaRPr>
+          </a:p>
+          <a:p>
+            <a:pPr marL="0" indent="0">
+              <a:buNone/>
+            </a:pPr>
+            <a:r>
+              <a:rPr lang="en-US" sz="1600" b="1" dirty="0">
+                <a:latin typeface="Consolas" panose="020B0609020204030204" pitchFamily="49" charset="0"/>
+                <a:ea typeface="Times New Roman" panose="02020603050405020304" pitchFamily="18" charset="0"/>
+                <a:cs typeface="Times New Roman" panose="02020603050405020304" pitchFamily="18" charset="0"/>
+              </a:rPr>
+              <a:t>       for (</a:t>
+            </a:r>
+            <a:r>
+              <a:rPr lang="en-US" sz="1600" b="1" dirty="0" err="1">
+                <a:latin typeface="Consolas" panose="020B0609020204030204" pitchFamily="49" charset="0"/>
+                <a:ea typeface="Times New Roman" panose="02020603050405020304" pitchFamily="18" charset="0"/>
+                <a:cs typeface="Times New Roman" panose="02020603050405020304" pitchFamily="18" charset="0"/>
+              </a:rPr>
+              <a:t>int</a:t>
+            </a:r>
+            <a:r>
+              <a:rPr lang="en-US" sz="1600" b="1" dirty="0">
+                <a:latin typeface="Consolas" panose="020B0609020204030204" pitchFamily="49" charset="0"/>
+                <a:ea typeface="Times New Roman" panose="02020603050405020304" pitchFamily="18" charset="0"/>
+                <a:cs typeface="Times New Roman" panose="02020603050405020304" pitchFamily="18" charset="0"/>
+              </a:rPr>
+              <a:t> w = 0; w &lt; W; ++w) </a:t>
+            </a:r>
+            <a:endParaRPr lang="en-US" sz="1600" b="1" dirty="0">
+              <a:latin typeface="Consolas" panose="020B0609020204030204" pitchFamily="49" charset="0"/>
+              <a:ea typeface="Calibri" panose="020F0502020204030204" pitchFamily="34" charset="0"/>
+              <a:cs typeface="Times New Roman" panose="02020603050405020304" pitchFamily="18" charset="0"/>
+            </a:endParaRPr>
+          </a:p>
+          <a:p>
+            <a:pPr marL="0" marR="0" indent="0">
+              <a:spcBef>
+                <a:spcPts val="0"/>
+              </a:spcBef>
+              <a:spcAft>
+                <a:spcPts val="0"/>
+              </a:spcAft>
+              <a:buNone/>
+            </a:pPr>
+            <a:r>
+              <a:rPr lang="en-US" sz="1600" b="1" dirty="0">
+                <a:latin typeface="Consolas" panose="020B0609020204030204" pitchFamily="49" charset="0"/>
+                <a:ea typeface="Times New Roman" panose="02020603050405020304" pitchFamily="18" charset="0"/>
+                <a:cs typeface="Times New Roman" panose="02020603050405020304" pitchFamily="18" charset="0"/>
+              </a:rPr>
+              <a:t>          </a:t>
+            </a:r>
+            <a:r>
+              <a:rPr lang="en-US" sz="1600" b="1" dirty="0" err="1">
+                <a:latin typeface="Consolas" panose="020B0609020204030204" pitchFamily="49" charset="0"/>
+                <a:ea typeface="Times New Roman" panose="02020603050405020304" pitchFamily="18" charset="0"/>
+                <a:cs typeface="Times New Roman" panose="02020603050405020304" pitchFamily="18" charset="0"/>
+              </a:rPr>
+              <a:t>dE_dX</a:t>
+            </a:r>
+            <a:r>
+              <a:rPr lang="en-US" sz="1600" b="1" dirty="0">
+                <a:latin typeface="Consolas" panose="020B0609020204030204" pitchFamily="49" charset="0"/>
+                <a:ea typeface="Times New Roman" panose="02020603050405020304" pitchFamily="18" charset="0"/>
+                <a:cs typeface="Times New Roman" panose="02020603050405020304" pitchFamily="18" charset="0"/>
+              </a:rPr>
+              <a:t>[b, c, h, w] = 0;</a:t>
+            </a:r>
+            <a:endParaRPr lang="en-US" sz="1600" b="1" dirty="0">
+              <a:latin typeface="Consolas" panose="020B0609020204030204" pitchFamily="49" charset="0"/>
+              <a:ea typeface="Calibri" panose="020F0502020204030204" pitchFamily="34" charset="0"/>
+              <a:cs typeface="Times New Roman" panose="02020603050405020304" pitchFamily="18" charset="0"/>
+            </a:endParaRPr>
+          </a:p>
+          <a:p>
+            <a:pPr marL="0" indent="0">
+              <a:buNone/>
+            </a:pPr>
+            <a:r>
+              <a:rPr lang="en-US" sz="1600" b="1" dirty="0">
+                <a:latin typeface="Consolas" panose="020B0609020204030204" pitchFamily="49" charset="0"/>
+                <a:ea typeface="Times New Roman" panose="02020603050405020304" pitchFamily="18" charset="0"/>
+                <a:cs typeface="Times New Roman" panose="02020603050405020304" pitchFamily="18" charset="0"/>
+              </a:rPr>
+              <a:t> </a:t>
+            </a:r>
+            <a:endParaRPr lang="en-US" sz="1600" b="1" dirty="0">
+              <a:latin typeface="Consolas" panose="020B0609020204030204" pitchFamily="49" charset="0"/>
+              <a:ea typeface="Calibri" panose="020F0502020204030204" pitchFamily="34" charset="0"/>
+              <a:cs typeface="Times New Roman" panose="02020603050405020304" pitchFamily="18" charset="0"/>
+            </a:endParaRPr>
+          </a:p>
+          <a:p>
+            <a:pPr marL="0" indent="0">
+              <a:buNone/>
+            </a:pPr>
+            <a:r>
+              <a:rPr lang="en-US" sz="1600" b="1" dirty="0">
+                <a:latin typeface="Consolas" panose="020B0609020204030204" pitchFamily="49" charset="0"/>
+                <a:ea typeface="Times New Roman" panose="02020603050405020304" pitchFamily="18" charset="0"/>
+                <a:cs typeface="Times New Roman" panose="02020603050405020304" pitchFamily="18" charset="0"/>
+              </a:rPr>
+              <a:t>    for (</a:t>
+            </a:r>
+            <a:r>
+              <a:rPr lang="en-US" sz="1600" b="1" dirty="0" err="1">
+                <a:latin typeface="Consolas" panose="020B0609020204030204" pitchFamily="49" charset="0"/>
+                <a:ea typeface="Times New Roman" panose="02020603050405020304" pitchFamily="18" charset="0"/>
+                <a:cs typeface="Times New Roman" panose="02020603050405020304" pitchFamily="18" charset="0"/>
+              </a:rPr>
+              <a:t>int</a:t>
+            </a:r>
+            <a:r>
+              <a:rPr lang="en-US" sz="1600" b="1" dirty="0">
+                <a:latin typeface="Consolas" panose="020B0609020204030204" pitchFamily="49" charset="0"/>
+                <a:ea typeface="Times New Roman" panose="02020603050405020304" pitchFamily="18" charset="0"/>
+                <a:cs typeface="Times New Roman" panose="02020603050405020304" pitchFamily="18" charset="0"/>
+              </a:rPr>
+              <a:t> m = 0;  m &lt; M;  ++m) </a:t>
+            </a:r>
+            <a:endParaRPr lang="en-US" sz="1600" b="1" dirty="0">
+              <a:latin typeface="Consolas" panose="020B0609020204030204" pitchFamily="49" charset="0"/>
+              <a:ea typeface="Calibri" panose="020F0502020204030204" pitchFamily="34" charset="0"/>
+              <a:cs typeface="Times New Roman" panose="02020603050405020304" pitchFamily="18" charset="0"/>
+            </a:endParaRPr>
+          </a:p>
+          <a:p>
+            <a:pPr marL="0" indent="0">
+              <a:buNone/>
+            </a:pPr>
+            <a:r>
+              <a:rPr lang="en-US" sz="1600" b="1" dirty="0">
+                <a:latin typeface="Consolas" panose="020B0609020204030204" pitchFamily="49" charset="0"/>
+                <a:ea typeface="Times New Roman" panose="02020603050405020304" pitchFamily="18" charset="0"/>
+                <a:cs typeface="Times New Roman" panose="02020603050405020304" pitchFamily="18" charset="0"/>
+              </a:rPr>
+              <a:t>      for (</a:t>
+            </a:r>
+            <a:r>
+              <a:rPr lang="en-US" sz="1600" b="1" dirty="0" err="1">
+                <a:latin typeface="Consolas" panose="020B0609020204030204" pitchFamily="49" charset="0"/>
+                <a:ea typeface="Times New Roman" panose="02020603050405020304" pitchFamily="18" charset="0"/>
+                <a:cs typeface="Times New Roman" panose="02020603050405020304" pitchFamily="18" charset="0"/>
+              </a:rPr>
+              <a:t>int</a:t>
+            </a:r>
+            <a:r>
+              <a:rPr lang="en-US" sz="1600" b="1" dirty="0">
+                <a:latin typeface="Consolas" panose="020B0609020204030204" pitchFamily="49" charset="0"/>
+                <a:ea typeface="Times New Roman" panose="02020603050405020304" pitchFamily="18" charset="0"/>
+                <a:cs typeface="Times New Roman" panose="02020603050405020304" pitchFamily="18" charset="0"/>
+              </a:rPr>
+              <a:t> h = 0; h &lt; </a:t>
+            </a:r>
+            <a:r>
+              <a:rPr lang="en-US" sz="1600" b="1" dirty="0" err="1">
+                <a:latin typeface="Consolas" panose="020B0609020204030204" pitchFamily="49" charset="0"/>
+                <a:ea typeface="Times New Roman" panose="02020603050405020304" pitchFamily="18" charset="0"/>
+                <a:cs typeface="Times New Roman" panose="02020603050405020304" pitchFamily="18" charset="0"/>
+              </a:rPr>
+              <a:t>H_out</a:t>
+            </a:r>
+            <a:r>
+              <a:rPr lang="en-US" sz="1600" b="1" dirty="0">
+                <a:latin typeface="Consolas" panose="020B0609020204030204" pitchFamily="49" charset="0"/>
+                <a:ea typeface="Times New Roman" panose="02020603050405020304" pitchFamily="18" charset="0"/>
+                <a:cs typeface="Times New Roman" panose="02020603050405020304" pitchFamily="18" charset="0"/>
+              </a:rPr>
+              <a:t>; ++h)		 </a:t>
+            </a:r>
+            <a:endParaRPr lang="en-US" sz="1600" b="1" dirty="0">
+              <a:latin typeface="Consolas" panose="020B0609020204030204" pitchFamily="49" charset="0"/>
+              <a:ea typeface="Calibri" panose="020F0502020204030204" pitchFamily="34" charset="0"/>
+              <a:cs typeface="Times New Roman" panose="02020603050405020304" pitchFamily="18" charset="0"/>
+            </a:endParaRPr>
+          </a:p>
+          <a:p>
+            <a:pPr marL="0" indent="0">
+              <a:buNone/>
+            </a:pPr>
+            <a:r>
+              <a:rPr lang="en-US" sz="1600" b="1" dirty="0">
+                <a:latin typeface="Consolas" panose="020B0609020204030204" pitchFamily="49" charset="0"/>
+                <a:ea typeface="Times New Roman" panose="02020603050405020304" pitchFamily="18" charset="0"/>
+                <a:cs typeface="Times New Roman" panose="02020603050405020304" pitchFamily="18" charset="0"/>
+              </a:rPr>
+              <a:t>        for (</a:t>
+            </a:r>
+            <a:r>
+              <a:rPr lang="en-US" sz="1600" b="1" dirty="0" err="1">
+                <a:latin typeface="Consolas" panose="020B0609020204030204" pitchFamily="49" charset="0"/>
+                <a:ea typeface="Times New Roman" panose="02020603050405020304" pitchFamily="18" charset="0"/>
+                <a:cs typeface="Times New Roman" panose="02020603050405020304" pitchFamily="18" charset="0"/>
+              </a:rPr>
+              <a:t>int</a:t>
+            </a:r>
+            <a:r>
+              <a:rPr lang="en-US" sz="1600" b="1" dirty="0">
+                <a:latin typeface="Consolas" panose="020B0609020204030204" pitchFamily="49" charset="0"/>
+                <a:ea typeface="Times New Roman" panose="02020603050405020304" pitchFamily="18" charset="0"/>
+                <a:cs typeface="Times New Roman" panose="02020603050405020304" pitchFamily="18" charset="0"/>
+              </a:rPr>
+              <a:t> w = 0; w &lt; </a:t>
+            </a:r>
+            <a:r>
+              <a:rPr lang="en-US" sz="1600" b="1" dirty="0" err="1">
+                <a:latin typeface="Consolas" panose="020B0609020204030204" pitchFamily="49" charset="0"/>
+                <a:ea typeface="Times New Roman" panose="02020603050405020304" pitchFamily="18" charset="0"/>
+                <a:cs typeface="Times New Roman" panose="02020603050405020304" pitchFamily="18" charset="0"/>
+              </a:rPr>
+              <a:t>W_out</a:t>
+            </a:r>
+            <a:r>
+              <a:rPr lang="en-US" sz="1600" b="1" dirty="0">
+                <a:latin typeface="Consolas" panose="020B0609020204030204" pitchFamily="49" charset="0"/>
+                <a:ea typeface="Times New Roman" panose="02020603050405020304" pitchFamily="18" charset="0"/>
+                <a:cs typeface="Times New Roman" panose="02020603050405020304" pitchFamily="18" charset="0"/>
+              </a:rPr>
+              <a:t>; ++w) </a:t>
+            </a:r>
+            <a:endParaRPr lang="en-US" sz="1600" b="1" dirty="0">
+              <a:latin typeface="Consolas" panose="020B0609020204030204" pitchFamily="49" charset="0"/>
+              <a:ea typeface="Calibri" panose="020F0502020204030204" pitchFamily="34" charset="0"/>
+              <a:cs typeface="Times New Roman" panose="02020603050405020304" pitchFamily="18" charset="0"/>
+            </a:endParaRPr>
+          </a:p>
+          <a:p>
+            <a:pPr marL="0" marR="0" indent="0">
+              <a:spcBef>
+                <a:spcPts val="0"/>
+              </a:spcBef>
+              <a:spcAft>
+                <a:spcPts val="0"/>
+              </a:spcAft>
+              <a:buNone/>
+            </a:pPr>
+            <a:r>
+              <a:rPr lang="en-US" sz="1600" b="1" dirty="0">
+                <a:latin typeface="Consolas" panose="020B0609020204030204" pitchFamily="49" charset="0"/>
+                <a:ea typeface="Times New Roman" panose="02020603050405020304" pitchFamily="18" charset="0"/>
+                <a:cs typeface="Times New Roman" panose="02020603050405020304" pitchFamily="18" charset="0"/>
+              </a:rPr>
+              <a:t>          for (</a:t>
+            </a:r>
+            <a:r>
+              <a:rPr lang="en-US" sz="1600" b="1" dirty="0" err="1">
+                <a:latin typeface="Consolas" panose="020B0609020204030204" pitchFamily="49" charset="0"/>
+                <a:ea typeface="Times New Roman" panose="02020603050405020304" pitchFamily="18" charset="0"/>
+                <a:cs typeface="Times New Roman" panose="02020603050405020304" pitchFamily="18" charset="0"/>
+              </a:rPr>
+              <a:t>int</a:t>
+            </a:r>
+            <a:r>
+              <a:rPr lang="en-US" sz="1600" b="1" dirty="0">
+                <a:latin typeface="Consolas" panose="020B0609020204030204" pitchFamily="49" charset="0"/>
+                <a:ea typeface="Times New Roman" panose="02020603050405020304" pitchFamily="18" charset="0"/>
+                <a:cs typeface="Times New Roman" panose="02020603050405020304" pitchFamily="18" charset="0"/>
+              </a:rPr>
+              <a:t> c = 0;  c &lt; C; ++c)		 </a:t>
+            </a:r>
+            <a:endParaRPr lang="en-US" sz="1600" b="1" dirty="0">
+              <a:latin typeface="Consolas" panose="020B0609020204030204" pitchFamily="49" charset="0"/>
+              <a:ea typeface="Calibri" panose="020F0502020204030204" pitchFamily="34" charset="0"/>
+              <a:cs typeface="Times New Roman" panose="02020603050405020304" pitchFamily="18" charset="0"/>
+            </a:endParaRPr>
+          </a:p>
+          <a:p>
+            <a:pPr marL="0" marR="0" indent="0">
+              <a:spcBef>
+                <a:spcPts val="0"/>
+              </a:spcBef>
+              <a:spcAft>
+                <a:spcPts val="0"/>
+              </a:spcAft>
+              <a:buNone/>
+            </a:pPr>
+            <a:r>
+              <a:rPr lang="en-US" sz="1600" b="1" dirty="0">
+                <a:latin typeface="Consolas" panose="020B0609020204030204" pitchFamily="49" charset="0"/>
+                <a:ea typeface="Times New Roman" panose="02020603050405020304" pitchFamily="18" charset="0"/>
+                <a:cs typeface="Times New Roman" panose="02020603050405020304" pitchFamily="18" charset="0"/>
+              </a:rPr>
+              <a:t>            for (</a:t>
+            </a:r>
+            <a:r>
+              <a:rPr lang="en-US" sz="1600" b="1" dirty="0" err="1">
+                <a:latin typeface="Consolas" panose="020B0609020204030204" pitchFamily="49" charset="0"/>
+                <a:ea typeface="Times New Roman" panose="02020603050405020304" pitchFamily="18" charset="0"/>
+                <a:cs typeface="Times New Roman" panose="02020603050405020304" pitchFamily="18" charset="0"/>
+              </a:rPr>
+              <a:t>int</a:t>
+            </a:r>
+            <a:r>
+              <a:rPr lang="en-US" sz="1600" b="1" dirty="0">
+                <a:latin typeface="Consolas" panose="020B0609020204030204" pitchFamily="49" charset="0"/>
+                <a:ea typeface="Times New Roman" panose="02020603050405020304" pitchFamily="18" charset="0"/>
+                <a:cs typeface="Times New Roman" panose="02020603050405020304" pitchFamily="18" charset="0"/>
+              </a:rPr>
+              <a:t> p = 0; p &lt; K; ++p)</a:t>
+            </a:r>
+            <a:endParaRPr lang="en-US" sz="1600" b="1" dirty="0">
+              <a:latin typeface="Consolas" panose="020B0609020204030204" pitchFamily="49" charset="0"/>
+              <a:ea typeface="Calibri" panose="020F0502020204030204" pitchFamily="34" charset="0"/>
+              <a:cs typeface="Times New Roman" panose="02020603050405020304" pitchFamily="18" charset="0"/>
+            </a:endParaRPr>
+          </a:p>
+          <a:p>
+            <a:pPr marL="0" marR="0" indent="0">
+              <a:spcBef>
+                <a:spcPts val="0"/>
+              </a:spcBef>
+              <a:spcAft>
+                <a:spcPts val="0"/>
+              </a:spcAft>
+              <a:buNone/>
+            </a:pPr>
+            <a:r>
+              <a:rPr lang="en-US" sz="1600" b="1" dirty="0">
+                <a:latin typeface="Consolas" panose="020B0609020204030204" pitchFamily="49" charset="0"/>
+                <a:ea typeface="Times New Roman" panose="02020603050405020304" pitchFamily="18" charset="0"/>
+                <a:cs typeface="Times New Roman" panose="02020603050405020304" pitchFamily="18" charset="0"/>
+              </a:rPr>
+              <a:t>              for (</a:t>
+            </a:r>
+            <a:r>
+              <a:rPr lang="en-US" sz="1600" b="1" dirty="0" err="1">
+                <a:latin typeface="Consolas" panose="020B0609020204030204" pitchFamily="49" charset="0"/>
+                <a:ea typeface="Times New Roman" panose="02020603050405020304" pitchFamily="18" charset="0"/>
+                <a:cs typeface="Times New Roman" panose="02020603050405020304" pitchFamily="18" charset="0"/>
+              </a:rPr>
+              <a:t>int</a:t>
+            </a:r>
+            <a:r>
+              <a:rPr lang="en-US" sz="1600" b="1" dirty="0">
+                <a:latin typeface="Consolas" panose="020B0609020204030204" pitchFamily="49" charset="0"/>
+                <a:ea typeface="Times New Roman" panose="02020603050405020304" pitchFamily="18" charset="0"/>
+                <a:cs typeface="Times New Roman" panose="02020603050405020304" pitchFamily="18" charset="0"/>
+              </a:rPr>
+              <a:t> q = 0; q &lt; K; ++q)  </a:t>
+            </a:r>
+            <a:endParaRPr lang="en-US" sz="1600" b="1" dirty="0">
+              <a:latin typeface="Consolas" panose="020B0609020204030204" pitchFamily="49" charset="0"/>
+              <a:ea typeface="Calibri" panose="020F0502020204030204" pitchFamily="34" charset="0"/>
+              <a:cs typeface="Times New Roman" panose="02020603050405020304" pitchFamily="18" charset="0"/>
+            </a:endParaRPr>
+          </a:p>
+          <a:p>
+            <a:pPr marL="0" marR="0" indent="0">
+              <a:spcBef>
+                <a:spcPts val="0"/>
+              </a:spcBef>
+              <a:spcAft>
+                <a:spcPts val="0"/>
+              </a:spcAft>
+              <a:buNone/>
+            </a:pPr>
+            <a:r>
+              <a:rPr lang="en-US" sz="1600" b="1" dirty="0">
+                <a:latin typeface="Consolas" panose="020B0609020204030204" pitchFamily="49" charset="0"/>
+                <a:ea typeface="Times New Roman" panose="02020603050405020304" pitchFamily="18" charset="0"/>
+                <a:cs typeface="Times New Roman" panose="02020603050405020304" pitchFamily="18" charset="0"/>
+              </a:rPr>
+              <a:t>                </a:t>
+            </a:r>
+            <a:r>
+              <a:rPr lang="en-US" sz="1600" b="1" dirty="0" err="1">
+                <a:latin typeface="Consolas" panose="020B0609020204030204" pitchFamily="49" charset="0"/>
+                <a:ea typeface="Times New Roman" panose="02020603050405020304" pitchFamily="18" charset="0"/>
+                <a:cs typeface="Times New Roman" panose="02020603050405020304" pitchFamily="18" charset="0"/>
+              </a:rPr>
+              <a:t>dE_dX</a:t>
+            </a:r>
+            <a:r>
+              <a:rPr lang="en-US" sz="1600" b="1" dirty="0">
+                <a:latin typeface="Consolas" panose="020B0609020204030204" pitchFamily="49" charset="0"/>
+                <a:ea typeface="Times New Roman" panose="02020603050405020304" pitchFamily="18" charset="0"/>
+                <a:cs typeface="Times New Roman" panose="02020603050405020304" pitchFamily="18" charset="0"/>
+              </a:rPr>
+              <a:t>[b, c, h + p, w + q] += </a:t>
+            </a:r>
+            <a:r>
+              <a:rPr lang="en-US" sz="1600" b="1" dirty="0" err="1">
+                <a:latin typeface="Consolas" panose="020B0609020204030204" pitchFamily="49" charset="0"/>
+                <a:ea typeface="Times New Roman" panose="02020603050405020304" pitchFamily="18" charset="0"/>
+                <a:cs typeface="Times New Roman" panose="02020603050405020304" pitchFamily="18" charset="0"/>
+              </a:rPr>
+              <a:t>dE_dY</a:t>
+            </a:r>
+            <a:r>
+              <a:rPr lang="en-US" sz="1600" b="1" dirty="0">
+                <a:latin typeface="Consolas" panose="020B0609020204030204" pitchFamily="49" charset="0"/>
+                <a:ea typeface="Times New Roman" panose="02020603050405020304" pitchFamily="18" charset="0"/>
+                <a:cs typeface="Times New Roman" panose="02020603050405020304" pitchFamily="18" charset="0"/>
+              </a:rPr>
+              <a:t>[b, m, h, w] * W[m, c, p, q];</a:t>
+            </a:r>
+          </a:p>
+          <a:p>
+            <a:pPr marL="0" marR="0" indent="0">
+              <a:spcBef>
+                <a:spcPts val="0"/>
+              </a:spcBef>
+              <a:spcAft>
+                <a:spcPts val="0"/>
+              </a:spcAft>
+              <a:buNone/>
+            </a:pPr>
+            <a:r>
+              <a:rPr lang="en-US" sz="1600" b="1" dirty="0">
+                <a:latin typeface="Consolas" panose="020B0609020204030204" pitchFamily="49" charset="0"/>
+                <a:ea typeface="Calibri" panose="020F0502020204030204" pitchFamily="34" charset="0"/>
+                <a:cs typeface="Times New Roman" panose="02020603050405020304" pitchFamily="18" charset="0"/>
+              </a:rPr>
+              <a:t>  }</a:t>
+            </a:r>
+          </a:p>
+          <a:p>
+            <a:pPr marL="0" indent="0">
+              <a:buNone/>
+            </a:pPr>
+            <a:r>
+              <a:rPr lang="en-US" sz="1600" b="1" dirty="0">
+                <a:latin typeface="Consolas" panose="020B0609020204030204" pitchFamily="49" charset="0"/>
+                <a:ea typeface="Times New Roman" panose="02020603050405020304" pitchFamily="18" charset="0"/>
+                <a:cs typeface="Times New Roman" panose="02020603050405020304" pitchFamily="18" charset="0"/>
+              </a:rPr>
+              <a:t>}</a:t>
+            </a:r>
+            <a:endParaRPr lang="en-US" sz="1600" b="1" dirty="0">
+              <a:latin typeface="Consolas" panose="020B0609020204030204" pitchFamily="49" charset="0"/>
+              <a:ea typeface="Calibri" panose="020F0502020204030204" pitchFamily="34" charset="0"/>
+              <a:cs typeface="Times New Roman" panose="02020603050405020304" pitchFamily="18" charset="0"/>
+            </a:endParaRPr>
+          </a:p>
+        </p:txBody>
+      </p:sp>
+      <p:sp>
+        <p:nvSpPr>
+          <p:cNvPr id="3" name="Text Placeholder 2">
+            <a:extLst>
+              <a:ext uri="{FF2B5EF4-FFF2-40B4-BE49-F238E27FC236}">
+                <a16:creationId xmlns:a16="http://schemas.microsoft.com/office/drawing/2014/main" id="{C54231A1-FF2D-4A80-B8E5-7758CFEE3368}"/>
+              </a:ext>
+            </a:extLst>
+          </p:cNvPr>
+          <p:cNvSpPr>
+            <a:spLocks noGrp="1"/>
+          </p:cNvSpPr>
+          <p:nvPr>
+            <p:ph type="body" sz="quarter" idx="10"/>
+          </p:nvPr>
+        </p:nvSpPr>
+        <p:spPr/>
+        <p:txBody>
+          <a:bodyPr/>
+          <a:lstStyle/>
+          <a:p>
+            <a:r>
+              <a:rPr lang="en-US" sz="4800" dirty="0"/>
+              <a:t>Calculating </a:t>
+            </a:r>
+            <a:r>
+              <a:rPr lang="en-US" sz="4800" dirty="0" err="1"/>
+              <a:t>dE</a:t>
+            </a:r>
+            <a:r>
+              <a:rPr lang="en-US" sz="4800" dirty="0"/>
+              <a:t>/</a:t>
+            </a:r>
+            <a:r>
+              <a:rPr lang="en-US" sz="4800" dirty="0" err="1"/>
+              <a:t>dX</a:t>
+            </a:r>
+            <a:endParaRPr lang="en-US" sz="4800" dirty="0"/>
+          </a:p>
+        </p:txBody>
+      </p:sp>
+    </p:spTree>
+    <p:extLst>
+      <p:ext uri="{BB962C8B-B14F-4D97-AF65-F5344CB8AC3E}">
+        <p14:creationId xmlns:p14="http://schemas.microsoft.com/office/powerpoint/2010/main" val="342661103"/>
       </p:ext>
     </p:extLst>
   </p:cSld>
@@ -26902,887 +26800,6 @@
       </p:grpSpPr>
       <p:sp>
         <p:nvSpPr>
-          <p:cNvPr id="2" name="Text Placeholder 1">
-            <a:extLst>
-              <a:ext uri="{FF2B5EF4-FFF2-40B4-BE49-F238E27FC236}">
-                <a16:creationId xmlns:a16="http://schemas.microsoft.com/office/drawing/2014/main" id="{0B76E354-943F-4E01-A203-2FC1106FCBA4}"/>
-              </a:ext>
-            </a:extLst>
-          </p:cNvPr>
-          <p:cNvSpPr>
-            <a:spLocks noGrp="1"/>
-          </p:cNvSpPr>
-          <p:nvPr>
-            <p:ph type="body" sz="quarter" idx="12"/>
-          </p:nvPr>
-        </p:nvSpPr>
-        <p:spPr/>
-        <p:txBody>
-          <a:bodyPr/>
-          <a:lstStyle/>
-          <a:p>
-            <a:pPr marL="0" indent="0">
-              <a:buNone/>
-            </a:pPr>
-            <a:r>
-              <a:rPr lang="en-US" sz="1600" b="1" dirty="0">
-                <a:latin typeface="Consolas" panose="020B0609020204030204" pitchFamily="49" charset="0"/>
-                <a:ea typeface="Times New Roman" panose="02020603050405020304" pitchFamily="18" charset="0"/>
-                <a:cs typeface="Times New Roman" panose="02020603050405020304" pitchFamily="18" charset="0"/>
-              </a:rPr>
-              <a:t>void </a:t>
-            </a:r>
-            <a:r>
-              <a:rPr lang="en-US" sz="1600" b="1" dirty="0" err="1">
-                <a:latin typeface="Consolas" panose="020B0609020204030204" pitchFamily="49" charset="0"/>
-                <a:ea typeface="Times New Roman" panose="02020603050405020304" pitchFamily="18" charset="0"/>
-                <a:cs typeface="Times New Roman" panose="02020603050405020304" pitchFamily="18" charset="0"/>
-              </a:rPr>
-              <a:t>convLayer_backward_dgrad</a:t>
-            </a:r>
-            <a:r>
-              <a:rPr lang="en-US" sz="1600" b="1" dirty="0">
-                <a:latin typeface="Consolas" panose="020B0609020204030204" pitchFamily="49" charset="0"/>
-                <a:ea typeface="Times New Roman" panose="02020603050405020304" pitchFamily="18" charset="0"/>
-                <a:cs typeface="Times New Roman" panose="02020603050405020304" pitchFamily="18" charset="0"/>
-              </a:rPr>
-              <a:t>(</a:t>
-            </a:r>
-            <a:r>
-              <a:rPr lang="en-US" sz="1600" b="1" dirty="0" err="1">
-                <a:latin typeface="Consolas" panose="020B0609020204030204" pitchFamily="49" charset="0"/>
-                <a:ea typeface="Times New Roman" panose="02020603050405020304" pitchFamily="18" charset="0"/>
-                <a:cs typeface="Times New Roman" panose="02020603050405020304" pitchFamily="18" charset="0"/>
-              </a:rPr>
-              <a:t>int</a:t>
-            </a:r>
-            <a:r>
-              <a:rPr lang="en-US" sz="1600" b="1" dirty="0">
-                <a:latin typeface="Consolas" panose="020B0609020204030204" pitchFamily="49" charset="0"/>
-                <a:ea typeface="Times New Roman" panose="02020603050405020304" pitchFamily="18" charset="0"/>
-                <a:cs typeface="Times New Roman" panose="02020603050405020304" pitchFamily="18" charset="0"/>
-              </a:rPr>
-              <a:t> B, </a:t>
-            </a:r>
-            <a:r>
-              <a:rPr lang="en-US" sz="1600" b="1" dirty="0" err="1">
-                <a:latin typeface="Consolas" panose="020B0609020204030204" pitchFamily="49" charset="0"/>
-                <a:ea typeface="Times New Roman" panose="02020603050405020304" pitchFamily="18" charset="0"/>
-                <a:cs typeface="Times New Roman" panose="02020603050405020304" pitchFamily="18" charset="0"/>
-              </a:rPr>
-              <a:t>int</a:t>
-            </a:r>
-            <a:r>
-              <a:rPr lang="en-US" sz="1600" b="1" dirty="0">
-                <a:latin typeface="Consolas" panose="020B0609020204030204" pitchFamily="49" charset="0"/>
-                <a:ea typeface="Times New Roman" panose="02020603050405020304" pitchFamily="18" charset="0"/>
-                <a:cs typeface="Times New Roman" panose="02020603050405020304" pitchFamily="18" charset="0"/>
-              </a:rPr>
-              <a:t> M, </a:t>
-            </a:r>
-            <a:r>
-              <a:rPr lang="en-US" sz="1600" b="1" dirty="0" err="1">
-                <a:latin typeface="Consolas" panose="020B0609020204030204" pitchFamily="49" charset="0"/>
-                <a:ea typeface="Times New Roman" panose="02020603050405020304" pitchFamily="18" charset="0"/>
-                <a:cs typeface="Times New Roman" panose="02020603050405020304" pitchFamily="18" charset="0"/>
-              </a:rPr>
-              <a:t>int</a:t>
-            </a:r>
-            <a:r>
-              <a:rPr lang="en-US" sz="1600" b="1" dirty="0">
-                <a:latin typeface="Consolas" panose="020B0609020204030204" pitchFamily="49" charset="0"/>
-                <a:ea typeface="Times New Roman" panose="02020603050405020304" pitchFamily="18" charset="0"/>
-                <a:cs typeface="Times New Roman" panose="02020603050405020304" pitchFamily="18" charset="0"/>
-              </a:rPr>
-              <a:t> C, </a:t>
-            </a:r>
-            <a:r>
-              <a:rPr lang="en-US" sz="1600" b="1" dirty="0" err="1">
-                <a:latin typeface="Consolas" panose="020B0609020204030204" pitchFamily="49" charset="0"/>
-                <a:ea typeface="Times New Roman" panose="02020603050405020304" pitchFamily="18" charset="0"/>
-                <a:cs typeface="Times New Roman" panose="02020603050405020304" pitchFamily="18" charset="0"/>
-              </a:rPr>
-              <a:t>int</a:t>
-            </a:r>
-            <a:r>
-              <a:rPr lang="en-US" sz="1600" b="1" dirty="0">
-                <a:latin typeface="Consolas" panose="020B0609020204030204" pitchFamily="49" charset="0"/>
-                <a:ea typeface="Times New Roman" panose="02020603050405020304" pitchFamily="18" charset="0"/>
-                <a:cs typeface="Times New Roman" panose="02020603050405020304" pitchFamily="18" charset="0"/>
-              </a:rPr>
-              <a:t> H, </a:t>
-            </a:r>
-            <a:r>
-              <a:rPr lang="en-US" sz="1600" b="1" dirty="0" err="1">
-                <a:latin typeface="Consolas" panose="020B0609020204030204" pitchFamily="49" charset="0"/>
-                <a:ea typeface="Times New Roman" panose="02020603050405020304" pitchFamily="18" charset="0"/>
-                <a:cs typeface="Times New Roman" panose="02020603050405020304" pitchFamily="18" charset="0"/>
-              </a:rPr>
-              <a:t>int</a:t>
-            </a:r>
-            <a:r>
-              <a:rPr lang="en-US" sz="1600" b="1" dirty="0">
-                <a:latin typeface="Consolas" panose="020B0609020204030204" pitchFamily="49" charset="0"/>
-                <a:ea typeface="Times New Roman" panose="02020603050405020304" pitchFamily="18" charset="0"/>
-                <a:cs typeface="Times New Roman" panose="02020603050405020304" pitchFamily="18" charset="0"/>
-              </a:rPr>
-              <a:t> W, </a:t>
-            </a:r>
-            <a:r>
-              <a:rPr lang="en-US" sz="1600" b="1" dirty="0" err="1">
-                <a:latin typeface="Consolas" panose="020B0609020204030204" pitchFamily="49" charset="0"/>
-                <a:ea typeface="Times New Roman" panose="02020603050405020304" pitchFamily="18" charset="0"/>
-                <a:cs typeface="Times New Roman" panose="02020603050405020304" pitchFamily="18" charset="0"/>
-              </a:rPr>
-              <a:t>int</a:t>
-            </a:r>
-            <a:r>
-              <a:rPr lang="en-US" sz="1600" b="1" dirty="0">
-                <a:latin typeface="Consolas" panose="020B0609020204030204" pitchFamily="49" charset="0"/>
-                <a:ea typeface="Times New Roman" panose="02020603050405020304" pitchFamily="18" charset="0"/>
-                <a:cs typeface="Times New Roman" panose="02020603050405020304" pitchFamily="18" charset="0"/>
-              </a:rPr>
-              <a:t> K, float *</a:t>
-            </a:r>
-            <a:r>
-              <a:rPr lang="en-US" sz="1600" b="1" dirty="0" err="1">
-                <a:latin typeface="Consolas" panose="020B0609020204030204" pitchFamily="49" charset="0"/>
-                <a:ea typeface="Times New Roman" panose="02020603050405020304" pitchFamily="18" charset="0"/>
-                <a:cs typeface="Times New Roman" panose="02020603050405020304" pitchFamily="18" charset="0"/>
-              </a:rPr>
-              <a:t>dE_dY</a:t>
-            </a:r>
-            <a:r>
-              <a:rPr lang="en-US" sz="1600" b="1" dirty="0">
-                <a:latin typeface="Consolas" panose="020B0609020204030204" pitchFamily="49" charset="0"/>
-                <a:ea typeface="Times New Roman" panose="02020603050405020304" pitchFamily="18" charset="0"/>
-                <a:cs typeface="Times New Roman" panose="02020603050405020304" pitchFamily="18" charset="0"/>
-              </a:rPr>
-              <a:t>, float *W, float *</a:t>
-            </a:r>
-            <a:r>
-              <a:rPr lang="en-US" sz="1600" b="1" dirty="0" err="1">
-                <a:latin typeface="Consolas" panose="020B0609020204030204" pitchFamily="49" charset="0"/>
-                <a:ea typeface="Times New Roman" panose="02020603050405020304" pitchFamily="18" charset="0"/>
-                <a:cs typeface="Times New Roman" panose="02020603050405020304" pitchFamily="18" charset="0"/>
-              </a:rPr>
-              <a:t>dE_dX</a:t>
-            </a:r>
-            <a:r>
-              <a:rPr lang="en-US" sz="1600" b="1" dirty="0">
-                <a:latin typeface="Consolas" panose="020B0609020204030204" pitchFamily="49" charset="0"/>
-                <a:ea typeface="Times New Roman" panose="02020603050405020304" pitchFamily="18" charset="0"/>
-                <a:cs typeface="Times New Roman" panose="02020603050405020304" pitchFamily="18" charset="0"/>
-              </a:rPr>
-              <a:t>)  {</a:t>
-            </a:r>
-            <a:endParaRPr lang="en-US" sz="1600" b="1" dirty="0">
-              <a:latin typeface="Consolas" panose="020B0609020204030204" pitchFamily="49" charset="0"/>
-              <a:ea typeface="Calibri" panose="020F0502020204030204" pitchFamily="34" charset="0"/>
-              <a:cs typeface="Times New Roman" panose="02020603050405020304" pitchFamily="18" charset="0"/>
-            </a:endParaRPr>
-          </a:p>
-          <a:p>
-            <a:pPr marL="0" indent="0">
-              <a:buNone/>
-            </a:pPr>
-            <a:r>
-              <a:rPr lang="en-US" sz="1600" b="1" dirty="0">
-                <a:latin typeface="Consolas" panose="020B0609020204030204" pitchFamily="49" charset="0"/>
-                <a:ea typeface="Times New Roman" panose="02020603050405020304" pitchFamily="18" charset="0"/>
-                <a:cs typeface="Times New Roman" panose="02020603050405020304" pitchFamily="18" charset="0"/>
-              </a:rPr>
-              <a:t>  </a:t>
-            </a:r>
-            <a:r>
-              <a:rPr lang="en-US" sz="1600" b="1" dirty="0" err="1">
-                <a:latin typeface="Consolas" panose="020B0609020204030204" pitchFamily="49" charset="0"/>
-                <a:ea typeface="Times New Roman" panose="02020603050405020304" pitchFamily="18" charset="0"/>
-                <a:cs typeface="Times New Roman" panose="02020603050405020304" pitchFamily="18" charset="0"/>
-              </a:rPr>
-              <a:t>int</a:t>
-            </a:r>
-            <a:r>
-              <a:rPr lang="en-US" sz="1600" b="1" dirty="0">
-                <a:latin typeface="Consolas" panose="020B0609020204030204" pitchFamily="49" charset="0"/>
-                <a:ea typeface="Times New Roman" panose="02020603050405020304" pitchFamily="18" charset="0"/>
-                <a:cs typeface="Times New Roman" panose="02020603050405020304" pitchFamily="18" charset="0"/>
-              </a:rPr>
-              <a:t> </a:t>
-            </a:r>
-            <a:r>
-              <a:rPr lang="en-US" sz="1600" b="1" dirty="0" err="1">
-                <a:latin typeface="Consolas" panose="020B0609020204030204" pitchFamily="49" charset="0"/>
-                <a:ea typeface="Times New Roman" panose="02020603050405020304" pitchFamily="18" charset="0"/>
-                <a:cs typeface="Times New Roman" panose="02020603050405020304" pitchFamily="18" charset="0"/>
-              </a:rPr>
-              <a:t>H_out</a:t>
-            </a:r>
-            <a:r>
-              <a:rPr lang="en-US" sz="1600" b="1" dirty="0">
-                <a:latin typeface="Consolas" panose="020B0609020204030204" pitchFamily="49" charset="0"/>
-                <a:ea typeface="Times New Roman" panose="02020603050405020304" pitchFamily="18" charset="0"/>
-                <a:cs typeface="Times New Roman" panose="02020603050405020304" pitchFamily="18" charset="0"/>
-              </a:rPr>
-              <a:t> = H – K + 1;</a:t>
-            </a:r>
-            <a:endParaRPr lang="en-US" sz="1600" b="1" dirty="0">
-              <a:latin typeface="Consolas" panose="020B0609020204030204" pitchFamily="49" charset="0"/>
-              <a:ea typeface="Calibri" panose="020F0502020204030204" pitchFamily="34" charset="0"/>
-              <a:cs typeface="Times New Roman" panose="02020603050405020304" pitchFamily="18" charset="0"/>
-            </a:endParaRPr>
-          </a:p>
-          <a:p>
-            <a:pPr marL="0" indent="0">
-              <a:buNone/>
-            </a:pPr>
-            <a:r>
-              <a:rPr lang="en-US" sz="1600" b="1" dirty="0">
-                <a:latin typeface="Consolas" panose="020B0609020204030204" pitchFamily="49" charset="0"/>
-                <a:ea typeface="Times New Roman" panose="02020603050405020304" pitchFamily="18" charset="0"/>
-                <a:cs typeface="Times New Roman" panose="02020603050405020304" pitchFamily="18" charset="0"/>
-              </a:rPr>
-              <a:t>  </a:t>
-            </a:r>
-            <a:r>
-              <a:rPr lang="en-US" sz="1600" b="1" dirty="0" err="1">
-                <a:latin typeface="Consolas" panose="020B0609020204030204" pitchFamily="49" charset="0"/>
-                <a:ea typeface="Times New Roman" panose="02020603050405020304" pitchFamily="18" charset="0"/>
-                <a:cs typeface="Times New Roman" panose="02020603050405020304" pitchFamily="18" charset="0"/>
-              </a:rPr>
-              <a:t>int</a:t>
-            </a:r>
-            <a:r>
-              <a:rPr lang="en-US" sz="1600" b="1" dirty="0">
-                <a:latin typeface="Consolas" panose="020B0609020204030204" pitchFamily="49" charset="0"/>
-                <a:ea typeface="Times New Roman" panose="02020603050405020304" pitchFamily="18" charset="0"/>
-                <a:cs typeface="Times New Roman" panose="02020603050405020304" pitchFamily="18" charset="0"/>
-              </a:rPr>
-              <a:t> </a:t>
-            </a:r>
-            <a:r>
-              <a:rPr lang="en-US" sz="1600" b="1" dirty="0" err="1">
-                <a:latin typeface="Consolas" panose="020B0609020204030204" pitchFamily="49" charset="0"/>
-                <a:ea typeface="Times New Roman" panose="02020603050405020304" pitchFamily="18" charset="0"/>
-                <a:cs typeface="Times New Roman" panose="02020603050405020304" pitchFamily="18" charset="0"/>
-              </a:rPr>
-              <a:t>W_out</a:t>
-            </a:r>
-            <a:r>
-              <a:rPr lang="en-US" sz="1600" b="1" dirty="0">
-                <a:latin typeface="Consolas" panose="020B0609020204030204" pitchFamily="49" charset="0"/>
-                <a:ea typeface="Times New Roman" panose="02020603050405020304" pitchFamily="18" charset="0"/>
-                <a:cs typeface="Times New Roman" panose="02020603050405020304" pitchFamily="18" charset="0"/>
-              </a:rPr>
-              <a:t> = W – K + 1; </a:t>
-            </a:r>
-          </a:p>
-          <a:p>
-            <a:pPr marL="0" indent="0">
-              <a:buNone/>
-            </a:pPr>
-            <a:r>
-              <a:rPr lang="en-US" sz="1600" b="1" dirty="0">
-                <a:latin typeface="Consolas" panose="020B0609020204030204" pitchFamily="49" charset="0"/>
-                <a:ea typeface="Calibri" panose="020F0502020204030204" pitchFamily="34" charset="0"/>
-                <a:cs typeface="Times New Roman" panose="02020603050405020304" pitchFamily="18" charset="0"/>
-              </a:rPr>
-              <a:t>  for (</a:t>
-            </a:r>
-            <a:r>
-              <a:rPr lang="en-US" sz="1600" b="1" dirty="0" err="1">
-                <a:latin typeface="Consolas" panose="020B0609020204030204" pitchFamily="49" charset="0"/>
-                <a:ea typeface="Calibri" panose="020F0502020204030204" pitchFamily="34" charset="0"/>
-                <a:cs typeface="Times New Roman" panose="02020603050405020304" pitchFamily="18" charset="0"/>
-              </a:rPr>
-              <a:t>int</a:t>
-            </a:r>
-            <a:r>
-              <a:rPr lang="en-US" sz="1600" b="1" dirty="0">
-                <a:latin typeface="Consolas" panose="020B0609020204030204" pitchFamily="49" charset="0"/>
-                <a:ea typeface="Calibri" panose="020F0502020204030204" pitchFamily="34" charset="0"/>
-                <a:cs typeface="Times New Roman" panose="02020603050405020304" pitchFamily="18" charset="0"/>
-              </a:rPr>
-              <a:t> b = 0; b &lt; B; ++b) {</a:t>
-            </a:r>
-          </a:p>
-          <a:p>
-            <a:pPr marL="0" indent="0">
-              <a:buNone/>
-            </a:pPr>
-            <a:r>
-              <a:rPr lang="en-US" sz="1600" b="1" dirty="0">
-                <a:latin typeface="Consolas" panose="020B0609020204030204" pitchFamily="49" charset="0"/>
-                <a:ea typeface="Times New Roman" panose="02020603050405020304" pitchFamily="18" charset="0"/>
-                <a:cs typeface="Times New Roman" panose="02020603050405020304" pitchFamily="18" charset="0"/>
-              </a:rPr>
-              <a:t>    for (</a:t>
-            </a:r>
-            <a:r>
-              <a:rPr lang="en-US" sz="1600" b="1" dirty="0" err="1">
-                <a:latin typeface="Consolas" panose="020B0609020204030204" pitchFamily="49" charset="0"/>
-                <a:ea typeface="Times New Roman" panose="02020603050405020304" pitchFamily="18" charset="0"/>
-                <a:cs typeface="Times New Roman" panose="02020603050405020304" pitchFamily="18" charset="0"/>
-              </a:rPr>
-              <a:t>int</a:t>
-            </a:r>
-            <a:r>
-              <a:rPr lang="en-US" sz="1600" b="1" dirty="0">
-                <a:latin typeface="Consolas" panose="020B0609020204030204" pitchFamily="49" charset="0"/>
-                <a:ea typeface="Times New Roman" panose="02020603050405020304" pitchFamily="18" charset="0"/>
-                <a:cs typeface="Times New Roman" panose="02020603050405020304" pitchFamily="18" charset="0"/>
-              </a:rPr>
-              <a:t> c = 0;  c &lt; C; ++c)</a:t>
-            </a:r>
-            <a:endParaRPr lang="en-US" sz="1600" b="1" dirty="0">
-              <a:latin typeface="Consolas" panose="020B0609020204030204" pitchFamily="49" charset="0"/>
-              <a:ea typeface="Calibri" panose="020F0502020204030204" pitchFamily="34" charset="0"/>
-              <a:cs typeface="Times New Roman" panose="02020603050405020304" pitchFamily="18" charset="0"/>
-            </a:endParaRPr>
-          </a:p>
-          <a:p>
-            <a:pPr marL="0" indent="0">
-              <a:buNone/>
-            </a:pPr>
-            <a:r>
-              <a:rPr lang="en-US" sz="1600" b="1" dirty="0">
-                <a:latin typeface="Consolas" panose="020B0609020204030204" pitchFamily="49" charset="0"/>
-                <a:ea typeface="Times New Roman" panose="02020603050405020304" pitchFamily="18" charset="0"/>
-                <a:cs typeface="Times New Roman" panose="02020603050405020304" pitchFamily="18" charset="0"/>
-              </a:rPr>
-              <a:t>      for (</a:t>
-            </a:r>
-            <a:r>
-              <a:rPr lang="en-US" sz="1600" b="1" dirty="0" err="1">
-                <a:latin typeface="Consolas" panose="020B0609020204030204" pitchFamily="49" charset="0"/>
-                <a:ea typeface="Times New Roman" panose="02020603050405020304" pitchFamily="18" charset="0"/>
-                <a:cs typeface="Times New Roman" panose="02020603050405020304" pitchFamily="18" charset="0"/>
-              </a:rPr>
-              <a:t>int</a:t>
-            </a:r>
-            <a:r>
-              <a:rPr lang="en-US" sz="1600" b="1" dirty="0">
-                <a:latin typeface="Consolas" panose="020B0609020204030204" pitchFamily="49" charset="0"/>
-                <a:ea typeface="Times New Roman" panose="02020603050405020304" pitchFamily="18" charset="0"/>
-                <a:cs typeface="Times New Roman" panose="02020603050405020304" pitchFamily="18" charset="0"/>
-              </a:rPr>
-              <a:t> h = 0; h &lt; H; ++h)		</a:t>
-            </a:r>
-            <a:endParaRPr lang="en-US" sz="1600" b="1" dirty="0">
-              <a:latin typeface="Consolas" panose="020B0609020204030204" pitchFamily="49" charset="0"/>
-              <a:ea typeface="Calibri" panose="020F0502020204030204" pitchFamily="34" charset="0"/>
-              <a:cs typeface="Times New Roman" panose="02020603050405020304" pitchFamily="18" charset="0"/>
-            </a:endParaRPr>
-          </a:p>
-          <a:p>
-            <a:pPr marL="0" indent="0">
-              <a:buNone/>
-            </a:pPr>
-            <a:r>
-              <a:rPr lang="en-US" sz="1600" b="1" dirty="0">
-                <a:latin typeface="Consolas" panose="020B0609020204030204" pitchFamily="49" charset="0"/>
-                <a:ea typeface="Times New Roman" panose="02020603050405020304" pitchFamily="18" charset="0"/>
-                <a:cs typeface="Times New Roman" panose="02020603050405020304" pitchFamily="18" charset="0"/>
-              </a:rPr>
-              <a:t>       for (</a:t>
-            </a:r>
-            <a:r>
-              <a:rPr lang="en-US" sz="1600" b="1" dirty="0" err="1">
-                <a:latin typeface="Consolas" panose="020B0609020204030204" pitchFamily="49" charset="0"/>
-                <a:ea typeface="Times New Roman" panose="02020603050405020304" pitchFamily="18" charset="0"/>
-                <a:cs typeface="Times New Roman" panose="02020603050405020304" pitchFamily="18" charset="0"/>
-              </a:rPr>
-              <a:t>int</a:t>
-            </a:r>
-            <a:r>
-              <a:rPr lang="en-US" sz="1600" b="1" dirty="0">
-                <a:latin typeface="Consolas" panose="020B0609020204030204" pitchFamily="49" charset="0"/>
-                <a:ea typeface="Times New Roman" panose="02020603050405020304" pitchFamily="18" charset="0"/>
-                <a:cs typeface="Times New Roman" panose="02020603050405020304" pitchFamily="18" charset="0"/>
-              </a:rPr>
-              <a:t> w = 0; w &lt; W; ++w) </a:t>
-            </a:r>
-            <a:endParaRPr lang="en-US" sz="1600" b="1" dirty="0">
-              <a:latin typeface="Consolas" panose="020B0609020204030204" pitchFamily="49" charset="0"/>
-              <a:ea typeface="Calibri" panose="020F0502020204030204" pitchFamily="34" charset="0"/>
-              <a:cs typeface="Times New Roman" panose="02020603050405020304" pitchFamily="18" charset="0"/>
-            </a:endParaRPr>
-          </a:p>
-          <a:p>
-            <a:pPr marL="0" marR="0" indent="0">
-              <a:spcBef>
-                <a:spcPts val="0"/>
-              </a:spcBef>
-              <a:spcAft>
-                <a:spcPts val="0"/>
-              </a:spcAft>
-              <a:buNone/>
-            </a:pPr>
-            <a:r>
-              <a:rPr lang="en-US" sz="1600" b="1" dirty="0">
-                <a:latin typeface="Consolas" panose="020B0609020204030204" pitchFamily="49" charset="0"/>
-                <a:ea typeface="Times New Roman" panose="02020603050405020304" pitchFamily="18" charset="0"/>
-                <a:cs typeface="Times New Roman" panose="02020603050405020304" pitchFamily="18" charset="0"/>
-              </a:rPr>
-              <a:t>          </a:t>
-            </a:r>
-            <a:r>
-              <a:rPr lang="en-US" sz="1600" b="1" dirty="0" err="1">
-                <a:latin typeface="Consolas" panose="020B0609020204030204" pitchFamily="49" charset="0"/>
-                <a:ea typeface="Times New Roman" panose="02020603050405020304" pitchFamily="18" charset="0"/>
-                <a:cs typeface="Times New Roman" panose="02020603050405020304" pitchFamily="18" charset="0"/>
-              </a:rPr>
-              <a:t>dE_dX</a:t>
-            </a:r>
-            <a:r>
-              <a:rPr lang="en-US" sz="1600" b="1" dirty="0">
-                <a:latin typeface="Consolas" panose="020B0609020204030204" pitchFamily="49" charset="0"/>
-                <a:ea typeface="Times New Roman" panose="02020603050405020304" pitchFamily="18" charset="0"/>
-                <a:cs typeface="Times New Roman" panose="02020603050405020304" pitchFamily="18" charset="0"/>
-              </a:rPr>
-              <a:t>[b, c, h, w] = 0;</a:t>
-            </a:r>
-            <a:endParaRPr lang="en-US" sz="1600" b="1" dirty="0">
-              <a:latin typeface="Consolas" panose="020B0609020204030204" pitchFamily="49" charset="0"/>
-              <a:ea typeface="Calibri" panose="020F0502020204030204" pitchFamily="34" charset="0"/>
-              <a:cs typeface="Times New Roman" panose="02020603050405020304" pitchFamily="18" charset="0"/>
-            </a:endParaRPr>
-          </a:p>
-          <a:p>
-            <a:pPr marL="0" indent="0">
-              <a:buNone/>
-            </a:pPr>
-            <a:r>
-              <a:rPr lang="en-US" sz="1600" b="1" dirty="0">
-                <a:latin typeface="Consolas" panose="020B0609020204030204" pitchFamily="49" charset="0"/>
-                <a:ea typeface="Times New Roman" panose="02020603050405020304" pitchFamily="18" charset="0"/>
-                <a:cs typeface="Times New Roman" panose="02020603050405020304" pitchFamily="18" charset="0"/>
-              </a:rPr>
-              <a:t> </a:t>
-            </a:r>
-            <a:endParaRPr lang="en-US" sz="1600" b="1" dirty="0">
-              <a:latin typeface="Consolas" panose="020B0609020204030204" pitchFamily="49" charset="0"/>
-              <a:ea typeface="Calibri" panose="020F0502020204030204" pitchFamily="34" charset="0"/>
-              <a:cs typeface="Times New Roman" panose="02020603050405020304" pitchFamily="18" charset="0"/>
-            </a:endParaRPr>
-          </a:p>
-          <a:p>
-            <a:pPr marL="0" indent="0">
-              <a:buNone/>
-            </a:pPr>
-            <a:r>
-              <a:rPr lang="en-US" sz="1600" b="1" dirty="0">
-                <a:latin typeface="Consolas" panose="020B0609020204030204" pitchFamily="49" charset="0"/>
-                <a:ea typeface="Times New Roman" panose="02020603050405020304" pitchFamily="18" charset="0"/>
-                <a:cs typeface="Times New Roman" panose="02020603050405020304" pitchFamily="18" charset="0"/>
-              </a:rPr>
-              <a:t>    for (</a:t>
-            </a:r>
-            <a:r>
-              <a:rPr lang="en-US" sz="1600" b="1" dirty="0" err="1">
-                <a:latin typeface="Consolas" panose="020B0609020204030204" pitchFamily="49" charset="0"/>
-                <a:ea typeface="Times New Roman" panose="02020603050405020304" pitchFamily="18" charset="0"/>
-                <a:cs typeface="Times New Roman" panose="02020603050405020304" pitchFamily="18" charset="0"/>
-              </a:rPr>
-              <a:t>int</a:t>
-            </a:r>
-            <a:r>
-              <a:rPr lang="en-US" sz="1600" b="1" dirty="0">
-                <a:latin typeface="Consolas" panose="020B0609020204030204" pitchFamily="49" charset="0"/>
-                <a:ea typeface="Times New Roman" panose="02020603050405020304" pitchFamily="18" charset="0"/>
-                <a:cs typeface="Times New Roman" panose="02020603050405020304" pitchFamily="18" charset="0"/>
-              </a:rPr>
-              <a:t> m = 0;  m &lt; M;  ++m) </a:t>
-            </a:r>
-            <a:endParaRPr lang="en-US" sz="1600" b="1" dirty="0">
-              <a:latin typeface="Consolas" panose="020B0609020204030204" pitchFamily="49" charset="0"/>
-              <a:ea typeface="Calibri" panose="020F0502020204030204" pitchFamily="34" charset="0"/>
-              <a:cs typeface="Times New Roman" panose="02020603050405020304" pitchFamily="18" charset="0"/>
-            </a:endParaRPr>
-          </a:p>
-          <a:p>
-            <a:pPr marL="0" indent="0">
-              <a:buNone/>
-            </a:pPr>
-            <a:r>
-              <a:rPr lang="en-US" sz="1600" b="1" dirty="0">
-                <a:latin typeface="Consolas" panose="020B0609020204030204" pitchFamily="49" charset="0"/>
-                <a:ea typeface="Times New Roman" panose="02020603050405020304" pitchFamily="18" charset="0"/>
-                <a:cs typeface="Times New Roman" panose="02020603050405020304" pitchFamily="18" charset="0"/>
-              </a:rPr>
-              <a:t>      for (</a:t>
-            </a:r>
-            <a:r>
-              <a:rPr lang="en-US" sz="1600" b="1" dirty="0" err="1">
-                <a:latin typeface="Consolas" panose="020B0609020204030204" pitchFamily="49" charset="0"/>
-                <a:ea typeface="Times New Roman" panose="02020603050405020304" pitchFamily="18" charset="0"/>
-                <a:cs typeface="Times New Roman" panose="02020603050405020304" pitchFamily="18" charset="0"/>
-              </a:rPr>
-              <a:t>int</a:t>
-            </a:r>
-            <a:r>
-              <a:rPr lang="en-US" sz="1600" b="1" dirty="0">
-                <a:latin typeface="Consolas" panose="020B0609020204030204" pitchFamily="49" charset="0"/>
-                <a:ea typeface="Times New Roman" panose="02020603050405020304" pitchFamily="18" charset="0"/>
-                <a:cs typeface="Times New Roman" panose="02020603050405020304" pitchFamily="18" charset="0"/>
-              </a:rPr>
-              <a:t> h = 0; h &lt; </a:t>
-            </a:r>
-            <a:r>
-              <a:rPr lang="en-US" sz="1600" b="1" dirty="0" err="1">
-                <a:latin typeface="Consolas" panose="020B0609020204030204" pitchFamily="49" charset="0"/>
-                <a:ea typeface="Times New Roman" panose="02020603050405020304" pitchFamily="18" charset="0"/>
-                <a:cs typeface="Times New Roman" panose="02020603050405020304" pitchFamily="18" charset="0"/>
-              </a:rPr>
-              <a:t>H_out</a:t>
-            </a:r>
-            <a:r>
-              <a:rPr lang="en-US" sz="1600" b="1" dirty="0">
-                <a:latin typeface="Consolas" panose="020B0609020204030204" pitchFamily="49" charset="0"/>
-                <a:ea typeface="Times New Roman" panose="02020603050405020304" pitchFamily="18" charset="0"/>
-                <a:cs typeface="Times New Roman" panose="02020603050405020304" pitchFamily="18" charset="0"/>
-              </a:rPr>
-              <a:t>; ++h)		 </a:t>
-            </a:r>
-            <a:endParaRPr lang="en-US" sz="1600" b="1" dirty="0">
-              <a:latin typeface="Consolas" panose="020B0609020204030204" pitchFamily="49" charset="0"/>
-              <a:ea typeface="Calibri" panose="020F0502020204030204" pitchFamily="34" charset="0"/>
-              <a:cs typeface="Times New Roman" panose="02020603050405020304" pitchFamily="18" charset="0"/>
-            </a:endParaRPr>
-          </a:p>
-          <a:p>
-            <a:pPr marL="0" indent="0">
-              <a:buNone/>
-            </a:pPr>
-            <a:r>
-              <a:rPr lang="en-US" sz="1600" b="1" dirty="0">
-                <a:latin typeface="Consolas" panose="020B0609020204030204" pitchFamily="49" charset="0"/>
-                <a:ea typeface="Times New Roman" panose="02020603050405020304" pitchFamily="18" charset="0"/>
-                <a:cs typeface="Times New Roman" panose="02020603050405020304" pitchFamily="18" charset="0"/>
-              </a:rPr>
-              <a:t>        for (</a:t>
-            </a:r>
-            <a:r>
-              <a:rPr lang="en-US" sz="1600" b="1" dirty="0" err="1">
-                <a:latin typeface="Consolas" panose="020B0609020204030204" pitchFamily="49" charset="0"/>
-                <a:ea typeface="Times New Roman" panose="02020603050405020304" pitchFamily="18" charset="0"/>
-                <a:cs typeface="Times New Roman" panose="02020603050405020304" pitchFamily="18" charset="0"/>
-              </a:rPr>
-              <a:t>int</a:t>
-            </a:r>
-            <a:r>
-              <a:rPr lang="en-US" sz="1600" b="1" dirty="0">
-                <a:latin typeface="Consolas" panose="020B0609020204030204" pitchFamily="49" charset="0"/>
-                <a:ea typeface="Times New Roman" panose="02020603050405020304" pitchFamily="18" charset="0"/>
-                <a:cs typeface="Times New Roman" panose="02020603050405020304" pitchFamily="18" charset="0"/>
-              </a:rPr>
-              <a:t> w = 0; w &lt; </a:t>
-            </a:r>
-            <a:r>
-              <a:rPr lang="en-US" sz="1600" b="1" dirty="0" err="1">
-                <a:latin typeface="Consolas" panose="020B0609020204030204" pitchFamily="49" charset="0"/>
-                <a:ea typeface="Times New Roman" panose="02020603050405020304" pitchFamily="18" charset="0"/>
-                <a:cs typeface="Times New Roman" panose="02020603050405020304" pitchFamily="18" charset="0"/>
-              </a:rPr>
-              <a:t>W_out</a:t>
-            </a:r>
-            <a:r>
-              <a:rPr lang="en-US" sz="1600" b="1" dirty="0">
-                <a:latin typeface="Consolas" panose="020B0609020204030204" pitchFamily="49" charset="0"/>
-                <a:ea typeface="Times New Roman" panose="02020603050405020304" pitchFamily="18" charset="0"/>
-                <a:cs typeface="Times New Roman" panose="02020603050405020304" pitchFamily="18" charset="0"/>
-              </a:rPr>
-              <a:t>; ++w) </a:t>
-            </a:r>
-            <a:endParaRPr lang="en-US" sz="1600" b="1" dirty="0">
-              <a:latin typeface="Consolas" panose="020B0609020204030204" pitchFamily="49" charset="0"/>
-              <a:ea typeface="Calibri" panose="020F0502020204030204" pitchFamily="34" charset="0"/>
-              <a:cs typeface="Times New Roman" panose="02020603050405020304" pitchFamily="18" charset="0"/>
-            </a:endParaRPr>
-          </a:p>
-          <a:p>
-            <a:pPr marL="0" marR="0" indent="0">
-              <a:spcBef>
-                <a:spcPts val="0"/>
-              </a:spcBef>
-              <a:spcAft>
-                <a:spcPts val="0"/>
-              </a:spcAft>
-              <a:buNone/>
-            </a:pPr>
-            <a:r>
-              <a:rPr lang="en-US" sz="1600" b="1" dirty="0">
-                <a:latin typeface="Consolas" panose="020B0609020204030204" pitchFamily="49" charset="0"/>
-                <a:ea typeface="Times New Roman" panose="02020603050405020304" pitchFamily="18" charset="0"/>
-                <a:cs typeface="Times New Roman" panose="02020603050405020304" pitchFamily="18" charset="0"/>
-              </a:rPr>
-              <a:t>          for (</a:t>
-            </a:r>
-            <a:r>
-              <a:rPr lang="en-US" sz="1600" b="1" dirty="0" err="1">
-                <a:latin typeface="Consolas" panose="020B0609020204030204" pitchFamily="49" charset="0"/>
-                <a:ea typeface="Times New Roman" panose="02020603050405020304" pitchFamily="18" charset="0"/>
-                <a:cs typeface="Times New Roman" panose="02020603050405020304" pitchFamily="18" charset="0"/>
-              </a:rPr>
-              <a:t>int</a:t>
-            </a:r>
-            <a:r>
-              <a:rPr lang="en-US" sz="1600" b="1" dirty="0">
-                <a:latin typeface="Consolas" panose="020B0609020204030204" pitchFamily="49" charset="0"/>
-                <a:ea typeface="Times New Roman" panose="02020603050405020304" pitchFamily="18" charset="0"/>
-                <a:cs typeface="Times New Roman" panose="02020603050405020304" pitchFamily="18" charset="0"/>
-              </a:rPr>
-              <a:t> c = 0;  c &lt; C; ++c)		 </a:t>
-            </a:r>
-            <a:endParaRPr lang="en-US" sz="1600" b="1" dirty="0">
-              <a:latin typeface="Consolas" panose="020B0609020204030204" pitchFamily="49" charset="0"/>
-              <a:ea typeface="Calibri" panose="020F0502020204030204" pitchFamily="34" charset="0"/>
-              <a:cs typeface="Times New Roman" panose="02020603050405020304" pitchFamily="18" charset="0"/>
-            </a:endParaRPr>
-          </a:p>
-          <a:p>
-            <a:pPr marL="0" marR="0" indent="0">
-              <a:spcBef>
-                <a:spcPts val="0"/>
-              </a:spcBef>
-              <a:spcAft>
-                <a:spcPts val="0"/>
-              </a:spcAft>
-              <a:buNone/>
-            </a:pPr>
-            <a:r>
-              <a:rPr lang="en-US" sz="1600" b="1" dirty="0">
-                <a:latin typeface="Consolas" panose="020B0609020204030204" pitchFamily="49" charset="0"/>
-                <a:ea typeface="Times New Roman" panose="02020603050405020304" pitchFamily="18" charset="0"/>
-                <a:cs typeface="Times New Roman" panose="02020603050405020304" pitchFamily="18" charset="0"/>
-              </a:rPr>
-              <a:t>            for (</a:t>
-            </a:r>
-            <a:r>
-              <a:rPr lang="en-US" sz="1600" b="1" dirty="0" err="1">
-                <a:latin typeface="Consolas" panose="020B0609020204030204" pitchFamily="49" charset="0"/>
-                <a:ea typeface="Times New Roman" panose="02020603050405020304" pitchFamily="18" charset="0"/>
-                <a:cs typeface="Times New Roman" panose="02020603050405020304" pitchFamily="18" charset="0"/>
-              </a:rPr>
-              <a:t>int</a:t>
-            </a:r>
-            <a:r>
-              <a:rPr lang="en-US" sz="1600" b="1" dirty="0">
-                <a:latin typeface="Consolas" panose="020B0609020204030204" pitchFamily="49" charset="0"/>
-                <a:ea typeface="Times New Roman" panose="02020603050405020304" pitchFamily="18" charset="0"/>
-                <a:cs typeface="Times New Roman" panose="02020603050405020304" pitchFamily="18" charset="0"/>
-              </a:rPr>
-              <a:t> p = 0; p &lt; K; p)</a:t>
-            </a:r>
-            <a:endParaRPr lang="en-US" sz="1600" b="1" dirty="0">
-              <a:latin typeface="Consolas" panose="020B0609020204030204" pitchFamily="49" charset="0"/>
-              <a:ea typeface="Calibri" panose="020F0502020204030204" pitchFamily="34" charset="0"/>
-              <a:cs typeface="Times New Roman" panose="02020603050405020304" pitchFamily="18" charset="0"/>
-            </a:endParaRPr>
-          </a:p>
-          <a:p>
-            <a:pPr marL="0" marR="0" indent="0">
-              <a:spcBef>
-                <a:spcPts val="0"/>
-              </a:spcBef>
-              <a:spcAft>
-                <a:spcPts val="0"/>
-              </a:spcAft>
-              <a:buNone/>
-            </a:pPr>
-            <a:r>
-              <a:rPr lang="en-US" sz="1600" b="1" dirty="0">
-                <a:latin typeface="Consolas" panose="020B0609020204030204" pitchFamily="49" charset="0"/>
-                <a:ea typeface="Times New Roman" panose="02020603050405020304" pitchFamily="18" charset="0"/>
-                <a:cs typeface="Times New Roman" panose="02020603050405020304" pitchFamily="18" charset="0"/>
-              </a:rPr>
-              <a:t>              for (</a:t>
-            </a:r>
-            <a:r>
-              <a:rPr lang="en-US" sz="1600" b="1" dirty="0" err="1">
-                <a:latin typeface="Consolas" panose="020B0609020204030204" pitchFamily="49" charset="0"/>
-                <a:ea typeface="Times New Roman" panose="02020603050405020304" pitchFamily="18" charset="0"/>
-                <a:cs typeface="Times New Roman" panose="02020603050405020304" pitchFamily="18" charset="0"/>
-              </a:rPr>
-              <a:t>int</a:t>
-            </a:r>
-            <a:r>
-              <a:rPr lang="en-US" sz="1600" b="1" dirty="0">
-                <a:latin typeface="Consolas" panose="020B0609020204030204" pitchFamily="49" charset="0"/>
-                <a:ea typeface="Times New Roman" panose="02020603050405020304" pitchFamily="18" charset="0"/>
-                <a:cs typeface="Times New Roman" panose="02020603050405020304" pitchFamily="18" charset="0"/>
-              </a:rPr>
-              <a:t> q = 0; q &lt; K; ++q)  </a:t>
-            </a:r>
-            <a:endParaRPr lang="en-US" sz="1600" b="1" dirty="0">
-              <a:latin typeface="Consolas" panose="020B0609020204030204" pitchFamily="49" charset="0"/>
-              <a:ea typeface="Calibri" panose="020F0502020204030204" pitchFamily="34" charset="0"/>
-              <a:cs typeface="Times New Roman" panose="02020603050405020304" pitchFamily="18" charset="0"/>
-            </a:endParaRPr>
-          </a:p>
-          <a:p>
-            <a:pPr marL="0" marR="0" indent="0">
-              <a:spcBef>
-                <a:spcPts val="0"/>
-              </a:spcBef>
-              <a:spcAft>
-                <a:spcPts val="0"/>
-              </a:spcAft>
-              <a:buNone/>
-            </a:pPr>
-            <a:r>
-              <a:rPr lang="en-US" sz="1600" b="1" dirty="0">
-                <a:latin typeface="Consolas" panose="020B0609020204030204" pitchFamily="49" charset="0"/>
-                <a:ea typeface="Times New Roman" panose="02020603050405020304" pitchFamily="18" charset="0"/>
-                <a:cs typeface="Times New Roman" panose="02020603050405020304" pitchFamily="18" charset="0"/>
-              </a:rPr>
-              <a:t>                </a:t>
-            </a:r>
-            <a:r>
-              <a:rPr lang="en-US" sz="1600" b="1" dirty="0" err="1">
-                <a:latin typeface="Consolas" panose="020B0609020204030204" pitchFamily="49" charset="0"/>
-                <a:ea typeface="Times New Roman" panose="02020603050405020304" pitchFamily="18" charset="0"/>
-                <a:cs typeface="Times New Roman" panose="02020603050405020304" pitchFamily="18" charset="0"/>
-              </a:rPr>
-              <a:t>dE_dX</a:t>
-            </a:r>
-            <a:r>
-              <a:rPr lang="en-US" sz="1600" b="1" dirty="0">
-                <a:latin typeface="Consolas" panose="020B0609020204030204" pitchFamily="49" charset="0"/>
-                <a:ea typeface="Times New Roman" panose="02020603050405020304" pitchFamily="18" charset="0"/>
-                <a:cs typeface="Times New Roman" panose="02020603050405020304" pitchFamily="18" charset="0"/>
-              </a:rPr>
-              <a:t>[b, c, h + p, w + q] += </a:t>
-            </a:r>
-            <a:r>
-              <a:rPr lang="en-US" sz="1600" b="1" dirty="0" err="1">
-                <a:latin typeface="Consolas" panose="020B0609020204030204" pitchFamily="49" charset="0"/>
-                <a:ea typeface="Times New Roman" panose="02020603050405020304" pitchFamily="18" charset="0"/>
-                <a:cs typeface="Times New Roman" panose="02020603050405020304" pitchFamily="18" charset="0"/>
-              </a:rPr>
-              <a:t>dE_dY</a:t>
-            </a:r>
-            <a:r>
-              <a:rPr lang="en-US" sz="1600" b="1" dirty="0">
-                <a:latin typeface="Consolas" panose="020B0609020204030204" pitchFamily="49" charset="0"/>
-                <a:ea typeface="Times New Roman" panose="02020603050405020304" pitchFamily="18" charset="0"/>
-                <a:cs typeface="Times New Roman" panose="02020603050405020304" pitchFamily="18" charset="0"/>
-              </a:rPr>
-              <a:t>[b, m, h, w] * W[m, c, p, q];</a:t>
-            </a:r>
-          </a:p>
-          <a:p>
-            <a:pPr marL="0" marR="0" indent="0">
-              <a:spcBef>
-                <a:spcPts val="0"/>
-              </a:spcBef>
-              <a:spcAft>
-                <a:spcPts val="0"/>
-              </a:spcAft>
-              <a:buNone/>
-            </a:pPr>
-            <a:r>
-              <a:rPr lang="en-US" sz="1600" b="1" dirty="0">
-                <a:latin typeface="Consolas" panose="020B0609020204030204" pitchFamily="49" charset="0"/>
-                <a:ea typeface="Calibri" panose="020F0502020204030204" pitchFamily="34" charset="0"/>
-                <a:cs typeface="Times New Roman" panose="02020603050405020304" pitchFamily="18" charset="0"/>
-              </a:rPr>
-              <a:t>  }</a:t>
-            </a:r>
-          </a:p>
-          <a:p>
-            <a:pPr marL="0" indent="0">
-              <a:buNone/>
-            </a:pPr>
-            <a:r>
-              <a:rPr lang="en-US" sz="1600" b="1" dirty="0">
-                <a:latin typeface="Consolas" panose="020B0609020204030204" pitchFamily="49" charset="0"/>
-                <a:ea typeface="Times New Roman" panose="02020603050405020304" pitchFamily="18" charset="0"/>
-                <a:cs typeface="Times New Roman" panose="02020603050405020304" pitchFamily="18" charset="0"/>
-              </a:rPr>
-              <a:t>}</a:t>
-            </a:r>
-            <a:endParaRPr lang="en-US" sz="1600" b="1" dirty="0">
-              <a:latin typeface="Consolas" panose="020B0609020204030204" pitchFamily="49" charset="0"/>
-              <a:ea typeface="Calibri" panose="020F0502020204030204" pitchFamily="34" charset="0"/>
-              <a:cs typeface="Times New Roman" panose="02020603050405020304" pitchFamily="18" charset="0"/>
-            </a:endParaRPr>
-          </a:p>
-        </p:txBody>
-      </p:sp>
-      <p:sp>
-        <p:nvSpPr>
-          <p:cNvPr id="3" name="Text Placeholder 2">
-            <a:extLst>
-              <a:ext uri="{FF2B5EF4-FFF2-40B4-BE49-F238E27FC236}">
-                <a16:creationId xmlns:a16="http://schemas.microsoft.com/office/drawing/2014/main" id="{C54231A1-FF2D-4A80-B8E5-7758CFEE3368}"/>
-              </a:ext>
-            </a:extLst>
-          </p:cNvPr>
-          <p:cNvSpPr>
-            <a:spLocks noGrp="1"/>
-          </p:cNvSpPr>
-          <p:nvPr>
-            <p:ph type="body" sz="quarter" idx="10"/>
-          </p:nvPr>
-        </p:nvSpPr>
-        <p:spPr/>
-        <p:txBody>
-          <a:bodyPr/>
-          <a:lstStyle/>
-          <a:p>
-            <a:r>
-              <a:rPr lang="en-US" sz="4800" dirty="0"/>
-              <a:t>Calculating </a:t>
-            </a:r>
-            <a:r>
-              <a:rPr lang="en-US" sz="4800" dirty="0" err="1"/>
-              <a:t>dE</a:t>
-            </a:r>
-            <a:r>
-              <a:rPr lang="en-US" sz="4800" dirty="0"/>
-              <a:t>/</a:t>
-            </a:r>
-            <a:r>
-              <a:rPr lang="en-US" sz="4800" dirty="0" err="1"/>
-              <a:t>dX</a:t>
-            </a:r>
-            <a:endParaRPr lang="en-US" sz="4800" dirty="0"/>
-          </a:p>
-        </p:txBody>
-      </p:sp>
-    </p:spTree>
-    <p:extLst>
-      <p:ext uri="{BB962C8B-B14F-4D97-AF65-F5344CB8AC3E}">
-        <p14:creationId xmlns:p14="http://schemas.microsoft.com/office/powerpoint/2010/main" val="342661103"/>
-      </p:ext>
-    </p:extLst>
-  </p:cSld>
-  <p:clrMapOvr>
-    <a:masterClrMapping/>
-  </p:clrMapOvr>
-</p:sld>
-</file>
-
-<file path=ppt/slides/slide21.xml><?xml version="1.0" encoding="utf-8"?>
-<p:sld xmlns:a="http://schemas.openxmlformats.org/drawingml/2006/main" xmlns:r="http://schemas.openxmlformats.org/officeDocument/2006/relationships" xmlns:p="http://schemas.openxmlformats.org/presentationml/2006/main">
-  <p:cSld>
-    <p:spTree>
-      <p:nvGrpSpPr>
-        <p:cNvPr id="1" name=""/>
-        <p:cNvGrpSpPr/>
-        <p:nvPr/>
-      </p:nvGrpSpPr>
-      <p:grpSpPr>
-        <a:xfrm>
-          <a:off x="0" y="0"/>
-          <a:ext cx="0" cy="0"/>
-          <a:chOff x="0" y="0"/>
-          <a:chExt cx="0" cy="0"/>
-        </a:xfrm>
-      </p:grpSpPr>
-      <p:sp>
-        <p:nvSpPr>
           <p:cNvPr id="3" name="Text Placeholder 2">
             <a:extLst>
               <a:ext uri="{FF2B5EF4-FFF2-40B4-BE49-F238E27FC236}">
@@ -27837,7 +26854,7 @@
           <a:graphicData uri="http://schemas.openxmlformats.org/presentationml/2006/ole">
             <mc:AlternateContent xmlns:mc="http://schemas.openxmlformats.org/markup-compatibility/2006">
               <mc:Choice xmlns:v="urn:schemas-microsoft-com:vml" Requires="v">
-                <p:oleObj spid="_x0000_s2104" r:id="rId3" imgW="4591185" imgH="2486025" progId="Visio.Drawing.11">
+                <p:oleObj spid="_x0000_s2128" r:id="rId3" imgW="4591185" imgH="2486025" progId="Visio.Drawing.11">
                   <p:embed/>
                 </p:oleObj>
               </mc:Choice>
@@ -27895,7 +26912,7 @@
 </p:sld>
 </file>
 
-<file path=ppt/slides/slide22.xml><?xml version="1.0" encoding="utf-8"?>
+<file path=ppt/slides/slide21.xml><?xml version="1.0" encoding="utf-8"?>
 <p:sld xmlns:a="http://schemas.openxmlformats.org/drawingml/2006/main" xmlns:r="http://schemas.openxmlformats.org/officeDocument/2006/relationships" xmlns:p="http://schemas.openxmlformats.org/presentationml/2006/main">
   <p:cSld>
     <p:spTree>
@@ -28228,39 +27245,10 @@
             <a:r>
               <a:rPr lang="en-US" sz="1400" b="1" dirty="0">
                 <a:latin typeface="Consolas" panose="020B0609020204030204" pitchFamily="49" charset="0"/>
-                <a:ea typeface="Calibri" panose="020F0502020204030204" pitchFamily="34" charset="0"/>
-                <a:cs typeface="Times New Roman" panose="02020603050405020304" pitchFamily="18" charset="0"/>
-              </a:rPr>
-              <a:t>  for (</a:t>
-            </a:r>
-            <a:r>
-              <a:rPr lang="en-US" sz="1400" b="1" dirty="0" err="1">
-                <a:latin typeface="Consolas" panose="020B0609020204030204" pitchFamily="49" charset="0"/>
-                <a:ea typeface="Calibri" panose="020F0502020204030204" pitchFamily="34" charset="0"/>
-                <a:cs typeface="Times New Roman" panose="02020603050405020304" pitchFamily="18" charset="0"/>
-              </a:rPr>
-              <a:t>int</a:t>
-            </a:r>
-            <a:r>
-              <a:rPr lang="en-US" sz="1400" b="1" dirty="0">
-                <a:latin typeface="Consolas" panose="020B0609020204030204" pitchFamily="49" charset="0"/>
-                <a:ea typeface="Calibri" panose="020F0502020204030204" pitchFamily="34" charset="0"/>
-                <a:cs typeface="Times New Roman" panose="02020603050405020304" pitchFamily="18" charset="0"/>
-              </a:rPr>
-              <a:t> b = 0; b &lt; B; ++b) {</a:t>
-            </a:r>
-          </a:p>
-          <a:p>
-            <a:pPr marL="0" indent="0">
-              <a:buNone/>
-            </a:pPr>
-            <a:r>
-              <a:rPr lang="en-US" sz="1400" b="1" dirty="0">
-                <a:latin typeface="Consolas" panose="020B0609020204030204" pitchFamily="49" charset="0"/>
                 <a:ea typeface="Times New Roman" panose="02020603050405020304" pitchFamily="18" charset="0"/>
                 <a:cs typeface="Times New Roman" panose="02020603050405020304" pitchFamily="18" charset="0"/>
               </a:rPr>
-              <a:t>    for(</a:t>
+              <a:t>  for(</a:t>
             </a:r>
             <a:r>
               <a:rPr lang="en-US" sz="1400" b="1" dirty="0" err="1">
@@ -28294,7 +27282,7 @@
                 <a:ea typeface="Times New Roman" panose="02020603050405020304" pitchFamily="18" charset="0"/>
                 <a:cs typeface="Times New Roman" panose="02020603050405020304" pitchFamily="18" charset="0"/>
               </a:rPr>
-              <a:t>     for(</a:t>
+              <a:t>    for(</a:t>
             </a:r>
             <a:r>
               <a:rPr lang="en-US" sz="1400" b="1" dirty="0" err="1">
@@ -28328,7 +27316,7 @@
                 <a:ea typeface="Times New Roman" panose="02020603050405020304" pitchFamily="18" charset="0"/>
                 <a:cs typeface="Times New Roman" panose="02020603050405020304" pitchFamily="18" charset="0"/>
               </a:rPr>
-              <a:t>        for(</a:t>
+              <a:t>      for(</a:t>
             </a:r>
             <a:r>
               <a:rPr lang="en-US" sz="1400" b="1" dirty="0" err="1">
@@ -28362,7 +27350,7 @@
                 <a:ea typeface="Times New Roman" panose="02020603050405020304" pitchFamily="18" charset="0"/>
                 <a:cs typeface="Times New Roman" panose="02020603050405020304" pitchFamily="18" charset="0"/>
               </a:rPr>
-              <a:t>          for(</a:t>
+              <a:t>        for(</a:t>
             </a:r>
             <a:r>
               <a:rPr lang="en-US" sz="1400" b="1" dirty="0" err="1">
@@ -28378,7 +27366,7 @@
                 <a:ea typeface="Times New Roman" panose="02020603050405020304" pitchFamily="18" charset="0"/>
                 <a:cs typeface="Times New Roman" panose="02020603050405020304" pitchFamily="18" charset="0"/>
               </a:rPr>
-              <a:t> q = 0; q &lt; K; ++q)  </a:t>
+              <a:t> q = 0; q &lt; K; ++q)</a:t>
             </a:r>
             <a:endParaRPr lang="en-US" sz="1400" b="1" dirty="0">
               <a:latin typeface="Consolas" panose="020B0609020204030204" pitchFamily="49" charset="0"/>
@@ -28396,7 +27384,7 @@
                 <a:ea typeface="Times New Roman" panose="02020603050405020304" pitchFamily="18" charset="0"/>
                 <a:cs typeface="Times New Roman" panose="02020603050405020304" pitchFamily="18" charset="0"/>
               </a:rPr>
-              <a:t>            </a:t>
+              <a:t>          </a:t>
             </a:r>
             <a:r>
               <a:rPr lang="en-US" sz="1400" b="1" dirty="0" err="1">
@@ -28412,7 +27400,65 @@
                 <a:ea typeface="Times New Roman" panose="02020603050405020304" pitchFamily="18" charset="0"/>
                 <a:cs typeface="Times New Roman" panose="02020603050405020304" pitchFamily="18" charset="0"/>
               </a:rPr>
-              <a:t>[b, m, c, p, q] = 0;</a:t>
+              <a:t>[m, c, p, q] = 0;</a:t>
+            </a:r>
+          </a:p>
+          <a:p>
+            <a:pPr marL="0" indent="0">
+              <a:buNone/>
+            </a:pPr>
+            <a:r>
+              <a:rPr lang="en-US" sz="1400" b="1" dirty="0">
+                <a:latin typeface="Consolas" panose="020B0609020204030204" pitchFamily="49" charset="0"/>
+                <a:ea typeface="Calibri" panose="020F0502020204030204" pitchFamily="34" charset="0"/>
+                <a:cs typeface="Times New Roman" panose="02020603050405020304" pitchFamily="18" charset="0"/>
+              </a:rPr>
+              <a:t>  for (</a:t>
+            </a:r>
+            <a:r>
+              <a:rPr lang="en-US" sz="1400" b="1" dirty="0" err="1">
+                <a:latin typeface="Consolas" panose="020B0609020204030204" pitchFamily="49" charset="0"/>
+                <a:ea typeface="Calibri" panose="020F0502020204030204" pitchFamily="34" charset="0"/>
+                <a:cs typeface="Times New Roman" panose="02020603050405020304" pitchFamily="18" charset="0"/>
+              </a:rPr>
+              <a:t>int</a:t>
+            </a:r>
+            <a:r>
+              <a:rPr lang="en-US" sz="1400" b="1" dirty="0">
+                <a:latin typeface="Consolas" panose="020B0609020204030204" pitchFamily="49" charset="0"/>
+                <a:ea typeface="Calibri" panose="020F0502020204030204" pitchFamily="34" charset="0"/>
+                <a:cs typeface="Times New Roman" panose="02020603050405020304" pitchFamily="18" charset="0"/>
+              </a:rPr>
+              <a:t> b = 0; b &lt; B; ++b) {</a:t>
+            </a:r>
+          </a:p>
+          <a:p>
+            <a:pPr marL="0" indent="0">
+              <a:buNone/>
+            </a:pPr>
+            <a:r>
+              <a:rPr lang="en-US" sz="1400" b="1" dirty="0">
+                <a:latin typeface="Consolas" panose="020B0609020204030204" pitchFamily="49" charset="0"/>
+                <a:ea typeface="Times New Roman" panose="02020603050405020304" pitchFamily="18" charset="0"/>
+                <a:cs typeface="Times New Roman" panose="02020603050405020304" pitchFamily="18" charset="0"/>
+              </a:rPr>
+              <a:t>    for(</a:t>
+            </a:r>
+            <a:r>
+              <a:rPr lang="en-US" sz="1400" b="1" dirty="0" err="1">
+                <a:latin typeface="Consolas" panose="020B0609020204030204" pitchFamily="49" charset="0"/>
+                <a:ea typeface="Times New Roman" panose="02020603050405020304" pitchFamily="18" charset="0"/>
+                <a:cs typeface="Times New Roman" panose="02020603050405020304" pitchFamily="18" charset="0"/>
+              </a:rPr>
+              <a:t>int</a:t>
+            </a:r>
+            <a:r>
+              <a:rPr lang="en-US" sz="1400" b="1" dirty="0">
+                <a:latin typeface="Consolas" panose="020B0609020204030204" pitchFamily="49" charset="0"/>
+                <a:ea typeface="Times New Roman" panose="02020603050405020304" pitchFamily="18" charset="0"/>
+                <a:cs typeface="Times New Roman" panose="02020603050405020304" pitchFamily="18" charset="0"/>
+              </a:rPr>
+              <a:t> m = 0;  m &lt; M;  ++m)		 </a:t>
             </a:r>
             <a:endParaRPr lang="en-US" sz="1400" b="1" dirty="0">
               <a:latin typeface="Consolas" panose="020B0609020204030204" pitchFamily="49" charset="0"/>
@@ -28430,7 +27476,7 @@
                 <a:ea typeface="Times New Roman" panose="02020603050405020304" pitchFamily="18" charset="0"/>
                 <a:cs typeface="Times New Roman" panose="02020603050405020304" pitchFamily="18" charset="0"/>
               </a:rPr>
-              <a:t>    for(</a:t>
+              <a:t>      for(</a:t>
             </a:r>
             <a:r>
               <a:rPr lang="en-US" sz="1400" b="1" dirty="0" err="1">
@@ -28446,7 +27492,23 @@
                 <a:ea typeface="Times New Roman" panose="02020603050405020304" pitchFamily="18" charset="0"/>
                 <a:cs typeface="Times New Roman" panose="02020603050405020304" pitchFamily="18" charset="0"/>
               </a:rPr>
-              <a:t> m = 0;  m &lt; M;  ++m)		 </a:t>
+              <a:t> h = 0; h &lt; </a:t>
+            </a:r>
+            <a:r>
+              <a:rPr lang="en-US" sz="1400" b="1" dirty="0" err="1">
+                <a:latin typeface="Consolas" panose="020B0609020204030204" pitchFamily="49" charset="0"/>
+                <a:ea typeface="Times New Roman" panose="02020603050405020304" pitchFamily="18" charset="0"/>
+                <a:cs typeface="Times New Roman" panose="02020603050405020304" pitchFamily="18" charset="0"/>
+              </a:rPr>
+              <a:t>H_out</a:t>
+            </a:r>
+            <a:r>
+              <a:rPr lang="en-US" sz="1400" b="1" dirty="0">
+                <a:latin typeface="Consolas" panose="020B0609020204030204" pitchFamily="49" charset="0"/>
+                <a:ea typeface="Times New Roman" panose="02020603050405020304" pitchFamily="18" charset="0"/>
+                <a:cs typeface="Times New Roman" panose="02020603050405020304" pitchFamily="18" charset="0"/>
+              </a:rPr>
+              <a:t>; ++h)		 </a:t>
             </a:r>
             <a:endParaRPr lang="en-US" sz="1400" b="1" dirty="0">
               <a:latin typeface="Consolas" panose="020B0609020204030204" pitchFamily="49" charset="0"/>
@@ -28464,7 +27526,7 @@
                 <a:ea typeface="Times New Roman" panose="02020603050405020304" pitchFamily="18" charset="0"/>
                 <a:cs typeface="Times New Roman" panose="02020603050405020304" pitchFamily="18" charset="0"/>
               </a:rPr>
-              <a:t>      for(</a:t>
+              <a:t>        for(</a:t>
             </a:r>
             <a:r>
               <a:rPr lang="en-US" sz="1400" b="1" dirty="0" err="1">
@@ -28480,7 +27542,7 @@
                 <a:ea typeface="Times New Roman" panose="02020603050405020304" pitchFamily="18" charset="0"/>
                 <a:cs typeface="Times New Roman" panose="02020603050405020304" pitchFamily="18" charset="0"/>
               </a:rPr>
-              <a:t> h = 0; h &lt; </a:t>
+              <a:t> w = 0; w &lt; </a:t>
             </a:r>
             <a:r>
               <a:rPr lang="en-US" sz="1400" b="1" dirty="0" err="1">
@@ -28488,7 +27550,7 @@
                 <a:ea typeface="Times New Roman" panose="02020603050405020304" pitchFamily="18" charset="0"/>
                 <a:cs typeface="Times New Roman" panose="02020603050405020304" pitchFamily="18" charset="0"/>
               </a:rPr>
-              <a:t>H_out</a:t>
+              <a:t>W_out</a:t>
             </a:r>
             <a:r>
               <a:rPr lang="en-US" sz="1400" b="1" dirty="0">
@@ -28496,7 +27558,7 @@
                 <a:ea typeface="Times New Roman" panose="02020603050405020304" pitchFamily="18" charset="0"/>
                 <a:cs typeface="Times New Roman" panose="02020603050405020304" pitchFamily="18" charset="0"/>
               </a:rPr>
-              <a:t>; ++h)		 </a:t>
+              <a:t>; ++w) </a:t>
             </a:r>
             <a:endParaRPr lang="en-US" sz="1400" b="1" dirty="0">
               <a:latin typeface="Consolas" panose="020B0609020204030204" pitchFamily="49" charset="0"/>
@@ -28514,7 +27576,7 @@
                 <a:ea typeface="Times New Roman" panose="02020603050405020304" pitchFamily="18" charset="0"/>
                 <a:cs typeface="Times New Roman" panose="02020603050405020304" pitchFamily="18" charset="0"/>
               </a:rPr>
-              <a:t>        for(</a:t>
+              <a:t>          for(</a:t>
             </a:r>
             <a:r>
               <a:rPr lang="en-US" sz="1400" b="1" dirty="0" err="1">
@@ -28530,23 +27592,15 @@
                 <a:ea typeface="Times New Roman" panose="02020603050405020304" pitchFamily="18" charset="0"/>
                 <a:cs typeface="Times New Roman" panose="02020603050405020304" pitchFamily="18" charset="0"/>
               </a:rPr>
-              <a:t> w = 0; w &lt; </a:t>
-            </a:r>
-            <a:r>
-              <a:rPr lang="en-US" sz="1400" b="1" dirty="0" err="1">
-                <a:latin typeface="Consolas" panose="020B0609020204030204" pitchFamily="49" charset="0"/>
-                <a:ea typeface="Times New Roman" panose="02020603050405020304" pitchFamily="18" charset="0"/>
-                <a:cs typeface="Times New Roman" panose="02020603050405020304" pitchFamily="18" charset="0"/>
-              </a:rPr>
-              <a:t>W_out</a:t>
+              <a:t> c = 0;  c</a:t>
             </a:r>
             <a:r>
               <a:rPr lang="en-US" sz="1400" b="1" dirty="0">
                 <a:latin typeface="Consolas" panose="020B0609020204030204" pitchFamily="49" charset="0"/>
-                <a:ea typeface="Times New Roman" panose="02020603050405020304" pitchFamily="18" charset="0"/>
-                <a:cs typeface="Times New Roman" panose="02020603050405020304" pitchFamily="18" charset="0"/>
+                <a:ea typeface="Calibri" panose="020F0502020204030204" pitchFamily="34" charset="0"/>
+                <a:cs typeface="Consolas" panose="020B0609020204030204" pitchFamily="49" charset="0"/>
               </a:rPr>
-              <a:t>; ++w) </a:t>
+              <a:t> &lt; C; ++c)		 </a:t>
             </a:r>
             <a:endParaRPr lang="en-US" sz="1400" b="1" dirty="0">
               <a:latin typeface="Consolas" panose="020B0609020204030204" pitchFamily="49" charset="0"/>
@@ -28564,7 +27618,7 @@
                 <a:ea typeface="Times New Roman" panose="02020603050405020304" pitchFamily="18" charset="0"/>
                 <a:cs typeface="Times New Roman" panose="02020603050405020304" pitchFamily="18" charset="0"/>
               </a:rPr>
-              <a:t>          for(</a:t>
+              <a:t>            for(</a:t>
             </a:r>
             <a:r>
               <a:rPr lang="en-US" sz="1400" b="1" dirty="0" err="1">
@@ -28580,15 +27634,7 @@
                 <a:ea typeface="Times New Roman" panose="02020603050405020304" pitchFamily="18" charset="0"/>
                 <a:cs typeface="Times New Roman" panose="02020603050405020304" pitchFamily="18" charset="0"/>
               </a:rPr>
-              <a:t> c = 0;  c</a:t>
-            </a:r>
-            <a:r>
-              <a:rPr lang="en-US" sz="1400" b="1" dirty="0">
-                <a:latin typeface="Consolas" panose="020B0609020204030204" pitchFamily="49" charset="0"/>
-                <a:ea typeface="Calibri" panose="020F0502020204030204" pitchFamily="34" charset="0"/>
-                <a:cs typeface="Consolas" panose="020B0609020204030204" pitchFamily="49" charset="0"/>
-              </a:rPr>
-              <a:t> &lt; C; ++c)		 </a:t>
+              <a:t> p = 0; p &lt; K; ++p)	        </a:t>
             </a:r>
             <a:endParaRPr lang="en-US" sz="1400" b="1" dirty="0">
               <a:latin typeface="Consolas" panose="020B0609020204030204" pitchFamily="49" charset="0"/>
@@ -28606,7 +27652,7 @@
                 <a:ea typeface="Times New Roman" panose="02020603050405020304" pitchFamily="18" charset="0"/>
                 <a:cs typeface="Times New Roman" panose="02020603050405020304" pitchFamily="18" charset="0"/>
               </a:rPr>
-              <a:t>            for(</a:t>
+              <a:t>              for(</a:t>
             </a:r>
             <a:r>
               <a:rPr lang="en-US" sz="1400" b="1" dirty="0" err="1">
@@ -28622,7 +27668,7 @@
                 <a:ea typeface="Times New Roman" panose="02020603050405020304" pitchFamily="18" charset="0"/>
                 <a:cs typeface="Times New Roman" panose="02020603050405020304" pitchFamily="18" charset="0"/>
               </a:rPr>
-              <a:t> p = 0; p &lt; K; ++p)	        </a:t>
+              <a:t> q = 0; q &lt; K; ++q)  </a:t>
             </a:r>
             <a:endParaRPr lang="en-US" sz="1400" b="1" dirty="0">
               <a:latin typeface="Consolas" panose="020B0609020204030204" pitchFamily="49" charset="0"/>
@@ -28640,40 +27686,6 @@
                 <a:ea typeface="Times New Roman" panose="02020603050405020304" pitchFamily="18" charset="0"/>
                 <a:cs typeface="Times New Roman" panose="02020603050405020304" pitchFamily="18" charset="0"/>
               </a:rPr>
-              <a:t>              for(</a:t>
-            </a:r>
-            <a:r>
-              <a:rPr lang="en-US" sz="1400" b="1" dirty="0" err="1">
-                <a:latin typeface="Consolas" panose="020B0609020204030204" pitchFamily="49" charset="0"/>
-                <a:ea typeface="Times New Roman" panose="02020603050405020304" pitchFamily="18" charset="0"/>
-                <a:cs typeface="Times New Roman" panose="02020603050405020304" pitchFamily="18" charset="0"/>
-              </a:rPr>
-              <a:t>int</a:t>
-            </a:r>
-            <a:r>
-              <a:rPr lang="en-US" sz="1400" b="1" dirty="0">
-                <a:latin typeface="Consolas" panose="020B0609020204030204" pitchFamily="49" charset="0"/>
-                <a:ea typeface="Times New Roman" panose="02020603050405020304" pitchFamily="18" charset="0"/>
-                <a:cs typeface="Times New Roman" panose="02020603050405020304" pitchFamily="18" charset="0"/>
-              </a:rPr>
-              <a:t> q = 0; q &lt; K; ++q)  </a:t>
-            </a:r>
-            <a:endParaRPr lang="en-US" sz="1400" b="1" dirty="0">
-              <a:latin typeface="Consolas" panose="020B0609020204030204" pitchFamily="49" charset="0"/>
-              <a:ea typeface="Calibri" panose="020F0502020204030204" pitchFamily="34" charset="0"/>
-              <a:cs typeface="Times New Roman" panose="02020603050405020304" pitchFamily="18" charset="0"/>
-            </a:endParaRPr>
-          </a:p>
-          <a:p>
-            <a:pPr marL="0" indent="0">
-              <a:buNone/>
-            </a:pPr>
-            <a:r>
-              <a:rPr lang="en-US" sz="1400" b="1" dirty="0">
-                <a:latin typeface="Consolas" panose="020B0609020204030204" pitchFamily="49" charset="0"/>
-                <a:ea typeface="Times New Roman" panose="02020603050405020304" pitchFamily="18" charset="0"/>
-                <a:cs typeface="Times New Roman" panose="02020603050405020304" pitchFamily="18" charset="0"/>
-              </a:rPr>
               <a:t>                </a:t>
             </a:r>
             <a:r>
@@ -28690,7 +27702,7 @@
                 <a:ea typeface="Times New Roman" panose="02020603050405020304" pitchFamily="18" charset="0"/>
                 <a:cs typeface="Times New Roman" panose="02020603050405020304" pitchFamily="18" charset="0"/>
               </a:rPr>
-              <a:t>[b, m, c, p, q] += X[b, c, h + p, w + q] * </a:t>
+              <a:t>[m, c, p, q] += X[b, c, h + p, w + q] * </a:t>
             </a:r>
             <a:r>
               <a:rPr lang="en-US" sz="1400" b="1" dirty="0" err="1">
@@ -28783,6 +27795,106 @@
           </a:p>
         </p:txBody>
       </p:sp>
+      <p:sp>
+        <p:nvSpPr>
+          <p:cNvPr id="4" name="TextBox 3">
+            <a:extLst>
+              <a:ext uri="{FF2B5EF4-FFF2-40B4-BE49-F238E27FC236}">
+                <a16:creationId xmlns:a16="http://schemas.microsoft.com/office/drawing/2014/main" id="{59E4EC30-B02D-4B42-B19D-6D49C6A6F82A}"/>
+              </a:ext>
+            </a:extLst>
+          </p:cNvPr>
+          <p:cNvSpPr txBox="1"/>
+          <p:nvPr/>
+        </p:nvSpPr>
+        <p:spPr>
+          <a:xfrm>
+            <a:off x="6298163" y="3041780"/>
+            <a:ext cx="2911151" cy="1015663"/>
+          </a:xfrm>
+          <a:prstGeom prst="rect">
+            <a:avLst/>
+          </a:prstGeom>
+          <a:noFill/>
+        </p:spPr>
+        <p:txBody>
+          <a:bodyPr wrap="square" rtlCol="0">
+            <a:spAutoFit/>
+          </a:bodyPr>
+          <a:lstStyle/>
+          <a:p>
+            <a:r>
+              <a:rPr lang="en-US" dirty="0">
+                <a:solidFill>
+                  <a:srgbClr val="FF0000"/>
+                </a:solidFill>
+              </a:rPr>
+              <a:t>No batch index: all images in batch contribute to </a:t>
+            </a:r>
+            <a:r>
+              <a:rPr lang="en-US" dirty="0" err="1">
+                <a:solidFill>
+                  <a:srgbClr val="FF0000"/>
+                </a:solidFill>
+              </a:rPr>
+              <a:t>dE_dW</a:t>
+            </a:r>
+            <a:r>
+              <a:rPr lang="en-US" dirty="0">
+                <a:solidFill>
+                  <a:srgbClr val="FF0000"/>
+                </a:solidFill>
+              </a:rPr>
+              <a:t> update</a:t>
+            </a:r>
+          </a:p>
+        </p:txBody>
+      </p:sp>
+      <p:cxnSp>
+        <p:nvCxnSpPr>
+          <p:cNvPr id="6" name="Straight Arrow Connector 5">
+            <a:extLst>
+              <a:ext uri="{FF2B5EF4-FFF2-40B4-BE49-F238E27FC236}">
+                <a16:creationId xmlns:a16="http://schemas.microsoft.com/office/drawing/2014/main" id="{BE16CA02-34BA-4B00-9225-701713BCD78A}"/>
+              </a:ext>
+            </a:extLst>
+          </p:cNvPr>
+          <p:cNvCxnSpPr>
+            <a:cxnSpLocks/>
+          </p:cNvCxnSpPr>
+          <p:nvPr/>
+        </p:nvCxnSpPr>
+        <p:spPr>
+          <a:xfrm flipH="1">
+            <a:off x="4040156" y="3517641"/>
+            <a:ext cx="2183362" cy="74645"/>
+          </a:xfrm>
+          <a:prstGeom prst="straightConnector1">
+            <a:avLst/>
+          </a:prstGeom>
+          <a:ln>
+            <a:solidFill>
+              <a:srgbClr val="FF0000"/>
+            </a:solidFill>
+            <a:tailEnd type="triangle"/>
+          </a:ln>
+          <a:effectLst/>
+        </p:spPr>
+        <p:style>
+          <a:lnRef idx="2">
+            <a:schemeClr val="accent1"/>
+          </a:lnRef>
+          <a:fillRef idx="0">
+            <a:schemeClr val="accent1"/>
+          </a:fillRef>
+          <a:effectRef idx="1">
+            <a:schemeClr val="accent1"/>
+          </a:effectRef>
+          <a:fontRef idx="minor">
+            <a:schemeClr val="tx1"/>
+          </a:fontRef>
+        </p:style>
+      </p:cxnSp>
     </p:spTree>
     <p:extLst>
       <p:ext uri="{BB962C8B-B14F-4D97-AF65-F5344CB8AC3E}">
@@ -44009,14 +43121,14 @@
           <p:nvPr>
             <p:extLst>
               <p:ext uri="{D42A27DB-BD31-4B8C-83A1-F6EECF244321}">
-                <p14:modId xmlns:p14="http://schemas.microsoft.com/office/powerpoint/2010/main" val="76353437"/>
+                <p14:modId xmlns:p14="http://schemas.microsoft.com/office/powerpoint/2010/main" val="389512495"/>
               </p:ext>
             </p:extLst>
           </p:nvPr>
         </p:nvGraphicFramePr>
         <p:xfrm>
           <a:off x="610626" y="1835814"/>
-          <a:ext cx="12713487" cy="2804160"/>
+          <a:ext cx="12713487" cy="3657600"/>
         </p:xfrm>
         <a:graphic>
           <a:graphicData uri="http://schemas.openxmlformats.org/drawingml/2006/table">
@@ -44053,7 +43165,7 @@
                     <a:bodyPr/>
                     <a:lstStyle/>
                     <a:p>
-                      <a:endParaRPr lang="en-US" sz="2000" dirty="0"/>
+                      <a:endParaRPr lang="en-US" sz="2400" baseline="0" dirty="0"/>
                     </a:p>
                   </a:txBody>
                   <a:tcPr/>
@@ -44064,7 +43176,7 @@
                     <a:lstStyle/>
                     <a:p>
                       <a:r>
-                        <a:rPr lang="en-US" sz="2000" dirty="0"/>
+                        <a:rPr lang="en-US" sz="2400" baseline="0" dirty="0"/>
                         <a:t>Single-channel</a:t>
                       </a:r>
                     </a:p>
@@ -44077,7 +43189,7 @@
                     <a:lstStyle/>
                     <a:p>
                       <a:r>
-                        <a:rPr lang="en-US" sz="2000" dirty="0"/>
+                        <a:rPr lang="en-US" sz="2400" baseline="0" dirty="0"/>
                         <a:t>Multi-channel</a:t>
                       </a:r>
                     </a:p>
@@ -44098,7 +43210,7 @@
                     <a:p>
                       <a:pPr algn="ctr"/>
                       <a:r>
-                        <a:rPr lang="en-US" sz="2000" dirty="0"/>
+                        <a:rPr lang="en-US" sz="2400" baseline="0" dirty="0"/>
                         <a:t>1-D</a:t>
                       </a:r>
                     </a:p>
@@ -44111,7 +43223,7 @@
                     <a:lstStyle/>
                     <a:p>
                       <a:r>
-                        <a:rPr lang="en-US" sz="2000" dirty="0"/>
+                        <a:rPr lang="en-US" sz="2400" baseline="0" dirty="0"/>
                         <a:t>Audio waveform</a:t>
                       </a:r>
                     </a:p>
@@ -44124,13 +43236,13 @@
                     <a:lstStyle/>
                     <a:p>
                       <a:r>
-                        <a:rPr lang="en-US" sz="2000" dirty="0"/>
+                        <a:rPr lang="en-US" sz="2400" baseline="0" dirty="0"/>
                         <a:t>Skeleton animation data: </a:t>
                       </a:r>
                     </a:p>
                     <a:p>
                       <a:r>
-                        <a:rPr lang="en-US" sz="2000" dirty="0"/>
+                        <a:rPr lang="en-US" sz="2400" baseline="0" dirty="0"/>
                         <a:t>1-D joint angles for each join</a:t>
                       </a:r>
                     </a:p>
@@ -44151,7 +43263,7 @@
                     <a:p>
                       <a:pPr algn="ctr"/>
                       <a:r>
-                        <a:rPr lang="en-US" sz="2000" dirty="0"/>
+                        <a:rPr lang="en-US" sz="2400" baseline="0" dirty="0"/>
                         <a:t>2-D</a:t>
                       </a:r>
                     </a:p>
@@ -44164,19 +43276,19 @@
                     <a:lstStyle/>
                     <a:p>
                       <a:r>
-                        <a:rPr lang="en-US" sz="2000" dirty="0"/>
+                        <a:rPr lang="en-US" sz="2400" baseline="0" dirty="0"/>
                         <a:t>Fourier-transformed audio data</a:t>
                       </a:r>
                     </a:p>
                     <a:p>
                       <a:r>
-                        <a:rPr lang="en-US" sz="2000" dirty="0"/>
+                        <a:rPr lang="en-US" sz="2400" baseline="0" dirty="0"/>
                         <a:t>Convolve frequency axis: invariant to frequency shifts</a:t>
                       </a:r>
                     </a:p>
                     <a:p>
                       <a:r>
-                        <a:rPr lang="en-US" sz="2000" dirty="0"/>
+                        <a:rPr lang="en-US" sz="2400" baseline="0" dirty="0"/>
                         <a:t>Convolve time axis: invariant to shifts in time</a:t>
                       </a:r>
                     </a:p>
@@ -44189,13 +43301,13 @@
                     <a:lstStyle/>
                     <a:p>
                       <a:r>
-                        <a:rPr lang="en-US" sz="2000" dirty="0"/>
+                        <a:rPr lang="en-US" sz="2400" baseline="0" dirty="0"/>
                         <a:t>Color image data:</a:t>
                       </a:r>
                     </a:p>
                     <a:p>
                       <a:r>
-                        <a:rPr lang="en-US" sz="2000" dirty="0"/>
+                        <a:rPr lang="en-US" sz="2400" baseline="0" dirty="0"/>
                         <a:t>2-D data for R,G,B channels</a:t>
                       </a:r>
                     </a:p>
@@ -44216,7 +43328,7 @@
                     <a:p>
                       <a:pPr algn="ctr"/>
                       <a:r>
-                        <a:rPr lang="en-US" sz="2000" dirty="0"/>
+                        <a:rPr lang="en-US" sz="2400" baseline="0" dirty="0"/>
                         <a:t>3-D</a:t>
                       </a:r>
                     </a:p>
@@ -44229,7 +43341,7 @@
                     <a:lstStyle/>
                     <a:p>
                       <a:r>
-                        <a:rPr lang="en-US" sz="2000" dirty="0"/>
+                        <a:rPr lang="en-US" sz="2400" baseline="0" dirty="0"/>
                         <a:t>Volumetric data, e.g. medical imaging</a:t>
                       </a:r>
                     </a:p>
@@ -44242,13 +43354,13 @@
                     <a:lstStyle/>
                     <a:p>
                       <a:r>
-                        <a:rPr lang="en-US" sz="2000" dirty="0"/>
+                        <a:rPr lang="en-US" sz="2400" baseline="0" dirty="0"/>
                         <a:t>Color video:</a:t>
                       </a:r>
                     </a:p>
                     <a:p>
                       <a:r>
-                        <a:rPr lang="en-US" sz="2000" dirty="0"/>
+                        <a:rPr lang="en-US" sz="2400" baseline="0" dirty="0"/>
                         <a:t>2-D data across 1-D time for R,G,B channels</a:t>
                       </a:r>
                     </a:p>
@@ -44541,7 +43653,7 @@
         </p:nvSpPr>
         <p:spPr>
           <a:xfrm>
-            <a:off x="5990352" y="4908817"/>
+            <a:off x="6795570" y="5243192"/>
             <a:ext cx="846526" cy="846526"/>
           </a:xfrm>
           <a:prstGeom prst="rect">
@@ -44784,57 +43896,6 @@
       </p:sp>
       <p:sp>
         <p:nvSpPr>
-          <p:cNvPr id="14" name="Rectangle 13">
-            <a:extLst>
-              <a:ext uri="{FF2B5EF4-FFF2-40B4-BE49-F238E27FC236}">
-                <a16:creationId xmlns:a16="http://schemas.microsoft.com/office/drawing/2014/main" id="{ECDE3B43-83CD-4C0F-BEDF-501A4453C6BD}"/>
-              </a:ext>
-            </a:extLst>
-          </p:cNvPr>
-          <p:cNvSpPr/>
-          <p:nvPr/>
-        </p:nvSpPr>
-        <p:spPr>
-          <a:xfrm>
-            <a:off x="6954058" y="4908817"/>
-            <a:ext cx="846526" cy="846526"/>
-          </a:xfrm>
-          <a:prstGeom prst="rect">
-            <a:avLst/>
-          </a:prstGeom>
-          <a:noFill/>
-          <a:ln w="28575">
-            <a:solidFill>
-              <a:schemeClr val="tx1"/>
-            </a:solidFill>
-          </a:ln>
-          <a:effectLst/>
-        </p:spPr>
-        <p:style>
-          <a:lnRef idx="1">
-            <a:schemeClr val="accent1"/>
-          </a:lnRef>
-          <a:fillRef idx="3">
-            <a:schemeClr val="accent1"/>
-          </a:fillRef>
-          <a:effectRef idx="2">
-            <a:schemeClr val="accent1"/>
-          </a:effectRef>
-          <a:fontRef idx="minor">
-            <a:schemeClr val="lt1"/>
-          </a:fontRef>
-        </p:style>
-        <p:txBody>
-          <a:bodyPr rtlCol="0" anchor="ctr"/>
-          <a:lstStyle/>
-          <a:p>
-            <a:pPr algn="ctr"/>
-            <a:endParaRPr lang="en-US"/>
-          </a:p>
-        </p:txBody>
-      </p:sp>
-      <p:sp>
-        <p:nvSpPr>
           <p:cNvPr id="15" name="Rectangle 14">
             <a:extLst>
               <a:ext uri="{FF2B5EF4-FFF2-40B4-BE49-F238E27FC236}">
@@ -44847,58 +43908,7 @@
         </p:nvSpPr>
         <p:spPr>
           <a:xfrm>
-            <a:off x="8652243" y="4908817"/>
-            <a:ext cx="846526" cy="846526"/>
-          </a:xfrm>
-          <a:prstGeom prst="rect">
-            <a:avLst/>
-          </a:prstGeom>
-          <a:noFill/>
-          <a:ln w="28575">
-            <a:solidFill>
-              <a:schemeClr val="tx1"/>
-            </a:solidFill>
-          </a:ln>
-          <a:effectLst/>
-        </p:spPr>
-        <p:style>
-          <a:lnRef idx="1">
-            <a:schemeClr val="accent1"/>
-          </a:lnRef>
-          <a:fillRef idx="3">
-            <a:schemeClr val="accent1"/>
-          </a:fillRef>
-          <a:effectRef idx="2">
-            <a:schemeClr val="accent1"/>
-          </a:effectRef>
-          <a:fontRef idx="minor">
-            <a:schemeClr val="lt1"/>
-          </a:fontRef>
-        </p:style>
-        <p:txBody>
-          <a:bodyPr rtlCol="0" anchor="ctr"/>
-          <a:lstStyle/>
-          <a:p>
-            <a:pPr algn="ctr"/>
-            <a:endParaRPr lang="en-US"/>
-          </a:p>
-        </p:txBody>
-      </p:sp>
-      <p:sp>
-        <p:nvSpPr>
-          <p:cNvPr id="16" name="Rectangle 15">
-            <a:extLst>
-              <a:ext uri="{FF2B5EF4-FFF2-40B4-BE49-F238E27FC236}">
-                <a16:creationId xmlns:a16="http://schemas.microsoft.com/office/drawing/2014/main" id="{7DAD430A-1ACE-4B39-8758-35C2AF587D01}"/>
-              </a:ext>
-            </a:extLst>
-          </p:cNvPr>
-          <p:cNvSpPr/>
-          <p:nvPr/>
-        </p:nvSpPr>
-        <p:spPr>
-          <a:xfrm>
-            <a:off x="9639618" y="4908817"/>
+            <a:off x="9541965" y="5243192"/>
             <a:ext cx="846526" cy="846526"/>
           </a:xfrm>
           <a:prstGeom prst="rect">
@@ -44949,7 +43959,7 @@
         </p:nvSpPr>
         <p:spPr>
           <a:xfrm>
-            <a:off x="11234055" y="4908817"/>
+            <a:off x="12039273" y="5243192"/>
             <a:ext cx="846526" cy="846526"/>
           </a:xfrm>
           <a:prstGeom prst="rect">
@@ -44986,225 +43996,6 @@
           </a:p>
         </p:txBody>
       </p:sp>
-      <p:sp>
-        <p:nvSpPr>
-          <p:cNvPr id="18" name="Rectangle 17">
-            <a:extLst>
-              <a:ext uri="{FF2B5EF4-FFF2-40B4-BE49-F238E27FC236}">
-                <a16:creationId xmlns:a16="http://schemas.microsoft.com/office/drawing/2014/main" id="{577D4177-0130-4695-8E96-E215E07153A4}"/>
-              </a:ext>
-            </a:extLst>
-          </p:cNvPr>
-          <p:cNvSpPr/>
-          <p:nvPr/>
-        </p:nvSpPr>
-        <p:spPr>
-          <a:xfrm>
-            <a:off x="12238743" y="4908817"/>
-            <a:ext cx="846526" cy="846526"/>
-          </a:xfrm>
-          <a:prstGeom prst="rect">
-            <a:avLst/>
-          </a:prstGeom>
-          <a:noFill/>
-          <a:ln w="28575">
-            <a:solidFill>
-              <a:schemeClr val="tx1"/>
-            </a:solidFill>
-          </a:ln>
-          <a:effectLst/>
-        </p:spPr>
-        <p:style>
-          <a:lnRef idx="1">
-            <a:schemeClr val="accent1"/>
-          </a:lnRef>
-          <a:fillRef idx="3">
-            <a:schemeClr val="accent1"/>
-          </a:fillRef>
-          <a:effectRef idx="2">
-            <a:schemeClr val="accent1"/>
-          </a:effectRef>
-          <a:fontRef idx="minor">
-            <a:schemeClr val="lt1"/>
-          </a:fontRef>
-        </p:style>
-        <p:txBody>
-          <a:bodyPr rtlCol="0" anchor="ctr"/>
-          <a:lstStyle/>
-          <a:p>
-            <a:pPr algn="ctr"/>
-            <a:endParaRPr lang="en-US"/>
-          </a:p>
-        </p:txBody>
-      </p:sp>
-      <p:cxnSp>
-        <p:nvCxnSpPr>
-          <p:cNvPr id="65" name="Straight Connector 64">
-            <a:extLst>
-              <a:ext uri="{FF2B5EF4-FFF2-40B4-BE49-F238E27FC236}">
-                <a16:creationId xmlns:a16="http://schemas.microsoft.com/office/drawing/2014/main" id="{3909E93F-F71B-4522-AAB5-64CA84998836}"/>
-              </a:ext>
-            </a:extLst>
-          </p:cNvPr>
-          <p:cNvCxnSpPr>
-            <a:cxnSpLocks/>
-          </p:cNvCxnSpPr>
-          <p:nvPr/>
-        </p:nvCxnSpPr>
-        <p:spPr>
-          <a:xfrm flipH="1">
-            <a:off x="9170247" y="4234185"/>
-            <a:ext cx="469371" cy="560652"/>
-          </a:xfrm>
-          <a:prstGeom prst="line">
-            <a:avLst/>
-          </a:prstGeom>
-          <a:ln>
-            <a:tailEnd type="triangle" w="lg" len="lg"/>
-          </a:ln>
-          <a:effectLst/>
-        </p:spPr>
-        <p:style>
-          <a:lnRef idx="2">
-            <a:schemeClr val="accent1"/>
-          </a:lnRef>
-          <a:fillRef idx="0">
-            <a:schemeClr val="accent1"/>
-          </a:fillRef>
-          <a:effectRef idx="1">
-            <a:schemeClr val="accent1"/>
-          </a:effectRef>
-          <a:fontRef idx="minor">
-            <a:schemeClr val="tx1"/>
-          </a:fontRef>
-        </p:style>
-      </p:cxnSp>
-      <p:cxnSp>
-        <p:nvCxnSpPr>
-          <p:cNvPr id="87" name="Straight Connector 86">
-            <a:extLst>
-              <a:ext uri="{FF2B5EF4-FFF2-40B4-BE49-F238E27FC236}">
-                <a16:creationId xmlns:a16="http://schemas.microsoft.com/office/drawing/2014/main" id="{E7D21E69-89AE-47C5-A4AE-084F740F1920}"/>
-              </a:ext>
-            </a:extLst>
-          </p:cNvPr>
-          <p:cNvCxnSpPr>
-            <a:cxnSpLocks/>
-          </p:cNvCxnSpPr>
-          <p:nvPr/>
-        </p:nvCxnSpPr>
-        <p:spPr>
-          <a:xfrm>
-            <a:off x="9232367" y="3091865"/>
-            <a:ext cx="495621" cy="562845"/>
-          </a:xfrm>
-          <a:prstGeom prst="line">
-            <a:avLst/>
-          </a:prstGeom>
-          <a:ln>
-            <a:tailEnd type="triangle" w="lg" len="lg"/>
-          </a:ln>
-          <a:effectLst/>
-        </p:spPr>
-        <p:style>
-          <a:lnRef idx="2">
-            <a:schemeClr val="accent1"/>
-          </a:lnRef>
-          <a:fillRef idx="0">
-            <a:schemeClr val="accent1"/>
-          </a:fillRef>
-          <a:effectRef idx="1">
-            <a:schemeClr val="accent1"/>
-          </a:effectRef>
-          <a:fontRef idx="minor">
-            <a:schemeClr val="tx1"/>
-          </a:fontRef>
-        </p:style>
-      </p:cxnSp>
-      <p:cxnSp>
-        <p:nvCxnSpPr>
-          <p:cNvPr id="90" name="Straight Connector 89">
-            <a:extLst>
-              <a:ext uri="{FF2B5EF4-FFF2-40B4-BE49-F238E27FC236}">
-                <a16:creationId xmlns:a16="http://schemas.microsoft.com/office/drawing/2014/main" id="{052AB604-A5BE-4AF0-80AB-739E7D16BAC9}"/>
-              </a:ext>
-            </a:extLst>
-          </p:cNvPr>
-          <p:cNvCxnSpPr>
-            <a:cxnSpLocks/>
-          </p:cNvCxnSpPr>
-          <p:nvPr/>
-        </p:nvCxnSpPr>
-        <p:spPr>
-          <a:xfrm>
-            <a:off x="9210591" y="3081619"/>
-            <a:ext cx="2315459" cy="773050"/>
-          </a:xfrm>
-          <a:prstGeom prst="line">
-            <a:avLst/>
-          </a:prstGeom>
-          <a:ln>
-            <a:tailEnd type="triangle" w="lg" len="lg"/>
-          </a:ln>
-          <a:effectLst/>
-        </p:spPr>
-        <p:style>
-          <a:lnRef idx="2">
-            <a:schemeClr val="accent1"/>
-          </a:lnRef>
-          <a:fillRef idx="0">
-            <a:schemeClr val="accent1"/>
-          </a:fillRef>
-          <a:effectRef idx="1">
-            <a:schemeClr val="accent1"/>
-          </a:effectRef>
-          <a:fontRef idx="minor">
-            <a:schemeClr val="tx1"/>
-          </a:fontRef>
-        </p:style>
-      </p:cxnSp>
-      <p:cxnSp>
-        <p:nvCxnSpPr>
-          <p:cNvPr id="98" name="Straight Connector 97">
-            <a:extLst>
-              <a:ext uri="{FF2B5EF4-FFF2-40B4-BE49-F238E27FC236}">
-                <a16:creationId xmlns:a16="http://schemas.microsoft.com/office/drawing/2014/main" id="{C95129FA-A19D-415F-9BDC-DF136BECE6A4}"/>
-              </a:ext>
-            </a:extLst>
-          </p:cNvPr>
-          <p:cNvCxnSpPr>
-            <a:cxnSpLocks/>
-          </p:cNvCxnSpPr>
-          <p:nvPr/>
-        </p:nvCxnSpPr>
-        <p:spPr>
-          <a:xfrm>
-            <a:off x="11770647" y="4234185"/>
-            <a:ext cx="1" cy="560652"/>
-          </a:xfrm>
-          <a:prstGeom prst="line">
-            <a:avLst/>
-          </a:prstGeom>
-          <a:ln>
-            <a:tailEnd type="triangle" w="lg" len="lg"/>
-          </a:ln>
-          <a:effectLst/>
-        </p:spPr>
-        <p:style>
-          <a:lnRef idx="2">
-            <a:schemeClr val="accent1"/>
-          </a:lnRef>
-          <a:fillRef idx="0">
-            <a:schemeClr val="accent1"/>
-          </a:fillRef>
-          <a:effectRef idx="1">
-            <a:schemeClr val="accent1"/>
-          </a:effectRef>
-          <a:fontRef idx="minor">
-            <a:schemeClr val="tx1"/>
-          </a:fontRef>
-        </p:style>
-      </p:cxnSp>
       <p:sp>
         <p:nvSpPr>
           <p:cNvPr id="114" name="TextBox 113">
@@ -45245,7 +44036,7 @@
             </a:pPr>
             <a:r>
               <a:rPr lang="en-US" sz="2800" dirty="0"/>
-              <a:t>A inputs (N</a:t>
+              <a:t>C=2 inputs (N</a:t>
             </a:r>
             <a:r>
               <a:rPr lang="en-US" sz="2800" baseline="-25000" dirty="0"/>
@@ -45280,8 +44071,8 @@
         </p:nvSpPr>
         <p:spPr>
           <a:xfrm>
-            <a:off x="592903" y="3476352"/>
-            <a:ext cx="5198503" cy="954107"/>
+            <a:off x="592903" y="3210218"/>
+            <a:ext cx="5198503" cy="1384995"/>
           </a:xfrm>
           <a:prstGeom prst="rect">
             <a:avLst/>
@@ -45306,7 +44097,7 @@
             </a:pPr>
             <a:r>
               <a:rPr lang="en-US" sz="2800" dirty="0"/>
-              <a:t>B convolution kernels (K</a:t>
+              <a:t>M=3 filters (K</a:t>
             </a:r>
             <a:r>
               <a:rPr lang="en-US" sz="2800" baseline="-25000" dirty="0"/>
@@ -45322,7 +44113,17 @@
             </a:r>
             <a:r>
               <a:rPr lang="en-US" sz="2800" dirty="0"/>
-              <a:t>) </a:t>
+              <a:t>)</a:t>
+            </a:r>
+          </a:p>
+          <a:p>
+            <a:pPr marL="457200" indent="-457200">
+              <a:buFont typeface="Arial" panose="020B0604020202020204" pitchFamily="34" charset="0"/>
+              <a:buChar char="•"/>
+            </a:pPr>
+            <a:r>
+              <a:rPr lang="en-US" sz="2800" dirty="0"/>
+              <a:t>Implies C × M kernels</a:t>
             </a:r>
           </a:p>
         </p:txBody>
@@ -45367,7 +44168,7 @@
             </a:pPr>
             <a:r>
               <a:rPr lang="en-US" sz="2800" dirty="0"/>
-              <a:t>A × B outputs</a:t>
+              <a:t>M=3 outputs</a:t>
             </a:r>
             <a:br>
               <a:rPr lang="en-US" sz="2800" dirty="0"/>
@@ -45411,288 +44212,6 @@
           </a:p>
         </p:txBody>
       </p:sp>
-      <p:cxnSp>
-        <p:nvCxnSpPr>
-          <p:cNvPr id="117" name="Straight Connector 116">
-            <a:extLst>
-              <a:ext uri="{FF2B5EF4-FFF2-40B4-BE49-F238E27FC236}">
-                <a16:creationId xmlns:a16="http://schemas.microsoft.com/office/drawing/2014/main" id="{A6F5492A-E5CC-43AA-92E2-17877DDF24F0}"/>
-              </a:ext>
-            </a:extLst>
-          </p:cNvPr>
-          <p:cNvCxnSpPr>
-            <a:cxnSpLocks/>
-          </p:cNvCxnSpPr>
-          <p:nvPr/>
-        </p:nvCxnSpPr>
-        <p:spPr>
-          <a:xfrm>
-            <a:off x="10304289" y="3081619"/>
-            <a:ext cx="1353029" cy="618034"/>
-          </a:xfrm>
-          <a:prstGeom prst="line">
-            <a:avLst/>
-          </a:prstGeom>
-          <a:ln>
-            <a:solidFill>
-              <a:schemeClr val="accent2">
-                <a:lumMod val="75000"/>
-              </a:schemeClr>
-            </a:solidFill>
-            <a:tailEnd type="triangle" w="lg" len="lg"/>
-          </a:ln>
-          <a:effectLst/>
-        </p:spPr>
-        <p:style>
-          <a:lnRef idx="2">
-            <a:schemeClr val="accent1"/>
-          </a:lnRef>
-          <a:fillRef idx="0">
-            <a:schemeClr val="accent1"/>
-          </a:fillRef>
-          <a:effectRef idx="1">
-            <a:schemeClr val="accent1"/>
-          </a:effectRef>
-          <a:fontRef idx="minor">
-            <a:schemeClr val="tx1"/>
-          </a:fontRef>
-        </p:style>
-      </p:cxnSp>
-      <p:cxnSp>
-        <p:nvCxnSpPr>
-          <p:cNvPr id="120" name="Straight Connector 119">
-            <a:extLst>
-              <a:ext uri="{FF2B5EF4-FFF2-40B4-BE49-F238E27FC236}">
-                <a16:creationId xmlns:a16="http://schemas.microsoft.com/office/drawing/2014/main" id="{B6CC17A8-40B8-453F-8AEC-83B605043C42}"/>
-              </a:ext>
-            </a:extLst>
-          </p:cNvPr>
-          <p:cNvCxnSpPr>
-            <a:cxnSpLocks/>
-          </p:cNvCxnSpPr>
-          <p:nvPr/>
-        </p:nvCxnSpPr>
-        <p:spPr>
-          <a:xfrm flipH="1">
-            <a:off x="9868230" y="3091865"/>
-            <a:ext cx="457837" cy="562845"/>
-          </a:xfrm>
-          <a:prstGeom prst="line">
-            <a:avLst/>
-          </a:prstGeom>
-          <a:ln>
-            <a:solidFill>
-              <a:schemeClr val="accent2">
-                <a:lumMod val="75000"/>
-              </a:schemeClr>
-            </a:solidFill>
-            <a:tailEnd type="triangle" w="lg" len="lg"/>
-          </a:ln>
-          <a:effectLst/>
-        </p:spPr>
-        <p:style>
-          <a:lnRef idx="2">
-            <a:schemeClr val="accent1"/>
-          </a:lnRef>
-          <a:fillRef idx="0">
-            <a:schemeClr val="accent1"/>
-          </a:fillRef>
-          <a:effectRef idx="1">
-            <a:schemeClr val="accent1"/>
-          </a:effectRef>
-          <a:fontRef idx="minor">
-            <a:schemeClr val="tx1"/>
-          </a:fontRef>
-        </p:style>
-      </p:cxnSp>
-      <p:cxnSp>
-        <p:nvCxnSpPr>
-          <p:cNvPr id="123" name="Straight Connector 122">
-            <a:extLst>
-              <a:ext uri="{FF2B5EF4-FFF2-40B4-BE49-F238E27FC236}">
-                <a16:creationId xmlns:a16="http://schemas.microsoft.com/office/drawing/2014/main" id="{38769DFA-84E5-4B8D-A66F-9907C9B292B5}"/>
-              </a:ext>
-            </a:extLst>
-          </p:cNvPr>
-          <p:cNvCxnSpPr>
-            <a:cxnSpLocks/>
-          </p:cNvCxnSpPr>
-          <p:nvPr/>
-        </p:nvCxnSpPr>
-        <p:spPr>
-          <a:xfrm flipH="1">
-            <a:off x="8041977" y="3081619"/>
-            <a:ext cx="2284090" cy="629769"/>
-          </a:xfrm>
-          <a:prstGeom prst="line">
-            <a:avLst/>
-          </a:prstGeom>
-          <a:ln>
-            <a:solidFill>
-              <a:schemeClr val="accent2">
-                <a:lumMod val="75000"/>
-              </a:schemeClr>
-            </a:solidFill>
-            <a:tailEnd type="triangle" w="lg" len="lg"/>
-          </a:ln>
-          <a:effectLst/>
-        </p:spPr>
-        <p:style>
-          <a:lnRef idx="2">
-            <a:schemeClr val="accent1"/>
-          </a:lnRef>
-          <a:fillRef idx="0">
-            <a:schemeClr val="accent1"/>
-          </a:fillRef>
-          <a:effectRef idx="1">
-            <a:schemeClr val="accent1"/>
-          </a:effectRef>
-          <a:fontRef idx="minor">
-            <a:schemeClr val="tx1"/>
-          </a:fontRef>
-        </p:style>
-      </p:cxnSp>
-      <p:cxnSp>
-        <p:nvCxnSpPr>
-          <p:cNvPr id="126" name="Straight Connector 125">
-            <a:extLst>
-              <a:ext uri="{FF2B5EF4-FFF2-40B4-BE49-F238E27FC236}">
-                <a16:creationId xmlns:a16="http://schemas.microsoft.com/office/drawing/2014/main" id="{ACC74417-2F8E-4707-BDC9-CC9C8DF313FB}"/>
-              </a:ext>
-            </a:extLst>
-          </p:cNvPr>
-          <p:cNvCxnSpPr>
-            <a:cxnSpLocks/>
-          </p:cNvCxnSpPr>
-          <p:nvPr/>
-        </p:nvCxnSpPr>
-        <p:spPr>
-          <a:xfrm flipH="1">
-            <a:off x="7491935" y="4171288"/>
-            <a:ext cx="262224" cy="623549"/>
-          </a:xfrm>
-          <a:prstGeom prst="line">
-            <a:avLst/>
-          </a:prstGeom>
-          <a:ln>
-            <a:solidFill>
-              <a:schemeClr val="accent2">
-                <a:lumMod val="75000"/>
-              </a:schemeClr>
-            </a:solidFill>
-            <a:tailEnd type="triangle" w="lg" len="lg"/>
-          </a:ln>
-          <a:effectLst/>
-        </p:spPr>
-        <p:style>
-          <a:lnRef idx="2">
-            <a:schemeClr val="accent1"/>
-          </a:lnRef>
-          <a:fillRef idx="0">
-            <a:schemeClr val="accent1"/>
-          </a:fillRef>
-          <a:effectRef idx="1">
-            <a:schemeClr val="accent1"/>
-          </a:effectRef>
-          <a:fontRef idx="minor">
-            <a:schemeClr val="tx1"/>
-          </a:fontRef>
-        </p:style>
-      </p:cxnSp>
-      <p:cxnSp>
-        <p:nvCxnSpPr>
-          <p:cNvPr id="129" name="Straight Connector 128">
-            <a:extLst>
-              <a:ext uri="{FF2B5EF4-FFF2-40B4-BE49-F238E27FC236}">
-                <a16:creationId xmlns:a16="http://schemas.microsoft.com/office/drawing/2014/main" id="{03A87E34-3791-4BE9-9760-6E7E83A90769}"/>
-              </a:ext>
-            </a:extLst>
-          </p:cNvPr>
-          <p:cNvCxnSpPr>
-            <a:cxnSpLocks/>
-          </p:cNvCxnSpPr>
-          <p:nvPr/>
-        </p:nvCxnSpPr>
-        <p:spPr>
-          <a:xfrm>
-            <a:off x="9868230" y="4211503"/>
-            <a:ext cx="217056" cy="563483"/>
-          </a:xfrm>
-          <a:prstGeom prst="line">
-            <a:avLst/>
-          </a:prstGeom>
-          <a:ln>
-            <a:solidFill>
-              <a:schemeClr val="accent2">
-                <a:lumMod val="75000"/>
-              </a:schemeClr>
-            </a:solidFill>
-            <a:tailEnd type="triangle" w="lg" len="lg"/>
-          </a:ln>
-          <a:effectLst/>
-        </p:spPr>
-        <p:style>
-          <a:lnRef idx="2">
-            <a:schemeClr val="accent1"/>
-          </a:lnRef>
-          <a:fillRef idx="0">
-            <a:schemeClr val="accent1"/>
-          </a:fillRef>
-          <a:effectRef idx="1">
-            <a:schemeClr val="accent1"/>
-          </a:effectRef>
-          <a:fontRef idx="minor">
-            <a:schemeClr val="tx1"/>
-          </a:fontRef>
-        </p:style>
-      </p:cxnSp>
-      <p:cxnSp>
-        <p:nvCxnSpPr>
-          <p:cNvPr id="132" name="Straight Connector 131">
-            <a:extLst>
-              <a:ext uri="{FF2B5EF4-FFF2-40B4-BE49-F238E27FC236}">
-                <a16:creationId xmlns:a16="http://schemas.microsoft.com/office/drawing/2014/main" id="{1478EB1D-080E-4768-8453-2F655C09F26B}"/>
-              </a:ext>
-            </a:extLst>
-          </p:cNvPr>
-          <p:cNvCxnSpPr>
-            <a:cxnSpLocks/>
-          </p:cNvCxnSpPr>
-          <p:nvPr/>
-        </p:nvCxnSpPr>
-        <p:spPr>
-          <a:xfrm>
-            <a:off x="12080581" y="4171288"/>
-            <a:ext cx="581425" cy="623549"/>
-          </a:xfrm>
-          <a:prstGeom prst="line">
-            <a:avLst/>
-          </a:prstGeom>
-          <a:ln>
-            <a:solidFill>
-              <a:schemeClr val="accent2">
-                <a:lumMod val="75000"/>
-              </a:schemeClr>
-            </a:solidFill>
-            <a:tailEnd type="triangle" w="lg" len="lg"/>
-          </a:ln>
-          <a:effectLst/>
-        </p:spPr>
-        <p:style>
-          <a:lnRef idx="2">
-            <a:schemeClr val="accent1"/>
-          </a:lnRef>
-          <a:fillRef idx="0">
-            <a:schemeClr val="accent1"/>
-          </a:fillRef>
-          <a:effectRef idx="1">
-            <a:schemeClr val="accent1"/>
-          </a:effectRef>
-          <a:fontRef idx="minor">
-            <a:schemeClr val="tx1"/>
-          </a:fontRef>
-        </p:style>
-      </p:cxnSp>
       <p:cxnSp>
         <p:nvCxnSpPr>
           <p:cNvPr id="135" name="Straight Connector 134">
@@ -45844,8 +44363,8 @@
         </p:nvCxnSpPr>
         <p:spPr>
           <a:xfrm flipH="1">
-            <a:off x="6274658" y="3791428"/>
-            <a:ext cx="1389211" cy="1540652"/>
+            <a:off x="6977613" y="3791428"/>
+            <a:ext cx="686258" cy="1756387"/>
           </a:xfrm>
           <a:prstGeom prst="line">
             <a:avLst/>
@@ -45886,8 +44405,8 @@
         </p:nvCxnSpPr>
         <p:spPr>
           <a:xfrm flipH="1">
-            <a:off x="6274658" y="4083423"/>
-            <a:ext cx="1669374" cy="1248657"/>
+            <a:off x="6981559" y="4083423"/>
+            <a:ext cx="962474" cy="1464392"/>
           </a:xfrm>
           <a:prstGeom prst="line">
             <a:avLst/>
@@ -45969,7 +44488,7 @@
         </p:nvCxnSpPr>
         <p:spPr>
           <a:xfrm>
-            <a:off x="592902" y="4580320"/>
+            <a:off x="592902" y="4709976"/>
             <a:ext cx="12777315" cy="0"/>
           </a:xfrm>
           <a:prstGeom prst="line">
@@ -45980,6 +44499,599 @@
               <a:schemeClr val="tx1"/>
             </a:solidFill>
             <a:prstDash val="dash"/>
+          </a:ln>
+          <a:effectLst/>
+        </p:spPr>
+        <p:style>
+          <a:lnRef idx="2">
+            <a:schemeClr val="accent1"/>
+          </a:lnRef>
+          <a:fillRef idx="0">
+            <a:schemeClr val="accent1"/>
+          </a:fillRef>
+          <a:effectRef idx="1">
+            <a:schemeClr val="accent1"/>
+          </a:effectRef>
+          <a:fontRef idx="minor">
+            <a:schemeClr val="tx1"/>
+          </a:fontRef>
+        </p:style>
+      </p:cxnSp>
+      <p:sp>
+        <p:nvSpPr>
+          <p:cNvPr id="34" name="Rectangle 33">
+            <a:extLst>
+              <a:ext uri="{FF2B5EF4-FFF2-40B4-BE49-F238E27FC236}">
+                <a16:creationId xmlns:a16="http://schemas.microsoft.com/office/drawing/2014/main" id="{9FD0BA40-767C-4380-83BE-5D11694BE560}"/>
+              </a:ext>
+            </a:extLst>
+          </p:cNvPr>
+          <p:cNvSpPr/>
+          <p:nvPr/>
+        </p:nvSpPr>
+        <p:spPr>
+          <a:xfrm>
+            <a:off x="8018168" y="3789263"/>
+            <a:ext cx="291995" cy="291995"/>
+          </a:xfrm>
+          <a:prstGeom prst="rect">
+            <a:avLst/>
+          </a:prstGeom>
+          <a:noFill/>
+          <a:ln w="28575">
+            <a:solidFill>
+              <a:schemeClr val="tx1"/>
+            </a:solidFill>
+          </a:ln>
+          <a:effectLst/>
+        </p:spPr>
+        <p:style>
+          <a:lnRef idx="1">
+            <a:schemeClr val="accent1"/>
+          </a:lnRef>
+          <a:fillRef idx="3">
+            <a:schemeClr val="accent1"/>
+          </a:fillRef>
+          <a:effectRef idx="2">
+            <a:schemeClr val="accent1"/>
+          </a:effectRef>
+          <a:fontRef idx="minor">
+            <a:schemeClr val="lt1"/>
+          </a:fontRef>
+        </p:style>
+        <p:txBody>
+          <a:bodyPr rtlCol="0" anchor="ctr"/>
+          <a:lstStyle/>
+          <a:p>
+            <a:pPr algn="ctr"/>
+            <a:endParaRPr lang="en-US"/>
+          </a:p>
+        </p:txBody>
+      </p:sp>
+      <p:sp>
+        <p:nvSpPr>
+          <p:cNvPr id="35" name="Rectangle 34">
+            <a:extLst>
+              <a:ext uri="{FF2B5EF4-FFF2-40B4-BE49-F238E27FC236}">
+                <a16:creationId xmlns:a16="http://schemas.microsoft.com/office/drawing/2014/main" id="{3DED3475-1D8C-4849-92ED-09EEE8820DC6}"/>
+              </a:ext>
+            </a:extLst>
+          </p:cNvPr>
+          <p:cNvSpPr/>
+          <p:nvPr/>
+        </p:nvSpPr>
+        <p:spPr>
+          <a:xfrm>
+            <a:off x="10003200" y="3786061"/>
+            <a:ext cx="291995" cy="291995"/>
+          </a:xfrm>
+          <a:prstGeom prst="rect">
+            <a:avLst/>
+          </a:prstGeom>
+          <a:noFill/>
+          <a:ln w="28575">
+            <a:solidFill>
+              <a:schemeClr val="tx1"/>
+            </a:solidFill>
+          </a:ln>
+          <a:effectLst/>
+        </p:spPr>
+        <p:style>
+          <a:lnRef idx="1">
+            <a:schemeClr val="accent1"/>
+          </a:lnRef>
+          <a:fillRef idx="3">
+            <a:schemeClr val="accent1"/>
+          </a:fillRef>
+          <a:effectRef idx="2">
+            <a:schemeClr val="accent1"/>
+          </a:effectRef>
+          <a:fontRef idx="minor">
+            <a:schemeClr val="lt1"/>
+          </a:fontRef>
+        </p:style>
+        <p:txBody>
+          <a:bodyPr rtlCol="0" anchor="ctr"/>
+          <a:lstStyle/>
+          <a:p>
+            <a:pPr algn="ctr"/>
+            <a:endParaRPr lang="en-US"/>
+          </a:p>
+        </p:txBody>
+      </p:sp>
+      <p:sp>
+        <p:nvSpPr>
+          <p:cNvPr id="36" name="Rectangle 35">
+            <a:extLst>
+              <a:ext uri="{FF2B5EF4-FFF2-40B4-BE49-F238E27FC236}">
+                <a16:creationId xmlns:a16="http://schemas.microsoft.com/office/drawing/2014/main" id="{84B1C9DB-1AA5-4207-8E92-7C4C1AEF01E9}"/>
+              </a:ext>
+            </a:extLst>
+          </p:cNvPr>
+          <p:cNvSpPr/>
+          <p:nvPr/>
+        </p:nvSpPr>
+        <p:spPr>
+          <a:xfrm>
+            <a:off x="11988232" y="3800149"/>
+            <a:ext cx="291995" cy="291995"/>
+          </a:xfrm>
+          <a:prstGeom prst="rect">
+            <a:avLst/>
+          </a:prstGeom>
+          <a:noFill/>
+          <a:ln w="28575">
+            <a:solidFill>
+              <a:schemeClr val="tx1"/>
+            </a:solidFill>
+          </a:ln>
+          <a:effectLst/>
+        </p:spPr>
+        <p:style>
+          <a:lnRef idx="1">
+            <a:schemeClr val="accent1"/>
+          </a:lnRef>
+          <a:fillRef idx="3">
+            <a:schemeClr val="accent1"/>
+          </a:fillRef>
+          <a:effectRef idx="2">
+            <a:schemeClr val="accent1"/>
+          </a:effectRef>
+          <a:fontRef idx="minor">
+            <a:schemeClr val="lt1"/>
+          </a:fontRef>
+        </p:style>
+        <p:txBody>
+          <a:bodyPr rtlCol="0" anchor="ctr"/>
+          <a:lstStyle/>
+          <a:p>
+            <a:pPr algn="ctr"/>
+            <a:endParaRPr lang="en-US"/>
+          </a:p>
+        </p:txBody>
+      </p:sp>
+      <p:cxnSp>
+        <p:nvCxnSpPr>
+          <p:cNvPr id="37" name="Straight Connector 36">
+            <a:extLst>
+              <a:ext uri="{FF2B5EF4-FFF2-40B4-BE49-F238E27FC236}">
+                <a16:creationId xmlns:a16="http://schemas.microsoft.com/office/drawing/2014/main" id="{B0D19859-17A1-4C02-8D3C-478705EC1E31}"/>
+              </a:ext>
+            </a:extLst>
+          </p:cNvPr>
+          <p:cNvCxnSpPr>
+            <a:cxnSpLocks/>
+          </p:cNvCxnSpPr>
+          <p:nvPr/>
+        </p:nvCxnSpPr>
+        <p:spPr>
+          <a:xfrm flipH="1">
+            <a:off x="8303655" y="2514641"/>
+            <a:ext cx="1945042" cy="1575186"/>
+          </a:xfrm>
+          <a:prstGeom prst="line">
+            <a:avLst/>
+          </a:prstGeom>
+          <a:ln>
+            <a:solidFill>
+              <a:schemeClr val="accent2"/>
+            </a:solidFill>
+            <a:tailEnd type="none" w="lg" len="lg"/>
+          </a:ln>
+          <a:effectLst/>
+        </p:spPr>
+        <p:style>
+          <a:lnRef idx="2">
+            <a:schemeClr val="accent1"/>
+          </a:lnRef>
+          <a:fillRef idx="0">
+            <a:schemeClr val="accent1"/>
+          </a:fillRef>
+          <a:effectRef idx="1">
+            <a:schemeClr val="accent1"/>
+          </a:effectRef>
+          <a:fontRef idx="minor">
+            <a:schemeClr val="tx1"/>
+          </a:fontRef>
+        </p:style>
+      </p:cxnSp>
+      <p:sp>
+        <p:nvSpPr>
+          <p:cNvPr id="38" name="Rectangle 37">
+            <a:extLst>
+              <a:ext uri="{FF2B5EF4-FFF2-40B4-BE49-F238E27FC236}">
+                <a16:creationId xmlns:a16="http://schemas.microsoft.com/office/drawing/2014/main" id="{A0C356A1-E0C8-4692-AE3A-BEA89F6D3DE8}"/>
+              </a:ext>
+            </a:extLst>
+          </p:cNvPr>
+          <p:cNvSpPr/>
+          <p:nvPr/>
+        </p:nvSpPr>
+        <p:spPr>
+          <a:xfrm>
+            <a:off x="9956702" y="2225848"/>
+            <a:ext cx="291995" cy="291995"/>
+          </a:xfrm>
+          <a:prstGeom prst="rect">
+            <a:avLst/>
+          </a:prstGeom>
+          <a:noFill/>
+          <a:ln w="28575">
+            <a:solidFill>
+              <a:schemeClr val="accent2"/>
+            </a:solidFill>
+          </a:ln>
+          <a:effectLst/>
+        </p:spPr>
+        <p:style>
+          <a:lnRef idx="1">
+            <a:schemeClr val="accent1"/>
+          </a:lnRef>
+          <a:fillRef idx="3">
+            <a:schemeClr val="accent1"/>
+          </a:fillRef>
+          <a:effectRef idx="2">
+            <a:schemeClr val="accent1"/>
+          </a:effectRef>
+          <a:fontRef idx="minor">
+            <a:schemeClr val="lt1"/>
+          </a:fontRef>
+        </p:style>
+        <p:txBody>
+          <a:bodyPr rtlCol="0" anchor="ctr"/>
+          <a:lstStyle/>
+          <a:p>
+            <a:pPr algn="ctr"/>
+            <a:endParaRPr lang="en-US"/>
+          </a:p>
+        </p:txBody>
+      </p:sp>
+      <p:cxnSp>
+        <p:nvCxnSpPr>
+          <p:cNvPr id="39" name="Straight Connector 38">
+            <a:extLst>
+              <a:ext uri="{FF2B5EF4-FFF2-40B4-BE49-F238E27FC236}">
+                <a16:creationId xmlns:a16="http://schemas.microsoft.com/office/drawing/2014/main" id="{C0103ABA-FE3A-4614-A667-FB21277AFD0F}"/>
+              </a:ext>
+            </a:extLst>
+          </p:cNvPr>
+          <p:cNvCxnSpPr>
+            <a:cxnSpLocks/>
+          </p:cNvCxnSpPr>
+          <p:nvPr/>
+        </p:nvCxnSpPr>
+        <p:spPr>
+          <a:xfrm flipH="1">
+            <a:off x="7999482" y="2225848"/>
+            <a:ext cx="1957220" cy="1571984"/>
+          </a:xfrm>
+          <a:prstGeom prst="line">
+            <a:avLst/>
+          </a:prstGeom>
+          <a:ln>
+            <a:solidFill>
+              <a:schemeClr val="accent2"/>
+            </a:solidFill>
+            <a:tailEnd type="none" w="lg" len="lg"/>
+          </a:ln>
+          <a:effectLst/>
+        </p:spPr>
+        <p:style>
+          <a:lnRef idx="2">
+            <a:schemeClr val="accent1"/>
+          </a:lnRef>
+          <a:fillRef idx="0">
+            <a:schemeClr val="accent1"/>
+          </a:fillRef>
+          <a:effectRef idx="1">
+            <a:schemeClr val="accent1"/>
+          </a:effectRef>
+          <a:fontRef idx="minor">
+            <a:schemeClr val="tx1"/>
+          </a:fontRef>
+        </p:style>
+      </p:cxnSp>
+      <p:cxnSp>
+        <p:nvCxnSpPr>
+          <p:cNvPr id="40" name="Straight Connector 39">
+            <a:extLst>
+              <a:ext uri="{FF2B5EF4-FFF2-40B4-BE49-F238E27FC236}">
+                <a16:creationId xmlns:a16="http://schemas.microsoft.com/office/drawing/2014/main" id="{CE7535A7-98F0-46DF-9155-2A86674C3F9D}"/>
+              </a:ext>
+            </a:extLst>
+          </p:cNvPr>
+          <p:cNvCxnSpPr>
+            <a:cxnSpLocks/>
+          </p:cNvCxnSpPr>
+          <p:nvPr/>
+        </p:nvCxnSpPr>
+        <p:spPr>
+          <a:xfrm flipH="1">
+            <a:off x="6977613" y="3794630"/>
+            <a:ext cx="1045880" cy="1753185"/>
+          </a:xfrm>
+          <a:prstGeom prst="line">
+            <a:avLst/>
+          </a:prstGeom>
+          <a:ln>
+            <a:solidFill>
+              <a:schemeClr val="accent2"/>
+            </a:solidFill>
+            <a:tailEnd type="none" w="lg" len="lg"/>
+          </a:ln>
+          <a:effectLst/>
+        </p:spPr>
+        <p:style>
+          <a:lnRef idx="2">
+            <a:schemeClr val="accent1"/>
+          </a:lnRef>
+          <a:fillRef idx="0">
+            <a:schemeClr val="accent1"/>
+          </a:fillRef>
+          <a:effectRef idx="1">
+            <a:schemeClr val="accent1"/>
+          </a:effectRef>
+          <a:fontRef idx="minor">
+            <a:schemeClr val="tx1"/>
+          </a:fontRef>
+        </p:style>
+      </p:cxnSp>
+      <p:cxnSp>
+        <p:nvCxnSpPr>
+          <p:cNvPr id="41" name="Straight Connector 40">
+            <a:extLst>
+              <a:ext uri="{FF2B5EF4-FFF2-40B4-BE49-F238E27FC236}">
+                <a16:creationId xmlns:a16="http://schemas.microsoft.com/office/drawing/2014/main" id="{DF5BE3B0-0317-46CB-8119-DEAD6D066B89}"/>
+              </a:ext>
+            </a:extLst>
+          </p:cNvPr>
+          <p:cNvCxnSpPr>
+            <a:cxnSpLocks/>
+          </p:cNvCxnSpPr>
+          <p:nvPr/>
+        </p:nvCxnSpPr>
+        <p:spPr>
+          <a:xfrm flipH="1">
+            <a:off x="6987723" y="4086625"/>
+            <a:ext cx="1315931" cy="1461190"/>
+          </a:xfrm>
+          <a:prstGeom prst="line">
+            <a:avLst/>
+          </a:prstGeom>
+          <a:ln>
+            <a:solidFill>
+              <a:schemeClr val="accent2"/>
+            </a:solidFill>
+            <a:tailEnd type="none" w="lg" len="lg"/>
+          </a:ln>
+          <a:effectLst/>
+        </p:spPr>
+        <p:style>
+          <a:lnRef idx="2">
+            <a:schemeClr val="accent1"/>
+          </a:lnRef>
+          <a:fillRef idx="0">
+            <a:schemeClr val="accent1"/>
+          </a:fillRef>
+          <a:effectRef idx="1">
+            <a:schemeClr val="accent1"/>
+          </a:effectRef>
+          <a:fontRef idx="minor">
+            <a:schemeClr val="tx1"/>
+          </a:fontRef>
+        </p:style>
+      </p:cxnSp>
+      <p:sp>
+        <p:nvSpPr>
+          <p:cNvPr id="24" name="TextBox 23">
+            <a:extLst>
+              <a:ext uri="{FF2B5EF4-FFF2-40B4-BE49-F238E27FC236}">
+                <a16:creationId xmlns:a16="http://schemas.microsoft.com/office/drawing/2014/main" id="{2C659116-6959-48F6-B539-259F2D4C428D}"/>
+              </a:ext>
+            </a:extLst>
+          </p:cNvPr>
+          <p:cNvSpPr txBox="1"/>
+          <p:nvPr/>
+        </p:nvSpPr>
+        <p:spPr>
+          <a:xfrm>
+            <a:off x="5148747" y="4840399"/>
+            <a:ext cx="2062247" cy="400110"/>
+          </a:xfrm>
+          <a:prstGeom prst="rect">
+            <a:avLst/>
+          </a:prstGeom>
+          <a:noFill/>
+        </p:spPr>
+        <p:txBody>
+          <a:bodyPr wrap="square" rtlCol="0">
+            <a:spAutoFit/>
+          </a:bodyPr>
+          <a:lstStyle/>
+          <a:p>
+            <a:r>
+              <a:rPr lang="en-US" dirty="0"/>
+              <a:t>sum contributions</a:t>
+            </a:r>
+          </a:p>
+        </p:txBody>
+      </p:sp>
+      <p:cxnSp>
+        <p:nvCxnSpPr>
+          <p:cNvPr id="30" name="Straight Connector 29">
+            <a:extLst>
+              <a:ext uri="{FF2B5EF4-FFF2-40B4-BE49-F238E27FC236}">
+                <a16:creationId xmlns:a16="http://schemas.microsoft.com/office/drawing/2014/main" id="{64DB9503-5555-4893-8E6B-296BE17E1FC1}"/>
+              </a:ext>
+            </a:extLst>
+          </p:cNvPr>
+          <p:cNvCxnSpPr>
+            <a:cxnSpLocks/>
+          </p:cNvCxnSpPr>
+          <p:nvPr/>
+        </p:nvCxnSpPr>
+        <p:spPr>
+          <a:xfrm>
+            <a:off x="9092775" y="2375046"/>
+            <a:ext cx="719735" cy="1571312"/>
+          </a:xfrm>
+          <a:prstGeom prst="line">
+            <a:avLst/>
+          </a:prstGeom>
+          <a:ln>
+            <a:tailEnd type="none" w="lg" len="lg"/>
+          </a:ln>
+          <a:effectLst/>
+        </p:spPr>
+        <p:style>
+          <a:lnRef idx="2">
+            <a:schemeClr val="accent1"/>
+          </a:lnRef>
+          <a:fillRef idx="0">
+            <a:schemeClr val="accent1"/>
+          </a:fillRef>
+          <a:effectRef idx="1">
+            <a:schemeClr val="accent1"/>
+          </a:effectRef>
+          <a:fontRef idx="minor">
+            <a:schemeClr val="tx1"/>
+          </a:fontRef>
+        </p:style>
+      </p:cxnSp>
+      <p:cxnSp>
+        <p:nvCxnSpPr>
+          <p:cNvPr id="42" name="Straight Connector 41">
+            <a:extLst>
+              <a:ext uri="{FF2B5EF4-FFF2-40B4-BE49-F238E27FC236}">
+                <a16:creationId xmlns:a16="http://schemas.microsoft.com/office/drawing/2014/main" id="{BA398BBD-5BA3-4E56-9B76-410C4C673240}"/>
+              </a:ext>
+            </a:extLst>
+          </p:cNvPr>
+          <p:cNvCxnSpPr>
+            <a:cxnSpLocks/>
+          </p:cNvCxnSpPr>
+          <p:nvPr/>
+        </p:nvCxnSpPr>
+        <p:spPr>
+          <a:xfrm>
+            <a:off x="10106527" y="2375046"/>
+            <a:ext cx="55001" cy="1571312"/>
+          </a:xfrm>
+          <a:prstGeom prst="line">
+            <a:avLst/>
+          </a:prstGeom>
+          <a:ln>
+            <a:solidFill>
+              <a:schemeClr val="accent2"/>
+            </a:solidFill>
+            <a:tailEnd type="none" w="lg" len="lg"/>
+          </a:ln>
+          <a:effectLst/>
+        </p:spPr>
+        <p:style>
+          <a:lnRef idx="2">
+            <a:schemeClr val="accent1"/>
+          </a:lnRef>
+          <a:fillRef idx="0">
+            <a:schemeClr val="accent1"/>
+          </a:fillRef>
+          <a:effectRef idx="1">
+            <a:schemeClr val="accent1"/>
+          </a:effectRef>
+          <a:fontRef idx="minor">
+            <a:schemeClr val="tx1"/>
+          </a:fontRef>
+        </p:style>
+      </p:cxnSp>
+      <p:cxnSp>
+        <p:nvCxnSpPr>
+          <p:cNvPr id="43" name="Straight Connector 42">
+            <a:extLst>
+              <a:ext uri="{FF2B5EF4-FFF2-40B4-BE49-F238E27FC236}">
+                <a16:creationId xmlns:a16="http://schemas.microsoft.com/office/drawing/2014/main" id="{D8170835-4757-4EBB-8423-68C93F39478E}"/>
+              </a:ext>
+            </a:extLst>
+          </p:cNvPr>
+          <p:cNvCxnSpPr>
+            <a:cxnSpLocks/>
+          </p:cNvCxnSpPr>
+          <p:nvPr/>
+        </p:nvCxnSpPr>
+        <p:spPr>
+          <a:xfrm flipH="1">
+            <a:off x="9812510" y="3946358"/>
+            <a:ext cx="349018" cy="1705047"/>
+          </a:xfrm>
+          <a:prstGeom prst="line">
+            <a:avLst/>
+          </a:prstGeom>
+          <a:ln>
+            <a:solidFill>
+              <a:schemeClr val="accent2"/>
+            </a:solidFill>
+            <a:tailEnd type="none" w="lg" len="lg"/>
+          </a:ln>
+          <a:effectLst/>
+        </p:spPr>
+        <p:style>
+          <a:lnRef idx="2">
+            <a:schemeClr val="accent1"/>
+          </a:lnRef>
+          <a:fillRef idx="0">
+            <a:schemeClr val="accent1"/>
+          </a:fillRef>
+          <a:effectRef idx="1">
+            <a:schemeClr val="accent1"/>
+          </a:effectRef>
+          <a:fontRef idx="minor">
+            <a:schemeClr val="tx1"/>
+          </a:fontRef>
+        </p:style>
+      </p:cxnSp>
+      <p:cxnSp>
+        <p:nvCxnSpPr>
+          <p:cNvPr id="44" name="Straight Connector 43">
+            <a:extLst>
+              <a:ext uri="{FF2B5EF4-FFF2-40B4-BE49-F238E27FC236}">
+                <a16:creationId xmlns:a16="http://schemas.microsoft.com/office/drawing/2014/main" id="{604AF966-FCFA-48F3-923E-2A16B41FED03}"/>
+              </a:ext>
+            </a:extLst>
+          </p:cNvPr>
+          <p:cNvCxnSpPr>
+            <a:cxnSpLocks/>
+          </p:cNvCxnSpPr>
+          <p:nvPr/>
+        </p:nvCxnSpPr>
+        <p:spPr>
+          <a:xfrm>
+            <a:off x="9812510" y="3946358"/>
+            <a:ext cx="0" cy="1705047"/>
+          </a:xfrm>
+          <a:prstGeom prst="line">
+            <a:avLst/>
+          </a:prstGeom>
+          <a:ln>
+            <a:tailEnd type="none" w="lg" len="lg"/>
           </a:ln>
           <a:effectLst/>
         </p:spPr>
